--- a/Capstone_QA Automation Project.pptx
+++ b/Capstone_QA Automation Project.pptx
@@ -5,10 +5,10 @@
     <p:sldMasterId id="2147483696" r:id="rId1"/>
   </p:sldMasterIdLst>
   <p:notesMasterIdLst>
-    <p:notesMasterId r:id="rId15"/>
+    <p:notesMasterId r:id="rId12"/>
   </p:notesMasterIdLst>
   <p:handoutMasterIdLst>
-    <p:handoutMasterId r:id="rId16"/>
+    <p:handoutMasterId r:id="rId13"/>
   </p:handoutMasterIdLst>
   <p:sldIdLst>
     <p:sldId id="259" r:id="rId2"/>
@@ -20,10 +20,7 @@
     <p:sldId id="272" r:id="rId8"/>
     <p:sldId id="269" r:id="rId9"/>
     <p:sldId id="270" r:id="rId10"/>
-    <p:sldId id="271" r:id="rId11"/>
-    <p:sldId id="261" r:id="rId12"/>
-    <p:sldId id="262" r:id="rId13"/>
-    <p:sldId id="263" r:id="rId14"/>
+    <p:sldId id="263" r:id="rId11"/>
   </p:sldIdLst>
   <p:sldSz cx="12192000" cy="6858000"/>
   <p:notesSz cx="6858000" cy="9144000"/>
@@ -131,4529 +128,6 @@
     </p:ext>
   </p:extLst>
 </p:presentation>
-</file>
-
-<file path=ppt/charts/chart1.xml><?xml version="1.0" encoding="utf-8"?>
-<c:chartSpace xmlns:c="http://schemas.openxmlformats.org/drawingml/2006/chart" xmlns:a="http://schemas.openxmlformats.org/drawingml/2006/main" xmlns:r="http://schemas.openxmlformats.org/officeDocument/2006/relationships" xmlns:c16r2="http://schemas.microsoft.com/office/drawing/2015/06/chart">
-  <c:date1904 val="0"/>
-  <c:lang val="en-US"/>
-  <c:roundedCorners val="0"/>
-  <mc:AlternateContent xmlns:mc="http://schemas.openxmlformats.org/markup-compatibility/2006">
-    <mc:Choice xmlns:c14="http://schemas.microsoft.com/office/drawing/2007/8/2/chart" Requires="c14">
-      <c14:style val="102"/>
-    </mc:Choice>
-    <mc:Fallback>
-      <c:style val="2"/>
-    </mc:Fallback>
-  </mc:AlternateContent>
-  <c:chart>
-    <c:autoTitleDeleted val="1"/>
-    <c:plotArea>
-      <c:layout/>
-      <c:barChart>
-        <c:barDir val="col"/>
-        <c:grouping val="clustered"/>
-        <c:varyColors val="0"/>
-        <c:ser>
-          <c:idx val="0"/>
-          <c:order val="0"/>
-          <c:tx>
-            <c:strRef>
-              <c:f>Sheet1!$B$1</c:f>
-              <c:strCache>
-                <c:ptCount val="1"/>
-                <c:pt idx="0">
-                  <c:v>Series 1</c:v>
-                </c:pt>
-              </c:strCache>
-            </c:strRef>
-          </c:tx>
-          <c:spPr>
-            <a:gradFill rotWithShape="1">
-              <a:gsLst>
-                <a:gs pos="0">
-                  <a:schemeClr val="accent1">
-                    <a:satMod val="103000"/>
-                    <a:lumMod val="102000"/>
-                    <a:tint val="94000"/>
-                  </a:schemeClr>
-                </a:gs>
-                <a:gs pos="50000">
-                  <a:schemeClr val="accent1">
-                    <a:satMod val="110000"/>
-                    <a:lumMod val="100000"/>
-                    <a:shade val="100000"/>
-                  </a:schemeClr>
-                </a:gs>
-                <a:gs pos="100000">
-                  <a:schemeClr val="accent1">
-                    <a:lumMod val="99000"/>
-                    <a:satMod val="120000"/>
-                    <a:shade val="78000"/>
-                  </a:schemeClr>
-                </a:gs>
-              </a:gsLst>
-              <a:lin ang="5400000" scaled="0"/>
-            </a:gradFill>
-            <a:ln>
-              <a:noFill/>
-            </a:ln>
-            <a:effectLst>
-              <a:outerShdw blurRad="57150" dist="19050" dir="5400000" algn="ctr" rotWithShape="0">
-                <a:srgbClr val="000000">
-                  <a:alpha val="63000"/>
-                </a:srgbClr>
-              </a:outerShdw>
-            </a:effectLst>
-          </c:spPr>
-          <c:invertIfNegative val="0"/>
-          <c:cat>
-            <c:strRef>
-              <c:f>Sheet1!$A$2:$A$5</c:f>
-              <c:strCache>
-                <c:ptCount val="4"/>
-                <c:pt idx="0">
-                  <c:v>Category 1</c:v>
-                </c:pt>
-                <c:pt idx="1">
-                  <c:v>Category 2</c:v>
-                </c:pt>
-                <c:pt idx="2">
-                  <c:v>Category 3</c:v>
-                </c:pt>
-                <c:pt idx="3">
-                  <c:v>Category 4</c:v>
-                </c:pt>
-              </c:strCache>
-            </c:strRef>
-          </c:cat>
-          <c:val>
-            <c:numRef>
-              <c:f>Sheet1!$B$2:$B$5</c:f>
-              <c:numCache>
-                <c:formatCode>General</c:formatCode>
-                <c:ptCount val="4"/>
-                <c:pt idx="0">
-                  <c:v>4.3</c:v>
-                </c:pt>
-                <c:pt idx="1">
-                  <c:v>2.5</c:v>
-                </c:pt>
-                <c:pt idx="2">
-                  <c:v>3.5</c:v>
-                </c:pt>
-                <c:pt idx="3">
-                  <c:v>4.5</c:v>
-                </c:pt>
-              </c:numCache>
-            </c:numRef>
-          </c:val>
-          <c:extLst>
-            <c:ext xmlns:c16="http://schemas.microsoft.com/office/drawing/2014/chart" uri="{C3380CC4-5D6E-409C-BE32-E72D297353CC}">
-              <c16:uniqueId val="{00000000-B2C6-4913-A8A7-9AA9B36F8F15}"/>
-            </c:ext>
-          </c:extLst>
-        </c:ser>
-        <c:ser>
-          <c:idx val="1"/>
-          <c:order val="1"/>
-          <c:tx>
-            <c:strRef>
-              <c:f>Sheet1!$C$1</c:f>
-              <c:strCache>
-                <c:ptCount val="1"/>
-                <c:pt idx="0">
-                  <c:v>Series 2</c:v>
-                </c:pt>
-              </c:strCache>
-            </c:strRef>
-          </c:tx>
-          <c:spPr>
-            <a:gradFill rotWithShape="1">
-              <a:gsLst>
-                <a:gs pos="0">
-                  <a:schemeClr val="accent2">
-                    <a:satMod val="103000"/>
-                    <a:lumMod val="102000"/>
-                    <a:tint val="94000"/>
-                  </a:schemeClr>
-                </a:gs>
-                <a:gs pos="50000">
-                  <a:schemeClr val="accent2">
-                    <a:satMod val="110000"/>
-                    <a:lumMod val="100000"/>
-                    <a:shade val="100000"/>
-                  </a:schemeClr>
-                </a:gs>
-                <a:gs pos="100000">
-                  <a:schemeClr val="accent2">
-                    <a:lumMod val="99000"/>
-                    <a:satMod val="120000"/>
-                    <a:shade val="78000"/>
-                  </a:schemeClr>
-                </a:gs>
-              </a:gsLst>
-              <a:lin ang="5400000" scaled="0"/>
-            </a:gradFill>
-            <a:ln>
-              <a:noFill/>
-            </a:ln>
-            <a:effectLst>
-              <a:outerShdw blurRad="57150" dist="19050" dir="5400000" algn="ctr" rotWithShape="0">
-                <a:srgbClr val="000000">
-                  <a:alpha val="63000"/>
-                </a:srgbClr>
-              </a:outerShdw>
-            </a:effectLst>
-          </c:spPr>
-          <c:invertIfNegative val="0"/>
-          <c:cat>
-            <c:strRef>
-              <c:f>Sheet1!$A$2:$A$5</c:f>
-              <c:strCache>
-                <c:ptCount val="4"/>
-                <c:pt idx="0">
-                  <c:v>Category 1</c:v>
-                </c:pt>
-                <c:pt idx="1">
-                  <c:v>Category 2</c:v>
-                </c:pt>
-                <c:pt idx="2">
-                  <c:v>Category 3</c:v>
-                </c:pt>
-                <c:pt idx="3">
-                  <c:v>Category 4</c:v>
-                </c:pt>
-              </c:strCache>
-            </c:strRef>
-          </c:cat>
-          <c:val>
-            <c:numRef>
-              <c:f>Sheet1!$C$2:$C$5</c:f>
-              <c:numCache>
-                <c:formatCode>General</c:formatCode>
-                <c:ptCount val="4"/>
-                <c:pt idx="0">
-                  <c:v>2.4</c:v>
-                </c:pt>
-                <c:pt idx="1">
-                  <c:v>4.4000000000000004</c:v>
-                </c:pt>
-                <c:pt idx="2">
-                  <c:v>1.8</c:v>
-                </c:pt>
-                <c:pt idx="3">
-                  <c:v>2.8</c:v>
-                </c:pt>
-              </c:numCache>
-            </c:numRef>
-          </c:val>
-          <c:extLst>
-            <c:ext xmlns:c16="http://schemas.microsoft.com/office/drawing/2014/chart" uri="{C3380CC4-5D6E-409C-BE32-E72D297353CC}">
-              <c16:uniqueId val="{00000001-B2C6-4913-A8A7-9AA9B36F8F15}"/>
-            </c:ext>
-          </c:extLst>
-        </c:ser>
-        <c:ser>
-          <c:idx val="2"/>
-          <c:order val="2"/>
-          <c:tx>
-            <c:strRef>
-              <c:f>Sheet1!$D$1</c:f>
-              <c:strCache>
-                <c:ptCount val="1"/>
-                <c:pt idx="0">
-                  <c:v>Series 3</c:v>
-                </c:pt>
-              </c:strCache>
-            </c:strRef>
-          </c:tx>
-          <c:spPr>
-            <a:gradFill rotWithShape="1">
-              <a:gsLst>
-                <a:gs pos="0">
-                  <a:schemeClr val="accent3">
-                    <a:satMod val="103000"/>
-                    <a:lumMod val="102000"/>
-                    <a:tint val="94000"/>
-                  </a:schemeClr>
-                </a:gs>
-                <a:gs pos="50000">
-                  <a:schemeClr val="accent3">
-                    <a:satMod val="110000"/>
-                    <a:lumMod val="100000"/>
-                    <a:shade val="100000"/>
-                  </a:schemeClr>
-                </a:gs>
-                <a:gs pos="100000">
-                  <a:schemeClr val="accent3">
-                    <a:lumMod val="99000"/>
-                    <a:satMod val="120000"/>
-                    <a:shade val="78000"/>
-                  </a:schemeClr>
-                </a:gs>
-              </a:gsLst>
-              <a:lin ang="5400000" scaled="0"/>
-            </a:gradFill>
-            <a:ln>
-              <a:noFill/>
-            </a:ln>
-            <a:effectLst>
-              <a:outerShdw blurRad="57150" dist="19050" dir="5400000" algn="ctr" rotWithShape="0">
-                <a:srgbClr val="000000">
-                  <a:alpha val="63000"/>
-                </a:srgbClr>
-              </a:outerShdw>
-            </a:effectLst>
-          </c:spPr>
-          <c:invertIfNegative val="0"/>
-          <c:cat>
-            <c:strRef>
-              <c:f>Sheet1!$A$2:$A$5</c:f>
-              <c:strCache>
-                <c:ptCount val="4"/>
-                <c:pt idx="0">
-                  <c:v>Category 1</c:v>
-                </c:pt>
-                <c:pt idx="1">
-                  <c:v>Category 2</c:v>
-                </c:pt>
-                <c:pt idx="2">
-                  <c:v>Category 3</c:v>
-                </c:pt>
-                <c:pt idx="3">
-                  <c:v>Category 4</c:v>
-                </c:pt>
-              </c:strCache>
-            </c:strRef>
-          </c:cat>
-          <c:val>
-            <c:numRef>
-              <c:f>Sheet1!$D$2:$D$5</c:f>
-              <c:numCache>
-                <c:formatCode>General</c:formatCode>
-                <c:ptCount val="4"/>
-                <c:pt idx="0">
-                  <c:v>2</c:v>
-                </c:pt>
-                <c:pt idx="1">
-                  <c:v>2</c:v>
-                </c:pt>
-                <c:pt idx="2">
-                  <c:v>3</c:v>
-                </c:pt>
-                <c:pt idx="3">
-                  <c:v>5</c:v>
-                </c:pt>
-              </c:numCache>
-            </c:numRef>
-          </c:val>
-          <c:extLst>
-            <c:ext xmlns:c16="http://schemas.microsoft.com/office/drawing/2014/chart" uri="{C3380CC4-5D6E-409C-BE32-E72D297353CC}">
-              <c16:uniqueId val="{00000002-B2C6-4913-A8A7-9AA9B36F8F15}"/>
-            </c:ext>
-          </c:extLst>
-        </c:ser>
-        <c:dLbls>
-          <c:showLegendKey val="0"/>
-          <c:showVal val="0"/>
-          <c:showCatName val="0"/>
-          <c:showSerName val="0"/>
-          <c:showPercent val="0"/>
-          <c:showBubbleSize val="0"/>
-        </c:dLbls>
-        <c:gapWidth val="100"/>
-        <c:overlap val="-24"/>
-        <c:axId val="458859552"/>
-        <c:axId val="458856416"/>
-      </c:barChart>
-      <c:catAx>
-        <c:axId val="458859552"/>
-        <c:scaling>
-          <c:orientation val="minMax"/>
-        </c:scaling>
-        <c:delete val="0"/>
-        <c:axPos val="b"/>
-        <c:numFmt formatCode="General" sourceLinked="1"/>
-        <c:majorTickMark val="none"/>
-        <c:minorTickMark val="none"/>
-        <c:tickLblPos val="nextTo"/>
-        <c:spPr>
-          <a:noFill/>
-          <a:ln w="12700" cap="flat" cmpd="sng" algn="ctr">
-            <a:solidFill>
-              <a:schemeClr val="tx1">
-                <a:lumMod val="15000"/>
-                <a:lumOff val="85000"/>
-              </a:schemeClr>
-            </a:solidFill>
-            <a:round/>
-          </a:ln>
-          <a:effectLst/>
-        </c:spPr>
-        <c:txPr>
-          <a:bodyPr rot="-60000000" spcFirstLastPara="1" vertOverflow="ellipsis" vert="horz" wrap="square" anchor="ctr" anchorCtr="1"/>
-          <a:lstStyle/>
-          <a:p>
-            <a:pPr>
-              <a:defRPr sz="1197" b="0" i="0" u="none" strike="noStrike" kern="1200" baseline="0">
-                <a:solidFill>
-                  <a:schemeClr val="tx1">
-                    <a:lumMod val="65000"/>
-                    <a:lumOff val="35000"/>
-                  </a:schemeClr>
-                </a:solidFill>
-                <a:latin typeface="+mn-lt"/>
-                <a:ea typeface="+mn-ea"/>
-                <a:cs typeface="+mn-cs"/>
-              </a:defRPr>
-            </a:pPr>
-            <a:endParaRPr lang="en-US"/>
-          </a:p>
-        </c:txPr>
-        <c:crossAx val="458856416"/>
-        <c:crosses val="autoZero"/>
-        <c:auto val="1"/>
-        <c:lblAlgn val="ctr"/>
-        <c:lblOffset val="100"/>
-        <c:noMultiLvlLbl val="0"/>
-      </c:catAx>
-      <c:valAx>
-        <c:axId val="458856416"/>
-        <c:scaling>
-          <c:orientation val="minMax"/>
-        </c:scaling>
-        <c:delete val="0"/>
-        <c:axPos val="l"/>
-        <c:majorGridlines>
-          <c:spPr>
-            <a:ln w="9525" cap="flat" cmpd="sng" algn="ctr">
-              <a:solidFill>
-                <a:schemeClr val="tx1">
-                  <a:lumMod val="15000"/>
-                  <a:lumOff val="85000"/>
-                </a:schemeClr>
-              </a:solidFill>
-              <a:round/>
-            </a:ln>
-            <a:effectLst/>
-          </c:spPr>
-        </c:majorGridlines>
-        <c:numFmt formatCode="General" sourceLinked="1"/>
-        <c:majorTickMark val="none"/>
-        <c:minorTickMark val="none"/>
-        <c:tickLblPos val="nextTo"/>
-        <c:spPr>
-          <a:noFill/>
-          <a:ln>
-            <a:noFill/>
-          </a:ln>
-          <a:effectLst/>
-        </c:spPr>
-        <c:txPr>
-          <a:bodyPr rot="-60000000" spcFirstLastPara="1" vertOverflow="ellipsis" vert="horz" wrap="square" anchor="ctr" anchorCtr="1"/>
-          <a:lstStyle/>
-          <a:p>
-            <a:pPr>
-              <a:defRPr sz="1197" b="0" i="0" u="none" strike="noStrike" kern="1200" baseline="0">
-                <a:solidFill>
-                  <a:schemeClr val="tx1">
-                    <a:lumMod val="65000"/>
-                    <a:lumOff val="35000"/>
-                  </a:schemeClr>
-                </a:solidFill>
-                <a:latin typeface="+mn-lt"/>
-                <a:ea typeface="+mn-ea"/>
-                <a:cs typeface="+mn-cs"/>
-              </a:defRPr>
-            </a:pPr>
-            <a:endParaRPr lang="en-US"/>
-          </a:p>
-        </c:txPr>
-        <c:crossAx val="458859552"/>
-        <c:crosses val="autoZero"/>
-        <c:crossBetween val="between"/>
-      </c:valAx>
-      <c:spPr>
-        <a:noFill/>
-        <a:ln>
-          <a:noFill/>
-        </a:ln>
-        <a:effectLst/>
-      </c:spPr>
-    </c:plotArea>
-    <c:legend>
-      <c:legendPos val="b"/>
-      <c:overlay val="0"/>
-      <c:spPr>
-        <a:noFill/>
-        <a:ln>
-          <a:noFill/>
-        </a:ln>
-        <a:effectLst/>
-      </c:spPr>
-      <c:txPr>
-        <a:bodyPr rot="0" spcFirstLastPara="1" vertOverflow="ellipsis" vert="horz" wrap="square" anchor="ctr" anchorCtr="1"/>
-        <a:lstStyle/>
-        <a:p>
-          <a:pPr>
-            <a:defRPr sz="1197" b="0" i="0" u="none" strike="noStrike" kern="1200" baseline="0">
-              <a:solidFill>
-                <a:schemeClr val="tx1">
-                  <a:lumMod val="65000"/>
-                  <a:lumOff val="35000"/>
-                </a:schemeClr>
-              </a:solidFill>
-              <a:latin typeface="+mn-lt"/>
-              <a:ea typeface="+mn-ea"/>
-              <a:cs typeface="+mn-cs"/>
-            </a:defRPr>
-          </a:pPr>
-          <a:endParaRPr lang="en-US"/>
-        </a:p>
-      </c:txPr>
-    </c:legend>
-    <c:plotVisOnly val="1"/>
-    <c:dispBlanksAs val="gap"/>
-    <c:showDLblsOverMax val="0"/>
-  </c:chart>
-  <c:spPr>
-    <a:noFill/>
-    <a:ln>
-      <a:noFill/>
-    </a:ln>
-    <a:effectLst/>
-  </c:spPr>
-  <c:txPr>
-    <a:bodyPr/>
-    <a:lstStyle/>
-    <a:p>
-      <a:pPr>
-        <a:defRPr/>
-      </a:pPr>
-      <a:endParaRPr lang="en-US"/>
-    </a:p>
-  </c:txPr>
-  <c:externalData r:id="rId3">
-    <c:autoUpdate val="0"/>
-  </c:externalData>
-</c:chartSpace>
-</file>
-
-<file path=ppt/charts/colors1.xml><?xml version="1.0" encoding="utf-8"?>
-<cs:colorStyle xmlns:cs="http://schemas.microsoft.com/office/drawing/2012/chartStyle" xmlns:a="http://schemas.openxmlformats.org/drawingml/2006/main" meth="cycle" id="10">
-  <a:schemeClr val="accent1"/>
-  <a:schemeClr val="accent2"/>
-  <a:schemeClr val="accent3"/>
-  <a:schemeClr val="accent4"/>
-  <a:schemeClr val="accent5"/>
-  <a:schemeClr val="accent6"/>
-  <cs:variation/>
-  <cs:variation>
-    <a:lumMod val="60000"/>
-  </cs:variation>
-  <cs:variation>
-    <a:lumMod val="80000"/>
-    <a:lumOff val="20000"/>
-  </cs:variation>
-  <cs:variation>
-    <a:lumMod val="80000"/>
-  </cs:variation>
-  <cs:variation>
-    <a:lumMod val="60000"/>
-    <a:lumOff val="40000"/>
-  </cs:variation>
-  <cs:variation>
-    <a:lumMod val="50000"/>
-  </cs:variation>
-  <cs:variation>
-    <a:lumMod val="70000"/>
-    <a:lumOff val="30000"/>
-  </cs:variation>
-  <cs:variation>
-    <a:lumMod val="70000"/>
-  </cs:variation>
-  <cs:variation>
-    <a:lumMod val="50000"/>
-    <a:lumOff val="50000"/>
-  </cs:variation>
-</cs:colorStyle>
-</file>
-
-<file path=ppt/charts/style1.xml><?xml version="1.0" encoding="utf-8"?>
-<cs:chartStyle xmlns:cs="http://schemas.microsoft.com/office/drawing/2012/chartStyle" xmlns:a="http://schemas.openxmlformats.org/drawingml/2006/main" id="340">
-  <cs:axisTitle>
-    <cs:lnRef idx="0"/>
-    <cs:fillRef idx="0"/>
-    <cs:effectRef idx="0"/>
-    <cs:fontRef idx="minor">
-      <a:schemeClr val="tx1">
-        <a:lumMod val="65000"/>
-        <a:lumOff val="35000"/>
-      </a:schemeClr>
-    </cs:fontRef>
-    <cs:defRPr sz="1197" kern="1200"/>
-  </cs:axisTitle>
-  <cs:categoryAxis>
-    <cs:lnRef idx="0"/>
-    <cs:fillRef idx="0"/>
-    <cs:effectRef idx="0"/>
-    <cs:fontRef idx="minor">
-      <a:schemeClr val="tx1">
-        <a:lumMod val="65000"/>
-        <a:lumOff val="35000"/>
-      </a:schemeClr>
-    </cs:fontRef>
-    <cs:spPr>
-      <a:ln w="12700" cap="flat" cmpd="sng" algn="ctr">
-        <a:solidFill>
-          <a:schemeClr val="tx1">
-            <a:lumMod val="15000"/>
-            <a:lumOff val="85000"/>
-          </a:schemeClr>
-        </a:solidFill>
-        <a:round/>
-      </a:ln>
-    </cs:spPr>
-    <cs:defRPr sz="1197" kern="1200"/>
-  </cs:categoryAxis>
-  <cs:chartArea mods="allowNoFillOverride allowNoLineOverride">
-    <cs:lnRef idx="0"/>
-    <cs:fillRef idx="0"/>
-    <cs:effectRef idx="0"/>
-    <cs:fontRef idx="minor">
-      <a:schemeClr val="tx2"/>
-    </cs:fontRef>
-    <cs:spPr>
-      <a:solidFill>
-        <a:schemeClr val="bg1"/>
-      </a:solidFill>
-      <a:ln w="9525" cap="flat" cmpd="sng" algn="ctr">
-        <a:solidFill>
-          <a:schemeClr val="tx1">
-            <a:lumMod val="15000"/>
-            <a:lumOff val="85000"/>
-          </a:schemeClr>
-        </a:solidFill>
-        <a:round/>
-      </a:ln>
-    </cs:spPr>
-    <cs:defRPr sz="1197" kern="1200"/>
-  </cs:chartArea>
-  <cs:dataLabel>
-    <cs:lnRef idx="0"/>
-    <cs:fillRef idx="0"/>
-    <cs:effectRef idx="0"/>
-    <cs:fontRef idx="minor">
-      <a:schemeClr val="tx1">
-        <a:lumMod val="75000"/>
-        <a:lumOff val="25000"/>
-      </a:schemeClr>
-    </cs:fontRef>
-    <cs:defRPr sz="1197" kern="1200"/>
-  </cs:dataLabel>
-  <cs:dataLabelCallout>
-    <cs:lnRef idx="0"/>
-    <cs:fillRef idx="0"/>
-    <cs:effectRef idx="0"/>
-    <cs:fontRef idx="minor">
-      <a:schemeClr val="dk1">
-        <a:lumMod val="65000"/>
-        <a:lumOff val="35000"/>
-      </a:schemeClr>
-    </cs:fontRef>
-    <cs:spPr>
-      <a:solidFill>
-        <a:schemeClr val="lt1"/>
-      </a:solidFill>
-      <a:ln>
-        <a:solidFill>
-          <a:schemeClr val="dk1">
-            <a:lumMod val="25000"/>
-            <a:lumOff val="75000"/>
-          </a:schemeClr>
-        </a:solidFill>
-      </a:ln>
-    </cs:spPr>
-    <cs:defRPr sz="1197" kern="1200"/>
-    <cs:bodyPr rot="0" spcFirstLastPara="1" vertOverflow="clip" horzOverflow="clip" vert="horz" wrap="square" lIns="36576" tIns="18288" rIns="36576" bIns="18288" anchor="ctr" anchorCtr="1">
-      <a:spAutoFit/>
-    </cs:bodyPr>
-  </cs:dataLabelCallout>
-  <cs:dataPoint>
-    <cs:lnRef idx="0"/>
-    <cs:fillRef idx="3">
-      <cs:styleClr val="auto"/>
-    </cs:fillRef>
-    <cs:effectRef idx="3"/>
-    <cs:fontRef idx="minor">
-      <a:schemeClr val="lt1"/>
-    </cs:fontRef>
-  </cs:dataPoint>
-  <cs:dataPoint3D>
-    <cs:lnRef idx="0"/>
-    <cs:fillRef idx="3">
-      <cs:styleClr val="auto"/>
-    </cs:fillRef>
-    <cs:effectRef idx="3"/>
-    <cs:fontRef idx="minor">
-      <a:schemeClr val="lt1"/>
-    </cs:fontRef>
-  </cs:dataPoint3D>
-  <cs:dataPointLine>
-    <cs:lnRef idx="0">
-      <cs:styleClr val="auto"/>
-    </cs:lnRef>
-    <cs:fillRef idx="3"/>
-    <cs:effectRef idx="3"/>
-    <cs:fontRef idx="minor">
-      <a:schemeClr val="lt1"/>
-    </cs:fontRef>
-    <cs:spPr>
-      <a:ln w="34925" cap="rnd">
-        <a:solidFill>
-          <a:schemeClr val="phClr"/>
-        </a:solidFill>
-        <a:round/>
-      </a:ln>
-    </cs:spPr>
-  </cs:dataPointLine>
-  <cs:dataPointMarker>
-    <cs:lnRef idx="0">
-      <cs:styleClr val="auto"/>
-    </cs:lnRef>
-    <cs:fillRef idx="3">
-      <cs:styleClr val="auto"/>
-    </cs:fillRef>
-    <cs:effectRef idx="3"/>
-    <cs:fontRef idx="minor">
-      <a:schemeClr val="lt1"/>
-    </cs:fontRef>
-    <cs:spPr>
-      <a:ln w="9525">
-        <a:solidFill>
-          <a:schemeClr val="phClr"/>
-        </a:solidFill>
-        <a:round/>
-      </a:ln>
-    </cs:spPr>
-  </cs:dataPointMarker>
-  <cs:dataPointMarkerLayout symbol="circle" size="6"/>
-  <cs:dataPointWireframe>
-    <cs:lnRef idx="0">
-      <cs:styleClr val="auto"/>
-    </cs:lnRef>
-    <cs:fillRef idx="3"/>
-    <cs:effectRef idx="3"/>
-    <cs:fontRef idx="minor">
-      <a:schemeClr val="lt1"/>
-    </cs:fontRef>
-    <cs:spPr>
-      <a:ln w="9525" cap="rnd">
-        <a:solidFill>
-          <a:schemeClr val="phClr"/>
-        </a:solidFill>
-        <a:round/>
-      </a:ln>
-    </cs:spPr>
-  </cs:dataPointWireframe>
-  <cs:dataTable>
-    <cs:lnRef idx="0"/>
-    <cs:fillRef idx="0"/>
-    <cs:effectRef idx="0"/>
-    <cs:fontRef idx="minor">
-      <a:schemeClr val="tx1">
-        <a:lumMod val="65000"/>
-        <a:lumOff val="35000"/>
-      </a:schemeClr>
-    </cs:fontRef>
-    <cs:spPr>
-      <a:noFill/>
-      <a:ln w="9525" cap="flat" cmpd="sng" algn="ctr">
-        <a:solidFill>
-          <a:schemeClr val="tx1">
-            <a:lumMod val="15000"/>
-            <a:lumOff val="85000"/>
-          </a:schemeClr>
-        </a:solidFill>
-        <a:round/>
-      </a:ln>
-    </cs:spPr>
-    <cs:defRPr sz="1197" kern="1200"/>
-  </cs:dataTable>
-  <cs:downBar>
-    <cs:lnRef idx="0"/>
-    <cs:fillRef idx="0"/>
-    <cs:effectRef idx="0"/>
-    <cs:fontRef idx="minor">
-      <a:schemeClr val="dk1"/>
-    </cs:fontRef>
-    <cs:spPr>
-      <a:solidFill>
-        <a:schemeClr val="dk1">
-          <a:lumMod val="65000"/>
-          <a:lumOff val="35000"/>
-        </a:schemeClr>
-      </a:solidFill>
-      <a:ln w="9525">
-        <a:solidFill>
-          <a:schemeClr val="tx1">
-            <a:lumMod val="65000"/>
-            <a:lumOff val="35000"/>
-          </a:schemeClr>
-        </a:solidFill>
-      </a:ln>
-    </cs:spPr>
-  </cs:downBar>
-  <cs:dropLine>
-    <cs:lnRef idx="0"/>
-    <cs:fillRef idx="0"/>
-    <cs:effectRef idx="0"/>
-    <cs:fontRef idx="minor">
-      <a:schemeClr val="tx1"/>
-    </cs:fontRef>
-    <cs:spPr>
-      <a:ln w="9525" cap="flat" cmpd="sng" algn="ctr">
-        <a:solidFill>
-          <a:schemeClr val="tx1">
-            <a:lumMod val="35000"/>
-            <a:lumOff val="65000"/>
-          </a:schemeClr>
-        </a:solidFill>
-        <a:round/>
-      </a:ln>
-    </cs:spPr>
-  </cs:dropLine>
-  <cs:errorBar>
-    <cs:lnRef idx="0"/>
-    <cs:fillRef idx="0"/>
-    <cs:effectRef idx="0"/>
-    <cs:fontRef idx="minor">
-      <a:schemeClr val="tx1"/>
-    </cs:fontRef>
-    <cs:spPr>
-      <a:ln w="9525" cap="flat" cmpd="sng" algn="ctr">
-        <a:solidFill>
-          <a:schemeClr val="tx1">
-            <a:lumMod val="65000"/>
-            <a:lumOff val="35000"/>
-          </a:schemeClr>
-        </a:solidFill>
-        <a:round/>
-      </a:ln>
-    </cs:spPr>
-  </cs:errorBar>
-  <cs:floor>
-    <cs:lnRef idx="0"/>
-    <cs:fillRef idx="0"/>
-    <cs:effectRef idx="0"/>
-    <cs:fontRef idx="minor">
-      <a:schemeClr val="lt1"/>
-    </cs:fontRef>
-  </cs:floor>
-  <cs:gridlineMajor>
-    <cs:lnRef idx="0"/>
-    <cs:fillRef idx="0"/>
-    <cs:effectRef idx="0"/>
-    <cs:fontRef idx="minor">
-      <a:schemeClr val="tx1"/>
-    </cs:fontRef>
-    <cs:spPr>
-      <a:ln w="9525" cap="flat" cmpd="sng" algn="ctr">
-        <a:solidFill>
-          <a:schemeClr val="tx1">
-            <a:lumMod val="15000"/>
-            <a:lumOff val="85000"/>
-          </a:schemeClr>
-        </a:solidFill>
-        <a:round/>
-      </a:ln>
-    </cs:spPr>
-  </cs:gridlineMajor>
-  <cs:gridlineMinor>
-    <cs:lnRef idx="0"/>
-    <cs:fillRef idx="0"/>
-    <cs:effectRef idx="0"/>
-    <cs:fontRef idx="minor">
-      <a:schemeClr val="tx1"/>
-    </cs:fontRef>
-    <cs:spPr>
-      <a:ln w="9525" cap="flat" cmpd="sng" algn="ctr">
-        <a:solidFill>
-          <a:schemeClr val="tx1">
-            <a:lumMod val="5000"/>
-            <a:lumOff val="95000"/>
-          </a:schemeClr>
-        </a:solidFill>
-        <a:round/>
-      </a:ln>
-    </cs:spPr>
-  </cs:gridlineMinor>
-  <cs:hiLoLine>
-    <cs:lnRef idx="0"/>
-    <cs:fillRef idx="0"/>
-    <cs:effectRef idx="0"/>
-    <cs:fontRef idx="minor">
-      <a:schemeClr val="tx1"/>
-    </cs:fontRef>
-    <cs:spPr>
-      <a:ln w="9525" cap="flat" cmpd="sng" algn="ctr">
-        <a:solidFill>
-          <a:schemeClr val="tx1">
-            <a:lumMod val="75000"/>
-            <a:lumOff val="25000"/>
-          </a:schemeClr>
-        </a:solidFill>
-        <a:round/>
-      </a:ln>
-    </cs:spPr>
-  </cs:hiLoLine>
-  <cs:leaderLine>
-    <cs:lnRef idx="0"/>
-    <cs:fillRef idx="0"/>
-    <cs:effectRef idx="0"/>
-    <cs:fontRef idx="minor">
-      <a:schemeClr val="tx1"/>
-    </cs:fontRef>
-    <cs:spPr>
-      <a:ln w="9525" cap="flat" cmpd="sng" algn="ctr">
-        <a:solidFill>
-          <a:schemeClr val="tx1">
-            <a:lumMod val="35000"/>
-            <a:lumOff val="65000"/>
-          </a:schemeClr>
-        </a:solidFill>
-        <a:round/>
-      </a:ln>
-    </cs:spPr>
-  </cs:leaderLine>
-  <cs:legend>
-    <cs:lnRef idx="0"/>
-    <cs:fillRef idx="0"/>
-    <cs:effectRef idx="0"/>
-    <cs:fontRef idx="minor">
-      <a:schemeClr val="tx1">
-        <a:lumMod val="65000"/>
-        <a:lumOff val="35000"/>
-      </a:schemeClr>
-    </cs:fontRef>
-    <cs:defRPr sz="1197" kern="1200"/>
-  </cs:legend>
-  <cs:plotArea>
-    <cs:lnRef idx="0"/>
-    <cs:fillRef idx="0"/>
-    <cs:effectRef idx="0"/>
-    <cs:fontRef idx="minor">
-      <a:schemeClr val="lt1"/>
-    </cs:fontRef>
-  </cs:plotArea>
-  <cs:plotArea3D>
-    <cs:lnRef idx="0"/>
-    <cs:fillRef idx="0"/>
-    <cs:effectRef idx="0"/>
-    <cs:fontRef idx="minor">
-      <a:schemeClr val="lt1"/>
-    </cs:fontRef>
-  </cs:plotArea3D>
-  <cs:seriesAxis>
-    <cs:lnRef idx="0"/>
-    <cs:fillRef idx="0"/>
-    <cs:effectRef idx="0"/>
-    <cs:fontRef idx="minor">
-      <a:schemeClr val="lt1">
-        <a:lumMod val="85000"/>
-      </a:schemeClr>
-    </cs:fontRef>
-    <cs:spPr>
-      <a:ln w="12700" cap="flat" cmpd="sng" algn="ctr">
-        <a:solidFill>
-          <a:schemeClr val="tx1">
-            <a:lumMod val="15000"/>
-            <a:lumOff val="85000"/>
-          </a:schemeClr>
-        </a:solidFill>
-        <a:round/>
-      </a:ln>
-    </cs:spPr>
-    <cs:defRPr sz="1197" kern="1200"/>
-  </cs:seriesAxis>
-  <cs:seriesLine>
-    <cs:lnRef idx="0"/>
-    <cs:fillRef idx="0"/>
-    <cs:effectRef idx="0"/>
-    <cs:fontRef idx="minor">
-      <a:schemeClr val="tx1"/>
-    </cs:fontRef>
-    <cs:spPr>
-      <a:ln w="9525" cap="flat" cmpd="sng" algn="ctr">
-        <a:solidFill>
-          <a:schemeClr val="tx1">
-            <a:lumMod val="35000"/>
-            <a:lumOff val="65000"/>
-          </a:schemeClr>
-        </a:solidFill>
-        <a:round/>
-      </a:ln>
-    </cs:spPr>
-  </cs:seriesLine>
-  <cs:title>
-    <cs:lnRef idx="0"/>
-    <cs:fillRef idx="0"/>
-    <cs:effectRef idx="0"/>
-    <cs:fontRef idx="minor">
-      <a:schemeClr val="tx1">
-        <a:lumMod val="65000"/>
-        <a:lumOff val="35000"/>
-      </a:schemeClr>
-    </cs:fontRef>
-    <cs:defRPr sz="2128" b="1" kern="1200" spc="100" baseline="0"/>
-  </cs:title>
-  <cs:trendline>
-    <cs:lnRef idx="0">
-      <cs:styleClr val="auto"/>
-    </cs:lnRef>
-    <cs:fillRef idx="0"/>
-    <cs:effectRef idx="0"/>
-    <cs:fontRef idx="minor">
-      <a:schemeClr val="lt1"/>
-    </cs:fontRef>
-    <cs:spPr>
-      <a:ln w="19050" cap="rnd">
-        <a:solidFill>
-          <a:schemeClr val="phClr"/>
-        </a:solidFill>
-      </a:ln>
-    </cs:spPr>
-  </cs:trendline>
-  <cs:trendlineLabel>
-    <cs:lnRef idx="0"/>
-    <cs:fillRef idx="0"/>
-    <cs:effectRef idx="0"/>
-    <cs:fontRef idx="minor">
-      <a:schemeClr val="tx1">
-        <a:lumMod val="65000"/>
-        <a:lumOff val="35000"/>
-      </a:schemeClr>
-    </cs:fontRef>
-    <cs:defRPr sz="1197" kern="1200"/>
-  </cs:trendlineLabel>
-  <cs:upBar>
-    <cs:lnRef idx="0"/>
-    <cs:fillRef idx="0"/>
-    <cs:effectRef idx="0"/>
-    <cs:fontRef idx="minor">
-      <a:schemeClr val="dk1"/>
-    </cs:fontRef>
-    <cs:spPr>
-      <a:solidFill>
-        <a:schemeClr val="lt1"/>
-      </a:solidFill>
-      <a:ln w="9525">
-        <a:solidFill>
-          <a:schemeClr val="tx1">
-            <a:lumMod val="15000"/>
-            <a:lumOff val="85000"/>
-          </a:schemeClr>
-        </a:solidFill>
-      </a:ln>
-    </cs:spPr>
-  </cs:upBar>
-  <cs:valueAxis>
-    <cs:lnRef idx="0"/>
-    <cs:fillRef idx="0"/>
-    <cs:effectRef idx="0"/>
-    <cs:fontRef idx="minor">
-      <a:schemeClr val="tx1">
-        <a:lumMod val="65000"/>
-        <a:lumOff val="35000"/>
-      </a:schemeClr>
-    </cs:fontRef>
-    <cs:defRPr sz="1197" kern="1200"/>
-  </cs:valueAxis>
-  <cs:wall>
-    <cs:lnRef idx="0"/>
-    <cs:fillRef idx="0"/>
-    <cs:effectRef idx="0"/>
-    <cs:fontRef idx="minor">
-      <a:schemeClr val="lt1"/>
-    </cs:fontRef>
-  </cs:wall>
-</cs:chartStyle>
-</file>
-
-<file path=ppt/diagrams/colors1.xml><?xml version="1.0" encoding="utf-8"?>
-<dgm:colorsDef xmlns:dgm="http://schemas.openxmlformats.org/drawingml/2006/diagram" xmlns:a="http://schemas.openxmlformats.org/drawingml/2006/main" uniqueId="urn:microsoft.com/office/officeart/2005/8/colors/accent1_1">
-  <dgm:title val=""/>
-  <dgm:desc val=""/>
-  <dgm:catLst>
-    <dgm:cat type="accent1" pri="11100"/>
-  </dgm:catLst>
-  <dgm:styleLbl name="node0">
-    <dgm:fillClrLst meth="repeat">
-      <a:schemeClr val="lt1"/>
-    </dgm:fillClrLst>
-    <dgm:linClrLst meth="repeat">
-      <a:schemeClr val="accent1">
-        <a:shade val="80000"/>
-      </a:schemeClr>
-    </dgm:linClrLst>
-    <dgm:effectClrLst/>
-    <dgm:txLinClrLst/>
-    <dgm:txFillClrLst meth="repeat">
-      <a:schemeClr val="dk1"/>
-    </dgm:txFillClrLst>
-    <dgm:txEffectClrLst/>
-  </dgm:styleLbl>
-  <dgm:styleLbl name="alignNode1">
-    <dgm:fillClrLst meth="repeat">
-      <a:schemeClr val="lt1"/>
-    </dgm:fillClrLst>
-    <dgm:linClrLst meth="repeat">
-      <a:schemeClr val="accent1">
-        <a:shade val="80000"/>
-      </a:schemeClr>
-    </dgm:linClrLst>
-    <dgm:effectClrLst/>
-    <dgm:txLinClrLst/>
-    <dgm:txFillClrLst meth="repeat">
-      <a:schemeClr val="dk1"/>
-    </dgm:txFillClrLst>
-    <dgm:txEffectClrLst/>
-  </dgm:styleLbl>
-  <dgm:styleLbl name="node1">
-    <dgm:fillClrLst meth="repeat">
-      <a:schemeClr val="lt1"/>
-    </dgm:fillClrLst>
-    <dgm:linClrLst meth="repeat">
-      <a:schemeClr val="accent1">
-        <a:shade val="80000"/>
-      </a:schemeClr>
-    </dgm:linClrLst>
-    <dgm:effectClrLst/>
-    <dgm:txLinClrLst/>
-    <dgm:txFillClrLst meth="repeat">
-      <a:schemeClr val="dk1"/>
-    </dgm:txFillClrLst>
-    <dgm:txEffectClrLst/>
-  </dgm:styleLbl>
-  <dgm:styleLbl name="lnNode1">
-    <dgm:fillClrLst meth="repeat">
-      <a:schemeClr val="lt1"/>
-    </dgm:fillClrLst>
-    <dgm:linClrLst meth="repeat">
-      <a:schemeClr val="accent1">
-        <a:shade val="80000"/>
-      </a:schemeClr>
-    </dgm:linClrLst>
-    <dgm:effectClrLst/>
-    <dgm:txLinClrLst/>
-    <dgm:txFillClrLst meth="repeat">
-      <a:schemeClr val="dk1"/>
-    </dgm:txFillClrLst>
-    <dgm:txEffectClrLst/>
-  </dgm:styleLbl>
-  <dgm:styleLbl name="vennNode1">
-    <dgm:fillClrLst meth="repeat">
-      <a:schemeClr val="lt1">
-        <a:alpha val="50000"/>
-      </a:schemeClr>
-    </dgm:fillClrLst>
-    <dgm:linClrLst meth="repeat">
-      <a:schemeClr val="accent1">
-        <a:shade val="80000"/>
-      </a:schemeClr>
-    </dgm:linClrLst>
-    <dgm:effectClrLst/>
-    <dgm:txLinClrLst/>
-    <dgm:txFillClrLst/>
-    <dgm:txEffectClrLst/>
-  </dgm:styleLbl>
-  <dgm:styleLbl name="node2">
-    <dgm:fillClrLst meth="repeat">
-      <a:schemeClr val="lt1"/>
-    </dgm:fillClrLst>
-    <dgm:linClrLst meth="repeat">
-      <a:schemeClr val="accent1">
-        <a:shade val="80000"/>
-      </a:schemeClr>
-    </dgm:linClrLst>
-    <dgm:effectClrLst/>
-    <dgm:txLinClrLst/>
-    <dgm:txFillClrLst meth="repeat">
-      <a:schemeClr val="dk1"/>
-    </dgm:txFillClrLst>
-    <dgm:txEffectClrLst/>
-  </dgm:styleLbl>
-  <dgm:styleLbl name="node3">
-    <dgm:fillClrLst meth="repeat">
-      <a:schemeClr val="lt1"/>
-    </dgm:fillClrLst>
-    <dgm:linClrLst meth="repeat">
-      <a:schemeClr val="accent1">
-        <a:shade val="80000"/>
-      </a:schemeClr>
-    </dgm:linClrLst>
-    <dgm:effectClrLst/>
-    <dgm:txLinClrLst/>
-    <dgm:txFillClrLst meth="repeat">
-      <a:schemeClr val="dk1"/>
-    </dgm:txFillClrLst>
-    <dgm:txEffectClrLst/>
-  </dgm:styleLbl>
-  <dgm:styleLbl name="node4">
-    <dgm:fillClrLst meth="repeat">
-      <a:schemeClr val="lt1"/>
-    </dgm:fillClrLst>
-    <dgm:linClrLst meth="repeat">
-      <a:schemeClr val="accent1">
-        <a:shade val="80000"/>
-      </a:schemeClr>
-    </dgm:linClrLst>
-    <dgm:effectClrLst/>
-    <dgm:txLinClrLst/>
-    <dgm:txFillClrLst meth="repeat">
-      <a:schemeClr val="dk1"/>
-    </dgm:txFillClrLst>
-    <dgm:txEffectClrLst/>
-  </dgm:styleLbl>
-  <dgm:styleLbl name="fgImgPlace1">
-    <dgm:fillClrLst meth="repeat">
-      <a:schemeClr val="accent1">
-        <a:tint val="40000"/>
-      </a:schemeClr>
-    </dgm:fillClrLst>
-    <dgm:linClrLst meth="repeat">
-      <a:schemeClr val="accent1">
-        <a:shade val="80000"/>
-      </a:schemeClr>
-    </dgm:linClrLst>
-    <dgm:effectClrLst/>
-    <dgm:txLinClrLst/>
-    <dgm:txFillClrLst meth="repeat">
-      <a:schemeClr val="lt1"/>
-    </dgm:txFillClrLst>
-    <dgm:txEffectClrLst/>
-  </dgm:styleLbl>
-  <dgm:styleLbl name="alignImgPlace1">
-    <dgm:fillClrLst meth="repeat">
-      <a:schemeClr val="accent1">
-        <a:tint val="40000"/>
-      </a:schemeClr>
-    </dgm:fillClrLst>
-    <dgm:linClrLst meth="repeat">
-      <a:schemeClr val="accent1">
-        <a:shade val="80000"/>
-      </a:schemeClr>
-    </dgm:linClrLst>
-    <dgm:effectClrLst/>
-    <dgm:txLinClrLst/>
-    <dgm:txFillClrLst meth="repeat">
-      <a:schemeClr val="lt1"/>
-    </dgm:txFillClrLst>
-    <dgm:txEffectClrLst/>
-  </dgm:styleLbl>
-  <dgm:styleLbl name="bgImgPlace1">
-    <dgm:fillClrLst meth="repeat">
-      <a:schemeClr val="accent1">
-        <a:tint val="40000"/>
-      </a:schemeClr>
-    </dgm:fillClrLst>
-    <dgm:linClrLst meth="repeat">
-      <a:schemeClr val="accent1">
-        <a:shade val="80000"/>
-      </a:schemeClr>
-    </dgm:linClrLst>
-    <dgm:effectClrLst/>
-    <dgm:txLinClrLst/>
-    <dgm:txFillClrLst meth="repeat">
-      <a:schemeClr val="lt1"/>
-    </dgm:txFillClrLst>
-    <dgm:txEffectClrLst/>
-  </dgm:styleLbl>
-  <dgm:styleLbl name="sibTrans2D1">
-    <dgm:fillClrLst meth="repeat">
-      <a:schemeClr val="accent1">
-        <a:tint val="60000"/>
-      </a:schemeClr>
-    </dgm:fillClrLst>
-    <dgm:linClrLst meth="repeat">
-      <a:schemeClr val="accent1">
-        <a:tint val="60000"/>
-      </a:schemeClr>
-    </dgm:linClrLst>
-    <dgm:effectClrLst/>
-    <dgm:txLinClrLst/>
-    <dgm:txFillClrLst meth="repeat">
-      <a:schemeClr val="dk1"/>
-    </dgm:txFillClrLst>
-    <dgm:txEffectClrLst/>
-  </dgm:styleLbl>
-  <dgm:styleLbl name="fgSibTrans2D1">
-    <dgm:fillClrLst meth="repeat">
-      <a:schemeClr val="accent1">
-        <a:tint val="60000"/>
-      </a:schemeClr>
-    </dgm:fillClrLst>
-    <dgm:linClrLst meth="repeat">
-      <a:schemeClr val="accent1">
-        <a:tint val="60000"/>
-      </a:schemeClr>
-    </dgm:linClrLst>
-    <dgm:effectClrLst/>
-    <dgm:txLinClrLst/>
-    <dgm:txFillClrLst meth="repeat">
-      <a:schemeClr val="dk1"/>
-    </dgm:txFillClrLst>
-    <dgm:txEffectClrLst/>
-  </dgm:styleLbl>
-  <dgm:styleLbl name="bgSibTrans2D1">
-    <dgm:fillClrLst meth="repeat">
-      <a:schemeClr val="accent1">
-        <a:tint val="60000"/>
-      </a:schemeClr>
-    </dgm:fillClrLst>
-    <dgm:linClrLst meth="repeat">
-      <a:schemeClr val="accent1">
-        <a:tint val="60000"/>
-      </a:schemeClr>
-    </dgm:linClrLst>
-    <dgm:effectClrLst/>
-    <dgm:txLinClrLst/>
-    <dgm:txFillClrLst meth="repeat">
-      <a:schemeClr val="dk1"/>
-    </dgm:txFillClrLst>
-    <dgm:txEffectClrLst/>
-  </dgm:styleLbl>
-  <dgm:styleLbl name="sibTrans1D1">
-    <dgm:fillClrLst meth="repeat">
-      <a:schemeClr val="accent1"/>
-    </dgm:fillClrLst>
-    <dgm:linClrLst meth="repeat">
-      <a:schemeClr val="accent1"/>
-    </dgm:linClrLst>
-    <dgm:effectClrLst/>
-    <dgm:txLinClrLst/>
-    <dgm:txFillClrLst meth="repeat">
-      <a:schemeClr val="tx1"/>
-    </dgm:txFillClrLst>
-    <dgm:txEffectClrLst/>
-  </dgm:styleLbl>
-  <dgm:styleLbl name="callout">
-    <dgm:fillClrLst meth="repeat">
-      <a:schemeClr val="accent1"/>
-    </dgm:fillClrLst>
-    <dgm:linClrLst meth="repeat">
-      <a:schemeClr val="accent1"/>
-    </dgm:linClrLst>
-    <dgm:effectClrLst/>
-    <dgm:txLinClrLst/>
-    <dgm:txFillClrLst meth="repeat">
-      <a:schemeClr val="tx1"/>
-    </dgm:txFillClrLst>
-    <dgm:txEffectClrLst/>
-  </dgm:styleLbl>
-  <dgm:styleLbl name="asst0">
-    <dgm:fillClrLst meth="repeat">
-      <a:schemeClr val="lt1"/>
-    </dgm:fillClrLst>
-    <dgm:linClrLst meth="repeat">
-      <a:schemeClr val="accent1">
-        <a:shade val="80000"/>
-      </a:schemeClr>
-    </dgm:linClrLst>
-    <dgm:effectClrLst/>
-    <dgm:txLinClrLst/>
-    <dgm:txFillClrLst meth="repeat">
-      <a:schemeClr val="dk1"/>
-    </dgm:txFillClrLst>
-    <dgm:txEffectClrLst/>
-  </dgm:styleLbl>
-  <dgm:styleLbl name="asst1">
-    <dgm:fillClrLst meth="repeat">
-      <a:schemeClr val="lt1"/>
-    </dgm:fillClrLst>
-    <dgm:linClrLst meth="repeat">
-      <a:schemeClr val="accent1">
-        <a:shade val="80000"/>
-      </a:schemeClr>
-    </dgm:linClrLst>
-    <dgm:effectClrLst/>
-    <dgm:txLinClrLst/>
-    <dgm:txFillClrLst meth="repeat">
-      <a:schemeClr val="dk1"/>
-    </dgm:txFillClrLst>
-    <dgm:txEffectClrLst/>
-  </dgm:styleLbl>
-  <dgm:styleLbl name="asst2">
-    <dgm:fillClrLst meth="repeat">
-      <a:schemeClr val="lt1"/>
-    </dgm:fillClrLst>
-    <dgm:linClrLst meth="repeat">
-      <a:schemeClr val="accent1">
-        <a:shade val="80000"/>
-      </a:schemeClr>
-    </dgm:linClrLst>
-    <dgm:effectClrLst/>
-    <dgm:txLinClrLst/>
-    <dgm:txFillClrLst meth="repeat">
-      <a:schemeClr val="dk1"/>
-    </dgm:txFillClrLst>
-    <dgm:txEffectClrLst/>
-  </dgm:styleLbl>
-  <dgm:styleLbl name="asst3">
-    <dgm:fillClrLst meth="repeat">
-      <a:schemeClr val="lt1"/>
-    </dgm:fillClrLst>
-    <dgm:linClrLst meth="repeat">
-      <a:schemeClr val="accent1">
-        <a:shade val="80000"/>
-      </a:schemeClr>
-    </dgm:linClrLst>
-    <dgm:effectClrLst/>
-    <dgm:txLinClrLst/>
-    <dgm:txFillClrLst meth="repeat">
-      <a:schemeClr val="dk1"/>
-    </dgm:txFillClrLst>
-    <dgm:txEffectClrLst/>
-  </dgm:styleLbl>
-  <dgm:styleLbl name="asst4">
-    <dgm:fillClrLst meth="repeat">
-      <a:schemeClr val="lt1"/>
-    </dgm:fillClrLst>
-    <dgm:linClrLst meth="repeat">
-      <a:schemeClr val="accent1">
-        <a:shade val="80000"/>
-      </a:schemeClr>
-    </dgm:linClrLst>
-    <dgm:effectClrLst/>
-    <dgm:txLinClrLst/>
-    <dgm:txFillClrLst meth="repeat">
-      <a:schemeClr val="dk1"/>
-    </dgm:txFillClrLst>
-    <dgm:txEffectClrLst/>
-  </dgm:styleLbl>
-  <dgm:styleLbl name="parChTrans2D1">
-    <dgm:fillClrLst meth="repeat">
-      <a:schemeClr val="accent1">
-        <a:tint val="60000"/>
-      </a:schemeClr>
-    </dgm:fillClrLst>
-    <dgm:linClrLst meth="repeat">
-      <a:schemeClr val="accent1">
-        <a:tint val="60000"/>
-      </a:schemeClr>
-    </dgm:linClrLst>
-    <dgm:effectClrLst/>
-    <dgm:txLinClrLst/>
-    <dgm:txFillClrLst/>
-    <dgm:txEffectClrLst/>
-  </dgm:styleLbl>
-  <dgm:styleLbl name="parChTrans2D2">
-    <dgm:fillClrLst meth="repeat">
-      <a:schemeClr val="accent1"/>
-    </dgm:fillClrLst>
-    <dgm:linClrLst meth="repeat">
-      <a:schemeClr val="accent1"/>
-    </dgm:linClrLst>
-    <dgm:effectClrLst/>
-    <dgm:txLinClrLst/>
-    <dgm:txFillClrLst/>
-    <dgm:txEffectClrLst/>
-  </dgm:styleLbl>
-  <dgm:styleLbl name="parChTrans2D3">
-    <dgm:fillClrLst meth="repeat">
-      <a:schemeClr val="accent1"/>
-    </dgm:fillClrLst>
-    <dgm:linClrLst meth="repeat">
-      <a:schemeClr val="accent1"/>
-    </dgm:linClrLst>
-    <dgm:effectClrLst/>
-    <dgm:txLinClrLst/>
-    <dgm:txFillClrLst/>
-    <dgm:txEffectClrLst/>
-  </dgm:styleLbl>
-  <dgm:styleLbl name="parChTrans2D4">
-    <dgm:fillClrLst meth="repeat">
-      <a:schemeClr val="accent1"/>
-    </dgm:fillClrLst>
-    <dgm:linClrLst meth="repeat">
-      <a:schemeClr val="accent1"/>
-    </dgm:linClrLst>
-    <dgm:effectClrLst/>
-    <dgm:txLinClrLst/>
-    <dgm:txFillClrLst meth="repeat">
-      <a:schemeClr val="lt1"/>
-    </dgm:txFillClrLst>
-    <dgm:txEffectClrLst/>
-  </dgm:styleLbl>
-  <dgm:styleLbl name="parChTrans1D1">
-    <dgm:fillClrLst meth="repeat">
-      <a:schemeClr val="accent1"/>
-    </dgm:fillClrLst>
-    <dgm:linClrLst meth="repeat">
-      <a:schemeClr val="accent1">
-        <a:shade val="60000"/>
-      </a:schemeClr>
-    </dgm:linClrLst>
-    <dgm:effectClrLst/>
-    <dgm:txLinClrLst/>
-    <dgm:txFillClrLst meth="repeat">
-      <a:schemeClr val="tx1"/>
-    </dgm:txFillClrLst>
-    <dgm:txEffectClrLst/>
-  </dgm:styleLbl>
-  <dgm:styleLbl name="parChTrans1D2">
-    <dgm:fillClrLst meth="repeat">
-      <a:schemeClr val="accent1"/>
-    </dgm:fillClrLst>
-    <dgm:linClrLst meth="repeat">
-      <a:schemeClr val="accent1">
-        <a:shade val="60000"/>
-      </a:schemeClr>
-    </dgm:linClrLst>
-    <dgm:effectClrLst/>
-    <dgm:txLinClrLst/>
-    <dgm:txFillClrLst meth="repeat">
-      <a:schemeClr val="tx1"/>
-    </dgm:txFillClrLst>
-    <dgm:txEffectClrLst/>
-  </dgm:styleLbl>
-  <dgm:styleLbl name="parChTrans1D3">
-    <dgm:fillClrLst meth="repeat">
-      <a:schemeClr val="accent1"/>
-    </dgm:fillClrLst>
-    <dgm:linClrLst meth="repeat">
-      <a:schemeClr val="accent1">
-        <a:shade val="80000"/>
-      </a:schemeClr>
-    </dgm:linClrLst>
-    <dgm:effectClrLst/>
-    <dgm:txLinClrLst/>
-    <dgm:txFillClrLst meth="repeat">
-      <a:schemeClr val="tx1"/>
-    </dgm:txFillClrLst>
-    <dgm:txEffectClrLst/>
-  </dgm:styleLbl>
-  <dgm:styleLbl name="parChTrans1D4">
-    <dgm:fillClrLst meth="repeat">
-      <a:schemeClr val="accent1"/>
-    </dgm:fillClrLst>
-    <dgm:linClrLst meth="repeat">
-      <a:schemeClr val="accent1">
-        <a:shade val="80000"/>
-      </a:schemeClr>
-    </dgm:linClrLst>
-    <dgm:effectClrLst/>
-    <dgm:txLinClrLst/>
-    <dgm:txFillClrLst meth="repeat">
-      <a:schemeClr val="tx1"/>
-    </dgm:txFillClrLst>
-    <dgm:txEffectClrLst/>
-  </dgm:styleLbl>
-  <dgm:styleLbl name="fgAcc1">
-    <dgm:fillClrLst meth="repeat">
-      <a:schemeClr val="accent1">
-        <a:alpha val="90000"/>
-        <a:tint val="40000"/>
-      </a:schemeClr>
-    </dgm:fillClrLst>
-    <dgm:linClrLst meth="repeat">
-      <a:schemeClr val="accent1"/>
-    </dgm:linClrLst>
-    <dgm:effectClrLst/>
-    <dgm:txLinClrLst/>
-    <dgm:txFillClrLst meth="repeat">
-      <a:schemeClr val="dk1"/>
-    </dgm:txFillClrLst>
-    <dgm:txEffectClrLst/>
-  </dgm:styleLbl>
-  <dgm:styleLbl name="conFgAcc1">
-    <dgm:fillClrLst meth="repeat">
-      <a:schemeClr val="accent1">
-        <a:alpha val="90000"/>
-        <a:tint val="40000"/>
-      </a:schemeClr>
-    </dgm:fillClrLst>
-    <dgm:linClrLst meth="repeat">
-      <a:schemeClr val="accent1"/>
-    </dgm:linClrLst>
-    <dgm:effectClrLst/>
-    <dgm:txLinClrLst/>
-    <dgm:txFillClrLst meth="repeat">
-      <a:schemeClr val="dk1"/>
-    </dgm:txFillClrLst>
-    <dgm:txEffectClrLst/>
-  </dgm:styleLbl>
-  <dgm:styleLbl name="alignAcc1">
-    <dgm:fillClrLst meth="repeat">
-      <a:schemeClr val="accent1">
-        <a:alpha val="90000"/>
-        <a:tint val="40000"/>
-      </a:schemeClr>
-    </dgm:fillClrLst>
-    <dgm:linClrLst meth="repeat">
-      <a:schemeClr val="accent1"/>
-    </dgm:linClrLst>
-    <dgm:effectClrLst/>
-    <dgm:txLinClrLst/>
-    <dgm:txFillClrLst meth="repeat">
-      <a:schemeClr val="dk1"/>
-    </dgm:txFillClrLst>
-    <dgm:txEffectClrLst/>
-  </dgm:styleLbl>
-  <dgm:styleLbl name="trAlignAcc1">
-    <dgm:fillClrLst meth="repeat">
-      <a:schemeClr val="accent1">
-        <a:alpha val="40000"/>
-        <a:tint val="40000"/>
-      </a:schemeClr>
-    </dgm:fillClrLst>
-    <dgm:linClrLst meth="repeat">
-      <a:schemeClr val="accent1"/>
-    </dgm:linClrLst>
-    <dgm:effectClrLst/>
-    <dgm:txLinClrLst/>
-    <dgm:txFillClrLst meth="repeat">
-      <a:schemeClr val="dk1"/>
-    </dgm:txFillClrLst>
-    <dgm:txEffectClrLst/>
-  </dgm:styleLbl>
-  <dgm:styleLbl name="bgAcc1">
-    <dgm:fillClrLst meth="repeat">
-      <a:schemeClr val="accent1">
-        <a:alpha val="90000"/>
-        <a:tint val="40000"/>
-      </a:schemeClr>
-    </dgm:fillClrLst>
-    <dgm:linClrLst meth="repeat">
-      <a:schemeClr val="accent1"/>
-    </dgm:linClrLst>
-    <dgm:effectClrLst/>
-    <dgm:txLinClrLst/>
-    <dgm:txFillClrLst meth="repeat">
-      <a:schemeClr val="dk1"/>
-    </dgm:txFillClrLst>
-    <dgm:txEffectClrLst/>
-  </dgm:styleLbl>
-  <dgm:styleLbl name="solidFgAcc1">
-    <dgm:fillClrLst meth="repeat">
-      <a:schemeClr val="lt1"/>
-    </dgm:fillClrLst>
-    <dgm:linClrLst meth="repeat">
-      <a:schemeClr val="accent1"/>
-    </dgm:linClrLst>
-    <dgm:effectClrLst/>
-    <dgm:txLinClrLst/>
-    <dgm:txFillClrLst meth="repeat">
-      <a:schemeClr val="dk1"/>
-    </dgm:txFillClrLst>
-    <dgm:txEffectClrLst/>
-  </dgm:styleLbl>
-  <dgm:styleLbl name="solidAlignAcc1">
-    <dgm:fillClrLst meth="repeat">
-      <a:schemeClr val="lt1"/>
-    </dgm:fillClrLst>
-    <dgm:linClrLst meth="repeat">
-      <a:schemeClr val="accent1"/>
-    </dgm:linClrLst>
-    <dgm:effectClrLst/>
-    <dgm:txLinClrLst/>
-    <dgm:txFillClrLst meth="repeat">
-      <a:schemeClr val="dk1"/>
-    </dgm:txFillClrLst>
-    <dgm:txEffectClrLst/>
-  </dgm:styleLbl>
-  <dgm:styleLbl name="solidBgAcc1">
-    <dgm:fillClrLst meth="repeat">
-      <a:schemeClr val="lt1"/>
-    </dgm:fillClrLst>
-    <dgm:linClrLst meth="repeat">
-      <a:schemeClr val="accent1"/>
-    </dgm:linClrLst>
-    <dgm:effectClrLst/>
-    <dgm:txLinClrLst/>
-    <dgm:txFillClrLst meth="repeat">
-      <a:schemeClr val="dk1"/>
-    </dgm:txFillClrLst>
-    <dgm:txEffectClrLst/>
-  </dgm:styleLbl>
-  <dgm:styleLbl name="fgAccFollowNode1">
-    <dgm:fillClrLst meth="repeat">
-      <a:schemeClr val="lt1">
-        <a:alpha val="90000"/>
-        <a:tint val="40000"/>
-      </a:schemeClr>
-    </dgm:fillClrLst>
-    <dgm:linClrLst meth="repeat">
-      <a:schemeClr val="accent1">
-        <a:alpha val="90000"/>
-      </a:schemeClr>
-    </dgm:linClrLst>
-    <dgm:effectClrLst/>
-    <dgm:txLinClrLst/>
-    <dgm:txFillClrLst meth="repeat">
-      <a:schemeClr val="dk1"/>
-    </dgm:txFillClrLst>
-    <dgm:txEffectClrLst/>
-  </dgm:styleLbl>
-  <dgm:styleLbl name="alignAccFollowNode1">
-    <dgm:fillClrLst meth="repeat">
-      <a:schemeClr val="lt1">
-        <a:alpha val="90000"/>
-        <a:tint val="40000"/>
-      </a:schemeClr>
-    </dgm:fillClrLst>
-    <dgm:linClrLst meth="repeat">
-      <a:schemeClr val="accent1">
-        <a:alpha val="90000"/>
-      </a:schemeClr>
-    </dgm:linClrLst>
-    <dgm:effectClrLst/>
-    <dgm:txLinClrLst/>
-    <dgm:txFillClrLst meth="repeat">
-      <a:schemeClr val="dk1"/>
-    </dgm:txFillClrLst>
-    <dgm:txEffectClrLst/>
-  </dgm:styleLbl>
-  <dgm:styleLbl name="bgAccFollowNode1">
-    <dgm:fillClrLst meth="repeat">
-      <a:schemeClr val="lt1">
-        <a:alpha val="90000"/>
-        <a:tint val="40000"/>
-      </a:schemeClr>
-    </dgm:fillClrLst>
-    <dgm:linClrLst meth="repeat">
-      <a:schemeClr val="accent1">
-        <a:alpha val="90000"/>
-      </a:schemeClr>
-    </dgm:linClrLst>
-    <dgm:effectClrLst/>
-    <dgm:txLinClrLst/>
-    <dgm:txFillClrLst meth="repeat">
-      <a:schemeClr val="dk1"/>
-    </dgm:txFillClrLst>
-    <dgm:txEffectClrLst/>
-  </dgm:styleLbl>
-  <dgm:styleLbl name="fgAcc0">
-    <dgm:fillClrLst meth="repeat">
-      <a:schemeClr val="accent1">
-        <a:alpha val="90000"/>
-        <a:tint val="40000"/>
-      </a:schemeClr>
-    </dgm:fillClrLst>
-    <dgm:linClrLst meth="repeat">
-      <a:schemeClr val="accent1"/>
-    </dgm:linClrLst>
-    <dgm:effectClrLst/>
-    <dgm:txLinClrLst/>
-    <dgm:txFillClrLst meth="repeat">
-      <a:schemeClr val="dk1"/>
-    </dgm:txFillClrLst>
-    <dgm:txEffectClrLst/>
-  </dgm:styleLbl>
-  <dgm:styleLbl name="fgAcc2">
-    <dgm:fillClrLst meth="repeat">
-      <a:schemeClr val="accent1">
-        <a:alpha val="90000"/>
-        <a:tint val="40000"/>
-      </a:schemeClr>
-    </dgm:fillClrLst>
-    <dgm:linClrLst meth="repeat">
-      <a:schemeClr val="accent1"/>
-    </dgm:linClrLst>
-    <dgm:effectClrLst/>
-    <dgm:txLinClrLst/>
-    <dgm:txFillClrLst meth="repeat">
-      <a:schemeClr val="dk1"/>
-    </dgm:txFillClrLst>
-    <dgm:txEffectClrLst/>
-  </dgm:styleLbl>
-  <dgm:styleLbl name="fgAcc3">
-    <dgm:fillClrLst meth="repeat">
-      <a:schemeClr val="accent1">
-        <a:alpha val="90000"/>
-        <a:tint val="40000"/>
-      </a:schemeClr>
-    </dgm:fillClrLst>
-    <dgm:linClrLst meth="repeat">
-      <a:schemeClr val="accent1"/>
-    </dgm:linClrLst>
-    <dgm:effectClrLst/>
-    <dgm:txLinClrLst/>
-    <dgm:txFillClrLst meth="repeat">
-      <a:schemeClr val="dk1"/>
-    </dgm:txFillClrLst>
-    <dgm:txEffectClrLst/>
-  </dgm:styleLbl>
-  <dgm:styleLbl name="fgAcc4">
-    <dgm:fillClrLst meth="repeat">
-      <a:schemeClr val="accent1">
-        <a:alpha val="90000"/>
-        <a:tint val="40000"/>
-      </a:schemeClr>
-    </dgm:fillClrLst>
-    <dgm:linClrLst meth="repeat">
-      <a:schemeClr val="accent1"/>
-    </dgm:linClrLst>
-    <dgm:effectClrLst/>
-    <dgm:txLinClrLst/>
-    <dgm:txFillClrLst meth="repeat">
-      <a:schemeClr val="dk1"/>
-    </dgm:txFillClrLst>
-    <dgm:txEffectClrLst/>
-  </dgm:styleLbl>
-  <dgm:styleLbl name="bgShp">
-    <dgm:fillClrLst meth="repeat">
-      <a:schemeClr val="accent1">
-        <a:tint val="40000"/>
-      </a:schemeClr>
-    </dgm:fillClrLst>
-    <dgm:linClrLst meth="repeat">
-      <a:schemeClr val="accent1"/>
-    </dgm:linClrLst>
-    <dgm:effectClrLst/>
-    <dgm:txLinClrLst/>
-    <dgm:txFillClrLst meth="repeat">
-      <a:schemeClr val="dk1"/>
-    </dgm:txFillClrLst>
-    <dgm:txEffectClrLst/>
-  </dgm:styleLbl>
-  <dgm:styleLbl name="dkBgShp">
-    <dgm:fillClrLst meth="repeat">
-      <a:schemeClr val="accent1">
-        <a:shade val="80000"/>
-      </a:schemeClr>
-    </dgm:fillClrLst>
-    <dgm:linClrLst meth="repeat">
-      <a:schemeClr val="accent1"/>
-    </dgm:linClrLst>
-    <dgm:effectClrLst/>
-    <dgm:txLinClrLst/>
-    <dgm:txFillClrLst meth="repeat">
-      <a:schemeClr val="lt1"/>
-    </dgm:txFillClrLst>
-    <dgm:txEffectClrLst/>
-  </dgm:styleLbl>
-  <dgm:styleLbl name="trBgShp">
-    <dgm:fillClrLst meth="repeat">
-      <a:schemeClr val="accent1">
-        <a:tint val="50000"/>
-        <a:alpha val="40000"/>
-      </a:schemeClr>
-    </dgm:fillClrLst>
-    <dgm:linClrLst meth="repeat">
-      <a:schemeClr val="accent1"/>
-    </dgm:linClrLst>
-    <dgm:effectClrLst/>
-    <dgm:txLinClrLst/>
-    <dgm:txFillClrLst meth="repeat">
-      <a:schemeClr val="lt1"/>
-    </dgm:txFillClrLst>
-    <dgm:txEffectClrLst/>
-  </dgm:styleLbl>
-  <dgm:styleLbl name="fgShp">
-    <dgm:fillClrLst meth="repeat">
-      <a:schemeClr val="accent1">
-        <a:tint val="60000"/>
-      </a:schemeClr>
-    </dgm:fillClrLst>
-    <dgm:linClrLst meth="repeat">
-      <a:schemeClr val="lt1"/>
-    </dgm:linClrLst>
-    <dgm:effectClrLst/>
-    <dgm:txLinClrLst/>
-    <dgm:txFillClrLst meth="repeat">
-      <a:schemeClr val="dk1"/>
-    </dgm:txFillClrLst>
-    <dgm:txEffectClrLst/>
-  </dgm:styleLbl>
-  <dgm:styleLbl name="revTx">
-    <dgm:fillClrLst meth="repeat">
-      <a:schemeClr val="lt1">
-        <a:alpha val="0"/>
-      </a:schemeClr>
-    </dgm:fillClrLst>
-    <dgm:linClrLst meth="repeat">
-      <a:schemeClr val="dk1">
-        <a:alpha val="0"/>
-      </a:schemeClr>
-    </dgm:linClrLst>
-    <dgm:effectClrLst/>
-    <dgm:txLinClrLst/>
-    <dgm:txFillClrLst meth="repeat">
-      <a:schemeClr val="tx1"/>
-    </dgm:txFillClrLst>
-    <dgm:txEffectClrLst/>
-  </dgm:styleLbl>
-</dgm:colorsDef>
-</file>
-
-<file path=ppt/diagrams/data1.xml><?xml version="1.0" encoding="utf-8"?>
-<dgm:dataModel xmlns:dgm="http://schemas.openxmlformats.org/drawingml/2006/diagram" xmlns:a="http://schemas.openxmlformats.org/drawingml/2006/main">
-  <dgm:ptLst>
-    <dgm:pt modelId="{3F442EA2-39BA-4C9A-AD59-755D4917D532}" type="doc">
-      <dgm:prSet loTypeId="urn:microsoft.com/office/officeart/2008/layout/AlternatingHexagons" loCatId="list" qsTypeId="urn:microsoft.com/office/officeart/2005/8/quickstyle/simple1" qsCatId="simple" csTypeId="urn:microsoft.com/office/officeart/2005/8/colors/accent1_1" csCatId="accent1" phldr="1"/>
-      <dgm:spPr/>
-      <dgm:t>
-        <a:bodyPr/>
-        <a:lstStyle/>
-        <a:p>
-          <a:endParaRPr lang="en-US"/>
-        </a:p>
-      </dgm:t>
-    </dgm:pt>
-    <dgm:pt modelId="{4DF9FE7B-F642-4898-A360-D4E3814E1A3D}">
-      <dgm:prSet phldrT="[Text]"/>
-      <dgm:spPr/>
-      <dgm:t>
-        <a:bodyPr/>
-        <a:lstStyle/>
-        <a:p>
-          <a:r>
-            <a:rPr lang="en-US" dirty="0"/>
-            <a:t>Group A</a:t>
-          </a:r>
-        </a:p>
-      </dgm:t>
-      <dgm:extLst>
-        <a:ext uri="{E40237B7-FDA0-4F09-8148-C483321AD2D9}">
-          <dgm14:cNvPr xmlns:dgm14="http://schemas.microsoft.com/office/drawing/2010/diagram" id="0" name="" title="Group A title"/>
-        </a:ext>
-      </dgm:extLst>
-    </dgm:pt>
-    <dgm:pt modelId="{1C10F06D-860A-4604-A7AD-02E614FE3976}" type="parTrans" cxnId="{EBD8BE8D-6018-43E2-B081-034BB5656EB6}">
-      <dgm:prSet/>
-      <dgm:spPr/>
-      <dgm:t>
-        <a:bodyPr/>
-        <a:lstStyle/>
-        <a:p>
-          <a:endParaRPr lang="en-US"/>
-        </a:p>
-      </dgm:t>
-    </dgm:pt>
-    <dgm:pt modelId="{43C18EFF-81FC-4D70-8C6B-E95FF3730413}" type="sibTrans" cxnId="{EBD8BE8D-6018-43E2-B081-034BB5656EB6}">
-      <dgm:prSet/>
-      <dgm:spPr/>
-      <dgm:t>
-        <a:bodyPr/>
-        <a:lstStyle/>
-        <a:p>
-          <a:endParaRPr lang="en-US"/>
-        </a:p>
-      </dgm:t>
-    </dgm:pt>
-    <dgm:pt modelId="{EFF2750D-B4B3-474C-8B62-8B638DC31F7E}">
-      <dgm:prSet phldrT="[Text]"/>
-      <dgm:spPr/>
-      <dgm:t>
-        <a:bodyPr/>
-        <a:lstStyle/>
-        <a:p>
-          <a:r>
-            <a:rPr lang="en-US" dirty="0"/>
-            <a:t>Task 1</a:t>
-          </a:r>
-        </a:p>
-      </dgm:t>
-      <dgm:extLst>
-        <a:ext uri="{E40237B7-FDA0-4F09-8148-C483321AD2D9}">
-          <dgm14:cNvPr xmlns:dgm14="http://schemas.microsoft.com/office/drawing/2010/diagram" id="0" name="" title="Group A tasks"/>
-        </a:ext>
-      </dgm:extLst>
-    </dgm:pt>
-    <dgm:pt modelId="{AEBC78E6-CDDC-4C8F-A157-3C51E907FACD}" type="parTrans" cxnId="{A058DDA2-48CA-4E5B-B389-F71A59C262B0}">
-      <dgm:prSet/>
-      <dgm:spPr/>
-      <dgm:t>
-        <a:bodyPr/>
-        <a:lstStyle/>
-        <a:p>
-          <a:endParaRPr lang="en-US"/>
-        </a:p>
-      </dgm:t>
-    </dgm:pt>
-    <dgm:pt modelId="{75C067D7-FCD2-4969-8F27-4BBDA88E75ED}" type="sibTrans" cxnId="{A058DDA2-48CA-4E5B-B389-F71A59C262B0}">
-      <dgm:prSet/>
-      <dgm:spPr/>
-      <dgm:t>
-        <a:bodyPr/>
-        <a:lstStyle/>
-        <a:p>
-          <a:endParaRPr lang="en-US"/>
-        </a:p>
-      </dgm:t>
-    </dgm:pt>
-    <dgm:pt modelId="{789CD6DB-3A68-4A41-90BD-4F0CBB3617D1}">
-      <dgm:prSet phldrT="[Text]"/>
-      <dgm:spPr/>
-      <dgm:t>
-        <a:bodyPr/>
-        <a:lstStyle/>
-        <a:p>
-          <a:r>
-            <a:rPr lang="en-US" dirty="0"/>
-            <a:t>Task 2</a:t>
-          </a:r>
-        </a:p>
-      </dgm:t>
-    </dgm:pt>
-    <dgm:pt modelId="{C0BEB5FF-8DFB-40B9-A228-C0C6097DDDC4}" type="parTrans" cxnId="{62C10234-45D3-426A-8820-4C0D1D8CBA21}">
-      <dgm:prSet/>
-      <dgm:spPr/>
-      <dgm:t>
-        <a:bodyPr/>
-        <a:lstStyle/>
-        <a:p>
-          <a:endParaRPr lang="en-US"/>
-        </a:p>
-      </dgm:t>
-    </dgm:pt>
-    <dgm:pt modelId="{1A702531-A59F-4EE2-8246-E2EB0955D8B1}" type="sibTrans" cxnId="{62C10234-45D3-426A-8820-4C0D1D8CBA21}">
-      <dgm:prSet/>
-      <dgm:spPr/>
-      <dgm:t>
-        <a:bodyPr/>
-        <a:lstStyle/>
-        <a:p>
-          <a:endParaRPr lang="en-US"/>
-        </a:p>
-      </dgm:t>
-    </dgm:pt>
-    <dgm:pt modelId="{3929B1E1-4BC4-4C73-ABE8-27CEF96A3652}">
-      <dgm:prSet phldrT="[Text]"/>
-      <dgm:spPr/>
-      <dgm:t>
-        <a:bodyPr/>
-        <a:lstStyle/>
-        <a:p>
-          <a:r>
-            <a:rPr lang="en-US" dirty="0"/>
-            <a:t>Group B</a:t>
-          </a:r>
-        </a:p>
-      </dgm:t>
-      <dgm:extLst>
-        <a:ext uri="{E40237B7-FDA0-4F09-8148-C483321AD2D9}">
-          <dgm14:cNvPr xmlns:dgm14="http://schemas.microsoft.com/office/drawing/2010/diagram" id="0" name="" title="Group B title"/>
-        </a:ext>
-      </dgm:extLst>
-    </dgm:pt>
-    <dgm:pt modelId="{F356CC76-9117-4B79-A270-BBBAFD3E9C79}" type="parTrans" cxnId="{1339090C-9A95-4C05-841C-FA3AF987601B}">
-      <dgm:prSet/>
-      <dgm:spPr/>
-      <dgm:t>
-        <a:bodyPr/>
-        <a:lstStyle/>
-        <a:p>
-          <a:endParaRPr lang="en-US"/>
-        </a:p>
-      </dgm:t>
-    </dgm:pt>
-    <dgm:pt modelId="{19BA0C22-38BB-4E9F-89D5-0FF5FF9F12CE}" type="sibTrans" cxnId="{1339090C-9A95-4C05-841C-FA3AF987601B}">
-      <dgm:prSet/>
-      <dgm:spPr/>
-      <dgm:t>
-        <a:bodyPr/>
-        <a:lstStyle/>
-        <a:p>
-          <a:endParaRPr lang="en-US"/>
-        </a:p>
-      </dgm:t>
-    </dgm:pt>
-    <dgm:pt modelId="{99E0600D-9954-43F4-8926-13B8777FAAA1}">
-      <dgm:prSet phldrT="[Text]"/>
-      <dgm:spPr/>
-      <dgm:t>
-        <a:bodyPr/>
-        <a:lstStyle/>
-        <a:p>
-          <a:r>
-            <a:rPr lang="en-US" dirty="0"/>
-            <a:t>Task 1</a:t>
-          </a:r>
-        </a:p>
-      </dgm:t>
-      <dgm:extLst>
-        <a:ext uri="{E40237B7-FDA0-4F09-8148-C483321AD2D9}">
-          <dgm14:cNvPr xmlns:dgm14="http://schemas.microsoft.com/office/drawing/2010/diagram" id="0" name="" title="Group B tasks"/>
-        </a:ext>
-      </dgm:extLst>
-    </dgm:pt>
-    <dgm:pt modelId="{BE23F476-2C5C-42ED-BF2B-CD5FC7ADDDF6}" type="parTrans" cxnId="{09FCCB9D-A30A-4326-970E-26252D39327F}">
-      <dgm:prSet/>
-      <dgm:spPr/>
-      <dgm:t>
-        <a:bodyPr/>
-        <a:lstStyle/>
-        <a:p>
-          <a:endParaRPr lang="en-US"/>
-        </a:p>
-      </dgm:t>
-    </dgm:pt>
-    <dgm:pt modelId="{C44937DC-4907-4769-AA8B-1B3E7391D7B0}" type="sibTrans" cxnId="{09FCCB9D-A30A-4326-970E-26252D39327F}">
-      <dgm:prSet/>
-      <dgm:spPr/>
-      <dgm:t>
-        <a:bodyPr/>
-        <a:lstStyle/>
-        <a:p>
-          <a:endParaRPr lang="en-US"/>
-        </a:p>
-      </dgm:t>
-    </dgm:pt>
-    <dgm:pt modelId="{0791135C-9DAB-47F6-BE9C-A3E56A2DDA50}">
-      <dgm:prSet phldrT="[Text]"/>
-      <dgm:spPr/>
-      <dgm:t>
-        <a:bodyPr/>
-        <a:lstStyle/>
-        <a:p>
-          <a:r>
-            <a:rPr lang="en-US" dirty="0"/>
-            <a:t>Task 2</a:t>
-          </a:r>
-        </a:p>
-      </dgm:t>
-    </dgm:pt>
-    <dgm:pt modelId="{D6057E63-9793-4991-97C1-30FC405E95A5}" type="parTrans" cxnId="{B3B26E9A-58E5-497B-BD59-F5567958C609}">
-      <dgm:prSet/>
-      <dgm:spPr/>
-      <dgm:t>
-        <a:bodyPr/>
-        <a:lstStyle/>
-        <a:p>
-          <a:endParaRPr lang="en-US"/>
-        </a:p>
-      </dgm:t>
-    </dgm:pt>
-    <dgm:pt modelId="{B670C2A7-83CB-4F4C-BC19-A3A7C066A822}" type="sibTrans" cxnId="{B3B26E9A-58E5-497B-BD59-F5567958C609}">
-      <dgm:prSet/>
-      <dgm:spPr/>
-      <dgm:t>
-        <a:bodyPr/>
-        <a:lstStyle/>
-        <a:p>
-          <a:endParaRPr lang="en-US"/>
-        </a:p>
-      </dgm:t>
-    </dgm:pt>
-    <dgm:pt modelId="{60CDF8D0-D4FC-4467-A51E-79C5A58B0B2C}">
-      <dgm:prSet phldrT="[Text]"/>
-      <dgm:spPr/>
-      <dgm:t>
-        <a:bodyPr/>
-        <a:lstStyle/>
-        <a:p>
-          <a:r>
-            <a:rPr lang="en-US" dirty="0"/>
-            <a:t>Group C</a:t>
-          </a:r>
-        </a:p>
-      </dgm:t>
-      <dgm:extLst>
-        <a:ext uri="{E40237B7-FDA0-4F09-8148-C483321AD2D9}">
-          <dgm14:cNvPr xmlns:dgm14="http://schemas.microsoft.com/office/drawing/2010/diagram" id="0" name="" title="Group C title"/>
-        </a:ext>
-      </dgm:extLst>
-    </dgm:pt>
-    <dgm:pt modelId="{E12A269F-AB82-486A-9077-80F2BBBE48C2}" type="parTrans" cxnId="{2BA65DEC-E719-4ED3-8135-48349D42DD04}">
-      <dgm:prSet/>
-      <dgm:spPr/>
-      <dgm:t>
-        <a:bodyPr/>
-        <a:lstStyle/>
-        <a:p>
-          <a:endParaRPr lang="en-US"/>
-        </a:p>
-      </dgm:t>
-    </dgm:pt>
-    <dgm:pt modelId="{3F7FD59D-A716-4310-A89A-AB6F740D9FFF}" type="sibTrans" cxnId="{2BA65DEC-E719-4ED3-8135-48349D42DD04}">
-      <dgm:prSet/>
-      <dgm:spPr/>
-      <dgm:t>
-        <a:bodyPr/>
-        <a:lstStyle/>
-        <a:p>
-          <a:endParaRPr lang="en-US"/>
-        </a:p>
-      </dgm:t>
-    </dgm:pt>
-    <dgm:pt modelId="{50629C12-7464-4473-ADEF-1A284F8A9957}">
-      <dgm:prSet phldrT="[Text]"/>
-      <dgm:spPr/>
-      <dgm:t>
-        <a:bodyPr/>
-        <a:lstStyle/>
-        <a:p>
-          <a:r>
-            <a:rPr lang="en-US" dirty="0"/>
-            <a:t>Task 1</a:t>
-          </a:r>
-        </a:p>
-      </dgm:t>
-      <dgm:extLst>
-        <a:ext uri="{E40237B7-FDA0-4F09-8148-C483321AD2D9}">
-          <dgm14:cNvPr xmlns:dgm14="http://schemas.microsoft.com/office/drawing/2010/diagram" id="0" name="" title="Group C tasks"/>
-        </a:ext>
-      </dgm:extLst>
-    </dgm:pt>
-    <dgm:pt modelId="{9D1CB46C-0CFA-4B27-9224-267431FBD094}" type="parTrans" cxnId="{1D32FCC9-657C-4348-9C0D-52115D559FEB}">
-      <dgm:prSet/>
-      <dgm:spPr/>
-      <dgm:t>
-        <a:bodyPr/>
-        <a:lstStyle/>
-        <a:p>
-          <a:endParaRPr lang="en-US"/>
-        </a:p>
-      </dgm:t>
-    </dgm:pt>
-    <dgm:pt modelId="{4576BCC5-0598-4332-A2E7-87AC3ADD4EB8}" type="sibTrans" cxnId="{1D32FCC9-657C-4348-9C0D-52115D559FEB}">
-      <dgm:prSet/>
-      <dgm:spPr/>
-      <dgm:t>
-        <a:bodyPr/>
-        <a:lstStyle/>
-        <a:p>
-          <a:endParaRPr lang="en-US"/>
-        </a:p>
-      </dgm:t>
-    </dgm:pt>
-    <dgm:pt modelId="{95A2339A-CFB8-4825-9F61-B11FB59DE475}">
-      <dgm:prSet phldrT="[Text]"/>
-      <dgm:spPr/>
-      <dgm:t>
-        <a:bodyPr/>
-        <a:lstStyle/>
-        <a:p>
-          <a:r>
-            <a:rPr lang="en-US" dirty="0"/>
-            <a:t>Task 2</a:t>
-          </a:r>
-        </a:p>
-      </dgm:t>
-    </dgm:pt>
-    <dgm:pt modelId="{0EE383BE-BB62-4486-9F38-BC8309C07F58}" type="parTrans" cxnId="{9C327C6C-69A2-44F4-A682-ACD32C50A61B}">
-      <dgm:prSet/>
-      <dgm:spPr/>
-      <dgm:t>
-        <a:bodyPr/>
-        <a:lstStyle/>
-        <a:p>
-          <a:endParaRPr lang="en-US"/>
-        </a:p>
-      </dgm:t>
-    </dgm:pt>
-    <dgm:pt modelId="{03F18251-8360-4605-941E-716169A15681}" type="sibTrans" cxnId="{9C327C6C-69A2-44F4-A682-ACD32C50A61B}">
-      <dgm:prSet/>
-      <dgm:spPr/>
-      <dgm:t>
-        <a:bodyPr/>
-        <a:lstStyle/>
-        <a:p>
-          <a:endParaRPr lang="en-US"/>
-        </a:p>
-      </dgm:t>
-    </dgm:pt>
-    <dgm:pt modelId="{A71883CA-6F74-4C75-AC37-B001F2FA5399}" type="pres">
-      <dgm:prSet presAssocID="{3F442EA2-39BA-4C9A-AD59-755D4917D532}" presName="Name0" presStyleCnt="0">
-        <dgm:presLayoutVars>
-          <dgm:chMax/>
-          <dgm:chPref/>
-          <dgm:dir/>
-          <dgm:animLvl val="lvl"/>
-        </dgm:presLayoutVars>
-      </dgm:prSet>
-      <dgm:spPr/>
-    </dgm:pt>
-    <dgm:pt modelId="{A14AEEB4-75DA-41CA-9B06-15A45BEABC3E}" type="pres">
-      <dgm:prSet presAssocID="{4DF9FE7B-F642-4898-A360-D4E3814E1A3D}" presName="composite" presStyleCnt="0"/>
-      <dgm:spPr/>
-    </dgm:pt>
-    <dgm:pt modelId="{EB5FF3AE-DD17-411B-B88D-E9513C2EFFC3}" type="pres">
-      <dgm:prSet presAssocID="{4DF9FE7B-F642-4898-A360-D4E3814E1A3D}" presName="Parent1" presStyleLbl="node1" presStyleIdx="0" presStyleCnt="6">
-        <dgm:presLayoutVars>
-          <dgm:chMax val="1"/>
-          <dgm:chPref val="1"/>
-          <dgm:bulletEnabled val="1"/>
-        </dgm:presLayoutVars>
-      </dgm:prSet>
-      <dgm:spPr/>
-    </dgm:pt>
-    <dgm:pt modelId="{32C8050C-48BC-4007-ACAB-6AF656F58990}" type="pres">
-      <dgm:prSet presAssocID="{4DF9FE7B-F642-4898-A360-D4E3814E1A3D}" presName="Childtext1" presStyleLbl="revTx" presStyleIdx="0" presStyleCnt="3">
-        <dgm:presLayoutVars>
-          <dgm:chMax val="0"/>
-          <dgm:chPref val="0"/>
-          <dgm:bulletEnabled val="1"/>
-        </dgm:presLayoutVars>
-      </dgm:prSet>
-      <dgm:spPr/>
-    </dgm:pt>
-    <dgm:pt modelId="{99A13136-75F8-4AFB-8F2C-74A3A5309EAE}" type="pres">
-      <dgm:prSet presAssocID="{4DF9FE7B-F642-4898-A360-D4E3814E1A3D}" presName="BalanceSpacing" presStyleCnt="0"/>
-      <dgm:spPr/>
-    </dgm:pt>
-    <dgm:pt modelId="{B0739817-6E18-4CF8-AE00-E2431A90DCDB}" type="pres">
-      <dgm:prSet presAssocID="{4DF9FE7B-F642-4898-A360-D4E3814E1A3D}" presName="BalanceSpacing1" presStyleCnt="0"/>
-      <dgm:spPr/>
-    </dgm:pt>
-    <dgm:pt modelId="{820539BB-4925-4C09-860E-D7D8AD849090}" type="pres">
-      <dgm:prSet presAssocID="{43C18EFF-81FC-4D70-8C6B-E95FF3730413}" presName="Accent1Text" presStyleLbl="node1" presStyleIdx="1" presStyleCnt="6"/>
-      <dgm:spPr/>
-    </dgm:pt>
-    <dgm:pt modelId="{748134C9-17BC-4C73-B18D-F1057EAB0C56}" type="pres">
-      <dgm:prSet presAssocID="{43C18EFF-81FC-4D70-8C6B-E95FF3730413}" presName="spaceBetweenRectangles" presStyleCnt="0"/>
-      <dgm:spPr/>
-    </dgm:pt>
-    <dgm:pt modelId="{DF8E62A4-021A-4B15-8AF4-A56DF003BEF3}" type="pres">
-      <dgm:prSet presAssocID="{3929B1E1-4BC4-4C73-ABE8-27CEF96A3652}" presName="composite" presStyleCnt="0"/>
-      <dgm:spPr/>
-    </dgm:pt>
-    <dgm:pt modelId="{B5D564AC-4AF3-4F48-B129-652EB95631B3}" type="pres">
-      <dgm:prSet presAssocID="{3929B1E1-4BC4-4C73-ABE8-27CEF96A3652}" presName="Parent1" presStyleLbl="node1" presStyleIdx="2" presStyleCnt="6">
-        <dgm:presLayoutVars>
-          <dgm:chMax val="1"/>
-          <dgm:chPref val="1"/>
-          <dgm:bulletEnabled val="1"/>
-        </dgm:presLayoutVars>
-      </dgm:prSet>
-      <dgm:spPr/>
-    </dgm:pt>
-    <dgm:pt modelId="{50A8467E-CA2B-4D8A-8864-CEFA4C5B08DD}" type="pres">
-      <dgm:prSet presAssocID="{3929B1E1-4BC4-4C73-ABE8-27CEF96A3652}" presName="Childtext1" presStyleLbl="revTx" presStyleIdx="1" presStyleCnt="3">
-        <dgm:presLayoutVars>
-          <dgm:chMax val="0"/>
-          <dgm:chPref val="0"/>
-          <dgm:bulletEnabled val="1"/>
-        </dgm:presLayoutVars>
-      </dgm:prSet>
-      <dgm:spPr/>
-    </dgm:pt>
-    <dgm:pt modelId="{D26DB1D2-64D6-4881-BFB5-5BAFFABB05B7}" type="pres">
-      <dgm:prSet presAssocID="{3929B1E1-4BC4-4C73-ABE8-27CEF96A3652}" presName="BalanceSpacing" presStyleCnt="0"/>
-      <dgm:spPr/>
-    </dgm:pt>
-    <dgm:pt modelId="{19E78F11-B21D-496F-A568-9D4BA62D4E9D}" type="pres">
-      <dgm:prSet presAssocID="{3929B1E1-4BC4-4C73-ABE8-27CEF96A3652}" presName="BalanceSpacing1" presStyleCnt="0"/>
-      <dgm:spPr/>
-    </dgm:pt>
-    <dgm:pt modelId="{BC703E26-1FB3-446F-B0CE-67B5B5E4832A}" type="pres">
-      <dgm:prSet presAssocID="{19BA0C22-38BB-4E9F-89D5-0FF5FF9F12CE}" presName="Accent1Text" presStyleLbl="node1" presStyleIdx="3" presStyleCnt="6"/>
-      <dgm:spPr/>
-    </dgm:pt>
-    <dgm:pt modelId="{BA269622-AA5D-4AD3-A6BF-23CE73B89861}" type="pres">
-      <dgm:prSet presAssocID="{19BA0C22-38BB-4E9F-89D5-0FF5FF9F12CE}" presName="spaceBetweenRectangles" presStyleCnt="0"/>
-      <dgm:spPr/>
-    </dgm:pt>
-    <dgm:pt modelId="{1FBECF26-3D22-4C15-9EF7-BDCEDEAD0062}" type="pres">
-      <dgm:prSet presAssocID="{60CDF8D0-D4FC-4467-A51E-79C5A58B0B2C}" presName="composite" presStyleCnt="0"/>
-      <dgm:spPr/>
-    </dgm:pt>
-    <dgm:pt modelId="{417DC516-F82C-4906-9F15-665EA122B8D8}" type="pres">
-      <dgm:prSet presAssocID="{60CDF8D0-D4FC-4467-A51E-79C5A58B0B2C}" presName="Parent1" presStyleLbl="node1" presStyleIdx="4" presStyleCnt="6">
-        <dgm:presLayoutVars>
-          <dgm:chMax val="1"/>
-          <dgm:chPref val="1"/>
-          <dgm:bulletEnabled val="1"/>
-        </dgm:presLayoutVars>
-      </dgm:prSet>
-      <dgm:spPr/>
-    </dgm:pt>
-    <dgm:pt modelId="{0DAAA219-5DEF-480C-B4EB-C0B5BF0C1C88}" type="pres">
-      <dgm:prSet presAssocID="{60CDF8D0-D4FC-4467-A51E-79C5A58B0B2C}" presName="Childtext1" presStyleLbl="revTx" presStyleIdx="2" presStyleCnt="3">
-        <dgm:presLayoutVars>
-          <dgm:chMax val="0"/>
-          <dgm:chPref val="0"/>
-          <dgm:bulletEnabled val="1"/>
-        </dgm:presLayoutVars>
-      </dgm:prSet>
-      <dgm:spPr/>
-    </dgm:pt>
-    <dgm:pt modelId="{6BE7CDB1-1A68-4515-9152-B5D1A283DF5D}" type="pres">
-      <dgm:prSet presAssocID="{60CDF8D0-D4FC-4467-A51E-79C5A58B0B2C}" presName="BalanceSpacing" presStyleCnt="0"/>
-      <dgm:spPr/>
-    </dgm:pt>
-    <dgm:pt modelId="{DB773D2B-DF10-4987-A527-C488B93171F6}" type="pres">
-      <dgm:prSet presAssocID="{60CDF8D0-D4FC-4467-A51E-79C5A58B0B2C}" presName="BalanceSpacing1" presStyleCnt="0"/>
-      <dgm:spPr/>
-    </dgm:pt>
-    <dgm:pt modelId="{FC84E92F-422A-492D-9065-6E23F988DCF4}" type="pres">
-      <dgm:prSet presAssocID="{3F7FD59D-A716-4310-A89A-AB6F740D9FFF}" presName="Accent1Text" presStyleLbl="node1" presStyleIdx="5" presStyleCnt="6"/>
-      <dgm:spPr/>
-    </dgm:pt>
-  </dgm:ptLst>
-  <dgm:cxnLst>
-    <dgm:cxn modelId="{D8E01806-8223-40BB-B8C6-1DDD98A944FF}" type="presOf" srcId="{95A2339A-CFB8-4825-9F61-B11FB59DE475}" destId="{0DAAA219-5DEF-480C-B4EB-C0B5BF0C1C88}" srcOrd="0" destOrd="1" presId="urn:microsoft.com/office/officeart/2008/layout/AlternatingHexagons"/>
-    <dgm:cxn modelId="{91476407-7CE1-4966-8923-E83167AF8459}" type="presOf" srcId="{3929B1E1-4BC4-4C73-ABE8-27CEF96A3652}" destId="{B5D564AC-4AF3-4F48-B129-652EB95631B3}" srcOrd="0" destOrd="0" presId="urn:microsoft.com/office/officeart/2008/layout/AlternatingHexagons"/>
-    <dgm:cxn modelId="{1339090C-9A95-4C05-841C-FA3AF987601B}" srcId="{3F442EA2-39BA-4C9A-AD59-755D4917D532}" destId="{3929B1E1-4BC4-4C73-ABE8-27CEF96A3652}" srcOrd="1" destOrd="0" parTransId="{F356CC76-9117-4B79-A270-BBBAFD3E9C79}" sibTransId="{19BA0C22-38BB-4E9F-89D5-0FF5FF9F12CE}"/>
-    <dgm:cxn modelId="{62C10234-45D3-426A-8820-4C0D1D8CBA21}" srcId="{4DF9FE7B-F642-4898-A360-D4E3814E1A3D}" destId="{789CD6DB-3A68-4A41-90BD-4F0CBB3617D1}" srcOrd="1" destOrd="0" parTransId="{C0BEB5FF-8DFB-40B9-A228-C0C6097DDDC4}" sibTransId="{1A702531-A59F-4EE2-8246-E2EB0955D8B1}"/>
-    <dgm:cxn modelId="{14C1E834-7402-40F3-8AA0-4FC6AEE040C0}" type="presOf" srcId="{19BA0C22-38BB-4E9F-89D5-0FF5FF9F12CE}" destId="{BC703E26-1FB3-446F-B0CE-67B5B5E4832A}" srcOrd="0" destOrd="0" presId="urn:microsoft.com/office/officeart/2008/layout/AlternatingHexagons"/>
-    <dgm:cxn modelId="{DDEF3B5E-1F3D-4000-964D-D000C01B2D68}" type="presOf" srcId="{60CDF8D0-D4FC-4467-A51E-79C5A58B0B2C}" destId="{417DC516-F82C-4906-9F15-665EA122B8D8}" srcOrd="0" destOrd="0" presId="urn:microsoft.com/office/officeart/2008/layout/AlternatingHexagons"/>
-    <dgm:cxn modelId="{6798476C-5608-4206-87E5-EBAC76656A1C}" type="presOf" srcId="{43C18EFF-81FC-4D70-8C6B-E95FF3730413}" destId="{820539BB-4925-4C09-860E-D7D8AD849090}" srcOrd="0" destOrd="0" presId="urn:microsoft.com/office/officeart/2008/layout/AlternatingHexagons"/>
-    <dgm:cxn modelId="{9C327C6C-69A2-44F4-A682-ACD32C50A61B}" srcId="{60CDF8D0-D4FC-4467-A51E-79C5A58B0B2C}" destId="{95A2339A-CFB8-4825-9F61-B11FB59DE475}" srcOrd="1" destOrd="0" parTransId="{0EE383BE-BB62-4486-9F38-BC8309C07F58}" sibTransId="{03F18251-8360-4605-941E-716169A15681}"/>
-    <dgm:cxn modelId="{EBD8BE8D-6018-43E2-B081-034BB5656EB6}" srcId="{3F442EA2-39BA-4C9A-AD59-755D4917D532}" destId="{4DF9FE7B-F642-4898-A360-D4E3814E1A3D}" srcOrd="0" destOrd="0" parTransId="{1C10F06D-860A-4604-A7AD-02E614FE3976}" sibTransId="{43C18EFF-81FC-4D70-8C6B-E95FF3730413}"/>
-    <dgm:cxn modelId="{9CF61F94-F114-42CA-B55B-BBB678278EF1}" type="presOf" srcId="{3F7FD59D-A716-4310-A89A-AB6F740D9FFF}" destId="{FC84E92F-422A-492D-9065-6E23F988DCF4}" srcOrd="0" destOrd="0" presId="urn:microsoft.com/office/officeart/2008/layout/AlternatingHexagons"/>
-    <dgm:cxn modelId="{2A666797-2F02-4F4E-B604-72BA95F02B18}" type="presOf" srcId="{4DF9FE7B-F642-4898-A360-D4E3814E1A3D}" destId="{EB5FF3AE-DD17-411B-B88D-E9513C2EFFC3}" srcOrd="0" destOrd="0" presId="urn:microsoft.com/office/officeart/2008/layout/AlternatingHexagons"/>
-    <dgm:cxn modelId="{468A4598-FE1A-4C1E-80FD-F5514756EC1B}" type="presOf" srcId="{0791135C-9DAB-47F6-BE9C-A3E56A2DDA50}" destId="{50A8467E-CA2B-4D8A-8864-CEFA4C5B08DD}" srcOrd="0" destOrd="1" presId="urn:microsoft.com/office/officeart/2008/layout/AlternatingHexagons"/>
-    <dgm:cxn modelId="{B3B26E9A-58E5-497B-BD59-F5567958C609}" srcId="{3929B1E1-4BC4-4C73-ABE8-27CEF96A3652}" destId="{0791135C-9DAB-47F6-BE9C-A3E56A2DDA50}" srcOrd="1" destOrd="0" parTransId="{D6057E63-9793-4991-97C1-30FC405E95A5}" sibTransId="{B670C2A7-83CB-4F4C-BC19-A3A7C066A822}"/>
-    <dgm:cxn modelId="{09FCCB9D-A30A-4326-970E-26252D39327F}" srcId="{3929B1E1-4BC4-4C73-ABE8-27CEF96A3652}" destId="{99E0600D-9954-43F4-8926-13B8777FAAA1}" srcOrd="0" destOrd="0" parTransId="{BE23F476-2C5C-42ED-BF2B-CD5FC7ADDDF6}" sibTransId="{C44937DC-4907-4769-AA8B-1B3E7391D7B0}"/>
-    <dgm:cxn modelId="{A058DDA2-48CA-4E5B-B389-F71A59C262B0}" srcId="{4DF9FE7B-F642-4898-A360-D4E3814E1A3D}" destId="{EFF2750D-B4B3-474C-8B62-8B638DC31F7E}" srcOrd="0" destOrd="0" parTransId="{AEBC78E6-CDDC-4C8F-A157-3C51E907FACD}" sibTransId="{75C067D7-FCD2-4969-8F27-4BBDA88E75ED}"/>
-    <dgm:cxn modelId="{8C4108B1-0090-4F12-B4B7-488B6DA84700}" type="presOf" srcId="{789CD6DB-3A68-4A41-90BD-4F0CBB3617D1}" destId="{32C8050C-48BC-4007-ACAB-6AF656F58990}" srcOrd="0" destOrd="1" presId="urn:microsoft.com/office/officeart/2008/layout/AlternatingHexagons"/>
-    <dgm:cxn modelId="{C6DACBBA-856B-436C-BF9A-B70148A4B01D}" type="presOf" srcId="{99E0600D-9954-43F4-8926-13B8777FAAA1}" destId="{50A8467E-CA2B-4D8A-8864-CEFA4C5B08DD}" srcOrd="0" destOrd="0" presId="urn:microsoft.com/office/officeart/2008/layout/AlternatingHexagons"/>
-    <dgm:cxn modelId="{655456C5-14D3-40D7-A106-8AFAEE9DF907}" type="presOf" srcId="{EFF2750D-B4B3-474C-8B62-8B638DC31F7E}" destId="{32C8050C-48BC-4007-ACAB-6AF656F58990}" srcOrd="0" destOrd="0" presId="urn:microsoft.com/office/officeart/2008/layout/AlternatingHexagons"/>
-    <dgm:cxn modelId="{1D32FCC9-657C-4348-9C0D-52115D559FEB}" srcId="{60CDF8D0-D4FC-4467-A51E-79C5A58B0B2C}" destId="{50629C12-7464-4473-ADEF-1A284F8A9957}" srcOrd="0" destOrd="0" parTransId="{9D1CB46C-0CFA-4B27-9224-267431FBD094}" sibTransId="{4576BCC5-0598-4332-A2E7-87AC3ADD4EB8}"/>
-    <dgm:cxn modelId="{2BA65DEC-E719-4ED3-8135-48349D42DD04}" srcId="{3F442EA2-39BA-4C9A-AD59-755D4917D532}" destId="{60CDF8D0-D4FC-4467-A51E-79C5A58B0B2C}" srcOrd="2" destOrd="0" parTransId="{E12A269F-AB82-486A-9077-80F2BBBE48C2}" sibTransId="{3F7FD59D-A716-4310-A89A-AB6F740D9FFF}"/>
-    <dgm:cxn modelId="{7D04CBF5-B465-4D37-A77C-7532F93924C7}" type="presOf" srcId="{3F442EA2-39BA-4C9A-AD59-755D4917D532}" destId="{A71883CA-6F74-4C75-AC37-B001F2FA5399}" srcOrd="0" destOrd="0" presId="urn:microsoft.com/office/officeart/2008/layout/AlternatingHexagons"/>
-    <dgm:cxn modelId="{DFCE27FF-B705-4F0A-97C5-C16E873D96A7}" type="presOf" srcId="{50629C12-7464-4473-ADEF-1A284F8A9957}" destId="{0DAAA219-5DEF-480C-B4EB-C0B5BF0C1C88}" srcOrd="0" destOrd="0" presId="urn:microsoft.com/office/officeart/2008/layout/AlternatingHexagons"/>
-    <dgm:cxn modelId="{444E4977-8AC4-4B77-9101-AFF5FED37396}" type="presParOf" srcId="{A71883CA-6F74-4C75-AC37-B001F2FA5399}" destId="{A14AEEB4-75DA-41CA-9B06-15A45BEABC3E}" srcOrd="0" destOrd="0" presId="urn:microsoft.com/office/officeart/2008/layout/AlternatingHexagons"/>
-    <dgm:cxn modelId="{4F9A8FDF-E42F-4DB2-A860-4CA721091C9A}" type="presParOf" srcId="{A14AEEB4-75DA-41CA-9B06-15A45BEABC3E}" destId="{EB5FF3AE-DD17-411B-B88D-E9513C2EFFC3}" srcOrd="0" destOrd="0" presId="urn:microsoft.com/office/officeart/2008/layout/AlternatingHexagons"/>
-    <dgm:cxn modelId="{CC9CFE7B-39C4-4A0A-B039-3478EBE08ABE}" type="presParOf" srcId="{A14AEEB4-75DA-41CA-9B06-15A45BEABC3E}" destId="{32C8050C-48BC-4007-ACAB-6AF656F58990}" srcOrd="1" destOrd="0" presId="urn:microsoft.com/office/officeart/2008/layout/AlternatingHexagons"/>
-    <dgm:cxn modelId="{3691AD40-4EFA-4763-A06A-95FF88795A11}" type="presParOf" srcId="{A14AEEB4-75DA-41CA-9B06-15A45BEABC3E}" destId="{99A13136-75F8-4AFB-8F2C-74A3A5309EAE}" srcOrd="2" destOrd="0" presId="urn:microsoft.com/office/officeart/2008/layout/AlternatingHexagons"/>
-    <dgm:cxn modelId="{A674D65E-E7DA-4CC8-B089-51652A543F50}" type="presParOf" srcId="{A14AEEB4-75DA-41CA-9B06-15A45BEABC3E}" destId="{B0739817-6E18-4CF8-AE00-E2431A90DCDB}" srcOrd="3" destOrd="0" presId="urn:microsoft.com/office/officeart/2008/layout/AlternatingHexagons"/>
-    <dgm:cxn modelId="{52AC1E9B-16E8-46B4-BEF5-D6FBED9768F5}" type="presParOf" srcId="{A14AEEB4-75DA-41CA-9B06-15A45BEABC3E}" destId="{820539BB-4925-4C09-860E-D7D8AD849090}" srcOrd="4" destOrd="0" presId="urn:microsoft.com/office/officeart/2008/layout/AlternatingHexagons"/>
-    <dgm:cxn modelId="{BD811647-B6B3-406C-9F8F-1E8EC99D49E2}" type="presParOf" srcId="{A71883CA-6F74-4C75-AC37-B001F2FA5399}" destId="{748134C9-17BC-4C73-B18D-F1057EAB0C56}" srcOrd="1" destOrd="0" presId="urn:microsoft.com/office/officeart/2008/layout/AlternatingHexagons"/>
-    <dgm:cxn modelId="{C42A6974-F30B-48BA-8672-856C6B603815}" type="presParOf" srcId="{A71883CA-6F74-4C75-AC37-B001F2FA5399}" destId="{DF8E62A4-021A-4B15-8AF4-A56DF003BEF3}" srcOrd="2" destOrd="0" presId="urn:microsoft.com/office/officeart/2008/layout/AlternatingHexagons"/>
-    <dgm:cxn modelId="{AAC52A81-8E74-44BC-AABD-AAB80DE0AC7B}" type="presParOf" srcId="{DF8E62A4-021A-4B15-8AF4-A56DF003BEF3}" destId="{B5D564AC-4AF3-4F48-B129-652EB95631B3}" srcOrd="0" destOrd="0" presId="urn:microsoft.com/office/officeart/2008/layout/AlternatingHexagons"/>
-    <dgm:cxn modelId="{6FC1217B-5086-4842-8437-C21D0E85093B}" type="presParOf" srcId="{DF8E62A4-021A-4B15-8AF4-A56DF003BEF3}" destId="{50A8467E-CA2B-4D8A-8864-CEFA4C5B08DD}" srcOrd="1" destOrd="0" presId="urn:microsoft.com/office/officeart/2008/layout/AlternatingHexagons"/>
-    <dgm:cxn modelId="{E41F3C79-536E-4C1E-81C9-343ABA069648}" type="presParOf" srcId="{DF8E62A4-021A-4B15-8AF4-A56DF003BEF3}" destId="{D26DB1D2-64D6-4881-BFB5-5BAFFABB05B7}" srcOrd="2" destOrd="0" presId="urn:microsoft.com/office/officeart/2008/layout/AlternatingHexagons"/>
-    <dgm:cxn modelId="{B467B5F7-0B4F-42F3-8036-804273D428A9}" type="presParOf" srcId="{DF8E62A4-021A-4B15-8AF4-A56DF003BEF3}" destId="{19E78F11-B21D-496F-A568-9D4BA62D4E9D}" srcOrd="3" destOrd="0" presId="urn:microsoft.com/office/officeart/2008/layout/AlternatingHexagons"/>
-    <dgm:cxn modelId="{65618E65-40BE-45E3-B463-55E0050D9906}" type="presParOf" srcId="{DF8E62A4-021A-4B15-8AF4-A56DF003BEF3}" destId="{BC703E26-1FB3-446F-B0CE-67B5B5E4832A}" srcOrd="4" destOrd="0" presId="urn:microsoft.com/office/officeart/2008/layout/AlternatingHexagons"/>
-    <dgm:cxn modelId="{9F814E80-BFE6-4AF6-9B00-AD129B7F52AD}" type="presParOf" srcId="{A71883CA-6F74-4C75-AC37-B001F2FA5399}" destId="{BA269622-AA5D-4AD3-A6BF-23CE73B89861}" srcOrd="3" destOrd="0" presId="urn:microsoft.com/office/officeart/2008/layout/AlternatingHexagons"/>
-    <dgm:cxn modelId="{49F6C63E-BD33-4F8E-A882-6C28503D6059}" type="presParOf" srcId="{A71883CA-6F74-4C75-AC37-B001F2FA5399}" destId="{1FBECF26-3D22-4C15-9EF7-BDCEDEAD0062}" srcOrd="4" destOrd="0" presId="urn:microsoft.com/office/officeart/2008/layout/AlternatingHexagons"/>
-    <dgm:cxn modelId="{35713187-4DEF-486B-91A3-99A5B2A09A9F}" type="presParOf" srcId="{1FBECF26-3D22-4C15-9EF7-BDCEDEAD0062}" destId="{417DC516-F82C-4906-9F15-665EA122B8D8}" srcOrd="0" destOrd="0" presId="urn:microsoft.com/office/officeart/2008/layout/AlternatingHexagons"/>
-    <dgm:cxn modelId="{2CB77049-C710-4B5F-A685-89F3EFDDC6F0}" type="presParOf" srcId="{1FBECF26-3D22-4C15-9EF7-BDCEDEAD0062}" destId="{0DAAA219-5DEF-480C-B4EB-C0B5BF0C1C88}" srcOrd="1" destOrd="0" presId="urn:microsoft.com/office/officeart/2008/layout/AlternatingHexagons"/>
-    <dgm:cxn modelId="{BD1FB1C4-1F6A-4DFA-88B5-275F58F2DBD3}" type="presParOf" srcId="{1FBECF26-3D22-4C15-9EF7-BDCEDEAD0062}" destId="{6BE7CDB1-1A68-4515-9152-B5D1A283DF5D}" srcOrd="2" destOrd="0" presId="urn:microsoft.com/office/officeart/2008/layout/AlternatingHexagons"/>
-    <dgm:cxn modelId="{B777CBC6-1712-436A-B8B8-456AA182BCDC}" type="presParOf" srcId="{1FBECF26-3D22-4C15-9EF7-BDCEDEAD0062}" destId="{DB773D2B-DF10-4987-A527-C488B93171F6}" srcOrd="3" destOrd="0" presId="urn:microsoft.com/office/officeart/2008/layout/AlternatingHexagons"/>
-    <dgm:cxn modelId="{7E8D0E8B-6DAC-4343-94EB-85F364381F4B}" type="presParOf" srcId="{1FBECF26-3D22-4C15-9EF7-BDCEDEAD0062}" destId="{FC84E92F-422A-492D-9065-6E23F988DCF4}" srcOrd="4" destOrd="0" presId="urn:microsoft.com/office/officeart/2008/layout/AlternatingHexagons"/>
-  </dgm:cxnLst>
-  <dgm:bg/>
-  <dgm:whole/>
-  <dgm:extLst>
-    <a:ext uri="http://schemas.microsoft.com/office/drawing/2008/diagram">
-      <dsp:dataModelExt xmlns:dsp="http://schemas.microsoft.com/office/drawing/2008/diagram" relId="rId6" minVer="http://schemas.openxmlformats.org/drawingml/2006/diagram"/>
-    </a:ext>
-  </dgm:extLst>
-</dgm:dataModel>
-</file>
-
-<file path=ppt/diagrams/drawing1.xml><?xml version="1.0" encoding="utf-8"?>
-<dsp:drawing xmlns:dgm="http://schemas.openxmlformats.org/drawingml/2006/diagram" xmlns:dsp="http://schemas.microsoft.com/office/drawing/2008/diagram" xmlns:a="http://schemas.openxmlformats.org/drawingml/2006/main">
-  <dsp:spTree>
-    <dsp:nvGrpSpPr>
-      <dsp:cNvPr id="0" name=""/>
-      <dsp:cNvGrpSpPr/>
-    </dsp:nvGrpSpPr>
-    <dsp:grpSpPr/>
-    <dsp:sp modelId="{EB5FF3AE-DD17-411B-B88D-E9513C2EFFC3}">
-      <dsp:nvSpPr>
-        <dsp:cNvPr id="0" name=""/>
-        <dsp:cNvSpPr/>
-      </dsp:nvSpPr>
-      <dsp:spPr>
-        <a:xfrm rot="5400000">
-          <a:off x="2339872" y="83012"/>
-          <a:ext cx="1270826" cy="1105619"/>
-        </a:xfrm>
-        <a:prstGeom prst="hexagon">
-          <a:avLst>
-            <a:gd name="adj" fmla="val 25000"/>
-            <a:gd name="vf" fmla="val 115470"/>
-          </a:avLst>
-        </a:prstGeom>
-        <a:solidFill>
-          <a:schemeClr val="lt1">
-            <a:hueOff val="0"/>
-            <a:satOff val="0"/>
-            <a:lumOff val="0"/>
-            <a:alphaOff val="0"/>
-          </a:schemeClr>
-        </a:solidFill>
-        <a:ln w="12700" cap="flat" cmpd="sng" algn="ctr">
-          <a:solidFill>
-            <a:schemeClr val="accent1">
-              <a:shade val="80000"/>
-              <a:hueOff val="0"/>
-              <a:satOff val="0"/>
-              <a:lumOff val="0"/>
-              <a:alphaOff val="0"/>
-            </a:schemeClr>
-          </a:solidFill>
-          <a:prstDash val="solid"/>
-          <a:miter lim="800000"/>
-        </a:ln>
-        <a:effectLst/>
-      </dsp:spPr>
-      <dsp:style>
-        <a:lnRef idx="2">
-          <a:scrgbClr r="0" g="0" b="0"/>
-        </a:lnRef>
-        <a:fillRef idx="1">
-          <a:scrgbClr r="0" g="0" b="0"/>
-        </a:fillRef>
-        <a:effectRef idx="0">
-          <a:scrgbClr r="0" g="0" b="0"/>
-        </a:effectRef>
-        <a:fontRef idx="minor">
-          <a:schemeClr val="lt1"/>
-        </a:fontRef>
-      </dsp:style>
-      <dsp:txBody>
-        <a:bodyPr spcFirstLastPara="0" vert="horz" wrap="square" lIns="64770" tIns="64770" rIns="64770" bIns="64770" numCol="1" spcCol="1270" anchor="ctr" anchorCtr="0">
-          <a:noAutofit/>
-        </a:bodyPr>
-        <a:lstStyle/>
-        <a:p>
-          <a:pPr marL="0" lvl="0" indent="0" algn="ctr" defTabSz="755650">
-            <a:lnSpc>
-              <a:spcPct val="90000"/>
-            </a:lnSpc>
-            <a:spcBef>
-              <a:spcPct val="0"/>
-            </a:spcBef>
-            <a:spcAft>
-              <a:spcPct val="35000"/>
-            </a:spcAft>
-            <a:buNone/>
-          </a:pPr>
-          <a:r>
-            <a:rPr lang="en-US" sz="1700" kern="1200" dirty="0"/>
-            <a:t>Group A</a:t>
-          </a:r>
-        </a:p>
-      </dsp:txBody>
-      <dsp:txXfrm rot="-5400000">
-        <a:off x="2594767" y="198446"/>
-        <a:ext cx="761035" cy="874752"/>
-      </dsp:txXfrm>
-    </dsp:sp>
-    <dsp:sp modelId="{32C8050C-48BC-4007-ACAB-6AF656F58990}">
-      <dsp:nvSpPr>
-        <dsp:cNvPr id="0" name=""/>
-        <dsp:cNvSpPr/>
-      </dsp:nvSpPr>
-      <dsp:spPr>
-        <a:xfrm>
-          <a:off x="3561645" y="254574"/>
-          <a:ext cx="1418242" cy="762496"/>
-        </a:xfrm>
-        <a:prstGeom prst="rect">
-          <a:avLst/>
-        </a:prstGeom>
-        <a:noFill/>
-        <a:ln>
-          <a:noFill/>
-        </a:ln>
-        <a:effectLst/>
-      </dsp:spPr>
-      <dsp:style>
-        <a:lnRef idx="0">
-          <a:scrgbClr r="0" g="0" b="0"/>
-        </a:lnRef>
-        <a:fillRef idx="0">
-          <a:scrgbClr r="0" g="0" b="0"/>
-        </a:fillRef>
-        <a:effectRef idx="0">
-          <a:scrgbClr r="0" g="0" b="0"/>
-        </a:effectRef>
-        <a:fontRef idx="minor"/>
-      </dsp:style>
-      <dsp:txBody>
-        <a:bodyPr spcFirstLastPara="0" vert="horz" wrap="square" lIns="64770" tIns="64770" rIns="64770" bIns="64770" numCol="1" spcCol="1270" anchor="ctr" anchorCtr="0">
-          <a:noAutofit/>
-        </a:bodyPr>
-        <a:lstStyle/>
-        <a:p>
-          <a:pPr marL="0" lvl="0" indent="0" algn="l" defTabSz="755650">
-            <a:lnSpc>
-              <a:spcPct val="90000"/>
-            </a:lnSpc>
-            <a:spcBef>
-              <a:spcPct val="0"/>
-            </a:spcBef>
-            <a:spcAft>
-              <a:spcPct val="35000"/>
-            </a:spcAft>
-            <a:buNone/>
-          </a:pPr>
-          <a:r>
-            <a:rPr lang="en-US" sz="1700" kern="1200" dirty="0"/>
-            <a:t>Task 1</a:t>
-          </a:r>
-        </a:p>
-        <a:p>
-          <a:pPr marL="0" lvl="0" indent="0" algn="l" defTabSz="755650">
-            <a:lnSpc>
-              <a:spcPct val="90000"/>
-            </a:lnSpc>
-            <a:spcBef>
-              <a:spcPct val="0"/>
-            </a:spcBef>
-            <a:spcAft>
-              <a:spcPct val="35000"/>
-            </a:spcAft>
-            <a:buNone/>
-          </a:pPr>
-          <a:r>
-            <a:rPr lang="en-US" sz="1700" kern="1200" dirty="0"/>
-            <a:t>Task 2</a:t>
-          </a:r>
-        </a:p>
-      </dsp:txBody>
-      <dsp:txXfrm>
-        <a:off x="3561645" y="254574"/>
-        <a:ext cx="1418242" cy="762496"/>
-      </dsp:txXfrm>
-    </dsp:sp>
-    <dsp:sp modelId="{820539BB-4925-4C09-860E-D7D8AD849090}">
-      <dsp:nvSpPr>
-        <dsp:cNvPr id="0" name=""/>
-        <dsp:cNvSpPr/>
-      </dsp:nvSpPr>
-      <dsp:spPr>
-        <a:xfrm rot="5400000">
-          <a:off x="1145803" y="83012"/>
-          <a:ext cx="1270826" cy="1105619"/>
-        </a:xfrm>
-        <a:prstGeom prst="hexagon">
-          <a:avLst>
-            <a:gd name="adj" fmla="val 25000"/>
-            <a:gd name="vf" fmla="val 115470"/>
-          </a:avLst>
-        </a:prstGeom>
-        <a:solidFill>
-          <a:schemeClr val="lt1">
-            <a:hueOff val="0"/>
-            <a:satOff val="0"/>
-            <a:lumOff val="0"/>
-            <a:alphaOff val="0"/>
-          </a:schemeClr>
-        </a:solidFill>
-        <a:ln w="12700" cap="flat" cmpd="sng" algn="ctr">
-          <a:solidFill>
-            <a:schemeClr val="accent1">
-              <a:shade val="80000"/>
-              <a:hueOff val="0"/>
-              <a:satOff val="0"/>
-              <a:lumOff val="0"/>
-              <a:alphaOff val="0"/>
-            </a:schemeClr>
-          </a:solidFill>
-          <a:prstDash val="solid"/>
-          <a:miter lim="800000"/>
-        </a:ln>
-        <a:effectLst/>
-      </dsp:spPr>
-      <dsp:style>
-        <a:lnRef idx="2">
-          <a:scrgbClr r="0" g="0" b="0"/>
-        </a:lnRef>
-        <a:fillRef idx="1">
-          <a:scrgbClr r="0" g="0" b="0"/>
-        </a:fillRef>
-        <a:effectRef idx="0">
-          <a:scrgbClr r="0" g="0" b="0"/>
-        </a:effectRef>
-        <a:fontRef idx="minor">
-          <a:schemeClr val="lt1"/>
-        </a:fontRef>
-      </dsp:style>
-      <dsp:txBody>
-        <a:bodyPr spcFirstLastPara="0" vert="horz" wrap="square" lIns="0" tIns="0" rIns="0" bIns="0" numCol="1" spcCol="1270" anchor="ctr" anchorCtr="0">
-          <a:noAutofit/>
-        </a:bodyPr>
-        <a:lstStyle/>
-        <a:p>
-          <a:pPr marL="0" lvl="0" indent="0" algn="ctr" defTabSz="1600200">
-            <a:lnSpc>
-              <a:spcPct val="90000"/>
-            </a:lnSpc>
-            <a:spcBef>
-              <a:spcPct val="0"/>
-            </a:spcBef>
-            <a:spcAft>
-              <a:spcPct val="35000"/>
-            </a:spcAft>
-            <a:buNone/>
-          </a:pPr>
-          <a:endParaRPr lang="en-US" sz="3600" kern="1200"/>
-        </a:p>
-      </dsp:txBody>
-      <dsp:txXfrm rot="-5400000">
-        <a:off x="1400698" y="198446"/>
-        <a:ext cx="761035" cy="874752"/>
-      </dsp:txXfrm>
-    </dsp:sp>
-    <dsp:sp modelId="{B5D564AC-4AF3-4F48-B129-652EB95631B3}">
-      <dsp:nvSpPr>
-        <dsp:cNvPr id="0" name=""/>
-        <dsp:cNvSpPr/>
-      </dsp:nvSpPr>
-      <dsp:spPr>
-        <a:xfrm rot="5400000">
-          <a:off x="1740550" y="1161690"/>
-          <a:ext cx="1270826" cy="1105619"/>
-        </a:xfrm>
-        <a:prstGeom prst="hexagon">
-          <a:avLst>
-            <a:gd name="adj" fmla="val 25000"/>
-            <a:gd name="vf" fmla="val 115470"/>
-          </a:avLst>
-        </a:prstGeom>
-        <a:solidFill>
-          <a:schemeClr val="lt1">
-            <a:hueOff val="0"/>
-            <a:satOff val="0"/>
-            <a:lumOff val="0"/>
-            <a:alphaOff val="0"/>
-          </a:schemeClr>
-        </a:solidFill>
-        <a:ln w="12700" cap="flat" cmpd="sng" algn="ctr">
-          <a:solidFill>
-            <a:schemeClr val="accent1">
-              <a:shade val="80000"/>
-              <a:hueOff val="0"/>
-              <a:satOff val="0"/>
-              <a:lumOff val="0"/>
-              <a:alphaOff val="0"/>
-            </a:schemeClr>
-          </a:solidFill>
-          <a:prstDash val="solid"/>
-          <a:miter lim="800000"/>
-        </a:ln>
-        <a:effectLst/>
-      </dsp:spPr>
-      <dsp:style>
-        <a:lnRef idx="2">
-          <a:scrgbClr r="0" g="0" b="0"/>
-        </a:lnRef>
-        <a:fillRef idx="1">
-          <a:scrgbClr r="0" g="0" b="0"/>
-        </a:fillRef>
-        <a:effectRef idx="0">
-          <a:scrgbClr r="0" g="0" b="0"/>
-        </a:effectRef>
-        <a:fontRef idx="minor">
-          <a:schemeClr val="lt1"/>
-        </a:fontRef>
-      </dsp:style>
-      <dsp:txBody>
-        <a:bodyPr spcFirstLastPara="0" vert="horz" wrap="square" lIns="64770" tIns="64770" rIns="64770" bIns="64770" numCol="1" spcCol="1270" anchor="ctr" anchorCtr="0">
-          <a:noAutofit/>
-        </a:bodyPr>
-        <a:lstStyle/>
-        <a:p>
-          <a:pPr marL="0" lvl="0" indent="0" algn="ctr" defTabSz="755650">
-            <a:lnSpc>
-              <a:spcPct val="90000"/>
-            </a:lnSpc>
-            <a:spcBef>
-              <a:spcPct val="0"/>
-            </a:spcBef>
-            <a:spcAft>
-              <a:spcPct val="35000"/>
-            </a:spcAft>
-            <a:buNone/>
-          </a:pPr>
-          <a:r>
-            <a:rPr lang="en-US" sz="1700" kern="1200" dirty="0"/>
-            <a:t>Group B</a:t>
-          </a:r>
-        </a:p>
-      </dsp:txBody>
-      <dsp:txXfrm rot="-5400000">
-        <a:off x="1995445" y="1277124"/>
-        <a:ext cx="761035" cy="874752"/>
-      </dsp:txXfrm>
-    </dsp:sp>
-    <dsp:sp modelId="{50A8467E-CA2B-4D8A-8864-CEFA4C5B08DD}">
-      <dsp:nvSpPr>
-        <dsp:cNvPr id="0" name=""/>
-        <dsp:cNvSpPr/>
-      </dsp:nvSpPr>
-      <dsp:spPr>
-        <a:xfrm>
-          <a:off x="404911" y="1333251"/>
-          <a:ext cx="1372492" cy="762496"/>
-        </a:xfrm>
-        <a:prstGeom prst="rect">
-          <a:avLst/>
-        </a:prstGeom>
-        <a:noFill/>
-        <a:ln>
-          <a:noFill/>
-        </a:ln>
-        <a:effectLst/>
-      </dsp:spPr>
-      <dsp:style>
-        <a:lnRef idx="0">
-          <a:scrgbClr r="0" g="0" b="0"/>
-        </a:lnRef>
-        <a:fillRef idx="0">
-          <a:scrgbClr r="0" g="0" b="0"/>
-        </a:fillRef>
-        <a:effectRef idx="0">
-          <a:scrgbClr r="0" g="0" b="0"/>
-        </a:effectRef>
-        <a:fontRef idx="minor"/>
-      </dsp:style>
-      <dsp:txBody>
-        <a:bodyPr spcFirstLastPara="0" vert="horz" wrap="square" lIns="64770" tIns="64770" rIns="64770" bIns="64770" numCol="1" spcCol="1270" anchor="ctr" anchorCtr="0">
-          <a:noAutofit/>
-        </a:bodyPr>
-        <a:lstStyle/>
-        <a:p>
-          <a:pPr marL="0" lvl="0" indent="0" algn="r" defTabSz="755650">
-            <a:lnSpc>
-              <a:spcPct val="90000"/>
-            </a:lnSpc>
-            <a:spcBef>
-              <a:spcPct val="0"/>
-            </a:spcBef>
-            <a:spcAft>
-              <a:spcPct val="35000"/>
-            </a:spcAft>
-            <a:buNone/>
-          </a:pPr>
-          <a:r>
-            <a:rPr lang="en-US" sz="1700" kern="1200" dirty="0"/>
-            <a:t>Task 1</a:t>
-          </a:r>
-        </a:p>
-        <a:p>
-          <a:pPr marL="0" lvl="0" indent="0" algn="r" defTabSz="755650">
-            <a:lnSpc>
-              <a:spcPct val="90000"/>
-            </a:lnSpc>
-            <a:spcBef>
-              <a:spcPct val="0"/>
-            </a:spcBef>
-            <a:spcAft>
-              <a:spcPct val="35000"/>
-            </a:spcAft>
-            <a:buNone/>
-          </a:pPr>
-          <a:r>
-            <a:rPr lang="en-US" sz="1700" kern="1200" dirty="0"/>
-            <a:t>Task 2</a:t>
-          </a:r>
-        </a:p>
-      </dsp:txBody>
-      <dsp:txXfrm>
-        <a:off x="404911" y="1333251"/>
-        <a:ext cx="1372492" cy="762496"/>
-      </dsp:txXfrm>
-    </dsp:sp>
-    <dsp:sp modelId="{BC703E26-1FB3-446F-B0CE-67B5B5E4832A}">
-      <dsp:nvSpPr>
-        <dsp:cNvPr id="0" name=""/>
-        <dsp:cNvSpPr/>
-      </dsp:nvSpPr>
-      <dsp:spPr>
-        <a:xfrm rot="5400000">
-          <a:off x="2934619" y="1161690"/>
-          <a:ext cx="1270826" cy="1105619"/>
-        </a:xfrm>
-        <a:prstGeom prst="hexagon">
-          <a:avLst>
-            <a:gd name="adj" fmla="val 25000"/>
-            <a:gd name="vf" fmla="val 115470"/>
-          </a:avLst>
-        </a:prstGeom>
-        <a:solidFill>
-          <a:schemeClr val="lt1">
-            <a:hueOff val="0"/>
-            <a:satOff val="0"/>
-            <a:lumOff val="0"/>
-            <a:alphaOff val="0"/>
-          </a:schemeClr>
-        </a:solidFill>
-        <a:ln w="12700" cap="flat" cmpd="sng" algn="ctr">
-          <a:solidFill>
-            <a:schemeClr val="accent1">
-              <a:shade val="80000"/>
-              <a:hueOff val="0"/>
-              <a:satOff val="0"/>
-              <a:lumOff val="0"/>
-              <a:alphaOff val="0"/>
-            </a:schemeClr>
-          </a:solidFill>
-          <a:prstDash val="solid"/>
-          <a:miter lim="800000"/>
-        </a:ln>
-        <a:effectLst/>
-      </dsp:spPr>
-      <dsp:style>
-        <a:lnRef idx="2">
-          <a:scrgbClr r="0" g="0" b="0"/>
-        </a:lnRef>
-        <a:fillRef idx="1">
-          <a:scrgbClr r="0" g="0" b="0"/>
-        </a:fillRef>
-        <a:effectRef idx="0">
-          <a:scrgbClr r="0" g="0" b="0"/>
-        </a:effectRef>
-        <a:fontRef idx="minor">
-          <a:schemeClr val="lt1"/>
-        </a:fontRef>
-      </dsp:style>
-      <dsp:txBody>
-        <a:bodyPr spcFirstLastPara="0" vert="horz" wrap="square" lIns="0" tIns="0" rIns="0" bIns="0" numCol="1" spcCol="1270" anchor="ctr" anchorCtr="0">
-          <a:noAutofit/>
-        </a:bodyPr>
-        <a:lstStyle/>
-        <a:p>
-          <a:pPr marL="0" lvl="0" indent="0" algn="ctr" defTabSz="1600200">
-            <a:lnSpc>
-              <a:spcPct val="90000"/>
-            </a:lnSpc>
-            <a:spcBef>
-              <a:spcPct val="0"/>
-            </a:spcBef>
-            <a:spcAft>
-              <a:spcPct val="35000"/>
-            </a:spcAft>
-            <a:buNone/>
-          </a:pPr>
-          <a:endParaRPr lang="en-US" sz="3600" kern="1200"/>
-        </a:p>
-      </dsp:txBody>
-      <dsp:txXfrm rot="-5400000">
-        <a:off x="3189514" y="1277124"/>
-        <a:ext cx="761035" cy="874752"/>
-      </dsp:txXfrm>
-    </dsp:sp>
-    <dsp:sp modelId="{417DC516-F82C-4906-9F15-665EA122B8D8}">
-      <dsp:nvSpPr>
-        <dsp:cNvPr id="0" name=""/>
-        <dsp:cNvSpPr/>
-      </dsp:nvSpPr>
-      <dsp:spPr>
-        <a:xfrm rot="5400000">
-          <a:off x="2339872" y="2240368"/>
-          <a:ext cx="1270826" cy="1105619"/>
-        </a:xfrm>
-        <a:prstGeom prst="hexagon">
-          <a:avLst>
-            <a:gd name="adj" fmla="val 25000"/>
-            <a:gd name="vf" fmla="val 115470"/>
-          </a:avLst>
-        </a:prstGeom>
-        <a:solidFill>
-          <a:schemeClr val="lt1">
-            <a:hueOff val="0"/>
-            <a:satOff val="0"/>
-            <a:lumOff val="0"/>
-            <a:alphaOff val="0"/>
-          </a:schemeClr>
-        </a:solidFill>
-        <a:ln w="12700" cap="flat" cmpd="sng" algn="ctr">
-          <a:solidFill>
-            <a:schemeClr val="accent1">
-              <a:shade val="80000"/>
-              <a:hueOff val="0"/>
-              <a:satOff val="0"/>
-              <a:lumOff val="0"/>
-              <a:alphaOff val="0"/>
-            </a:schemeClr>
-          </a:solidFill>
-          <a:prstDash val="solid"/>
-          <a:miter lim="800000"/>
-        </a:ln>
-        <a:effectLst/>
-      </dsp:spPr>
-      <dsp:style>
-        <a:lnRef idx="2">
-          <a:scrgbClr r="0" g="0" b="0"/>
-        </a:lnRef>
-        <a:fillRef idx="1">
-          <a:scrgbClr r="0" g="0" b="0"/>
-        </a:fillRef>
-        <a:effectRef idx="0">
-          <a:scrgbClr r="0" g="0" b="0"/>
-        </a:effectRef>
-        <a:fontRef idx="minor">
-          <a:schemeClr val="lt1"/>
-        </a:fontRef>
-      </dsp:style>
-      <dsp:txBody>
-        <a:bodyPr spcFirstLastPara="0" vert="horz" wrap="square" lIns="64770" tIns="64770" rIns="64770" bIns="64770" numCol="1" spcCol="1270" anchor="ctr" anchorCtr="0">
-          <a:noAutofit/>
-        </a:bodyPr>
-        <a:lstStyle/>
-        <a:p>
-          <a:pPr marL="0" lvl="0" indent="0" algn="ctr" defTabSz="755650">
-            <a:lnSpc>
-              <a:spcPct val="90000"/>
-            </a:lnSpc>
-            <a:spcBef>
-              <a:spcPct val="0"/>
-            </a:spcBef>
-            <a:spcAft>
-              <a:spcPct val="35000"/>
-            </a:spcAft>
-            <a:buNone/>
-          </a:pPr>
-          <a:r>
-            <a:rPr lang="en-US" sz="1700" kern="1200" dirty="0"/>
-            <a:t>Group C</a:t>
-          </a:r>
-        </a:p>
-      </dsp:txBody>
-      <dsp:txXfrm rot="-5400000">
-        <a:off x="2594767" y="2355802"/>
-        <a:ext cx="761035" cy="874752"/>
-      </dsp:txXfrm>
-    </dsp:sp>
-    <dsp:sp modelId="{0DAAA219-5DEF-480C-B4EB-C0B5BF0C1C88}">
-      <dsp:nvSpPr>
-        <dsp:cNvPr id="0" name=""/>
-        <dsp:cNvSpPr/>
-      </dsp:nvSpPr>
-      <dsp:spPr>
-        <a:xfrm>
-          <a:off x="3561645" y="2411929"/>
-          <a:ext cx="1418242" cy="762496"/>
-        </a:xfrm>
-        <a:prstGeom prst="rect">
-          <a:avLst/>
-        </a:prstGeom>
-        <a:noFill/>
-        <a:ln>
-          <a:noFill/>
-        </a:ln>
-        <a:effectLst/>
-      </dsp:spPr>
-      <dsp:style>
-        <a:lnRef idx="0">
-          <a:scrgbClr r="0" g="0" b="0"/>
-        </a:lnRef>
-        <a:fillRef idx="0">
-          <a:scrgbClr r="0" g="0" b="0"/>
-        </a:fillRef>
-        <a:effectRef idx="0">
-          <a:scrgbClr r="0" g="0" b="0"/>
-        </a:effectRef>
-        <a:fontRef idx="minor"/>
-      </dsp:style>
-      <dsp:txBody>
-        <a:bodyPr spcFirstLastPara="0" vert="horz" wrap="square" lIns="64770" tIns="64770" rIns="64770" bIns="64770" numCol="1" spcCol="1270" anchor="ctr" anchorCtr="0">
-          <a:noAutofit/>
-        </a:bodyPr>
-        <a:lstStyle/>
-        <a:p>
-          <a:pPr marL="0" lvl="0" indent="0" algn="l" defTabSz="755650">
-            <a:lnSpc>
-              <a:spcPct val="90000"/>
-            </a:lnSpc>
-            <a:spcBef>
-              <a:spcPct val="0"/>
-            </a:spcBef>
-            <a:spcAft>
-              <a:spcPct val="35000"/>
-            </a:spcAft>
-            <a:buNone/>
-          </a:pPr>
-          <a:r>
-            <a:rPr lang="en-US" sz="1700" kern="1200" dirty="0"/>
-            <a:t>Task 1</a:t>
-          </a:r>
-        </a:p>
-        <a:p>
-          <a:pPr marL="0" lvl="0" indent="0" algn="l" defTabSz="755650">
-            <a:lnSpc>
-              <a:spcPct val="90000"/>
-            </a:lnSpc>
-            <a:spcBef>
-              <a:spcPct val="0"/>
-            </a:spcBef>
-            <a:spcAft>
-              <a:spcPct val="35000"/>
-            </a:spcAft>
-            <a:buNone/>
-          </a:pPr>
-          <a:r>
-            <a:rPr lang="en-US" sz="1700" kern="1200" dirty="0"/>
-            <a:t>Task 2</a:t>
-          </a:r>
-        </a:p>
-      </dsp:txBody>
-      <dsp:txXfrm>
-        <a:off x="3561645" y="2411929"/>
-        <a:ext cx="1418242" cy="762496"/>
-      </dsp:txXfrm>
-    </dsp:sp>
-    <dsp:sp modelId="{FC84E92F-422A-492D-9065-6E23F988DCF4}">
-      <dsp:nvSpPr>
-        <dsp:cNvPr id="0" name=""/>
-        <dsp:cNvSpPr/>
-      </dsp:nvSpPr>
-      <dsp:spPr>
-        <a:xfrm rot="5400000">
-          <a:off x="1145803" y="2240368"/>
-          <a:ext cx="1270826" cy="1105619"/>
-        </a:xfrm>
-        <a:prstGeom prst="hexagon">
-          <a:avLst>
-            <a:gd name="adj" fmla="val 25000"/>
-            <a:gd name="vf" fmla="val 115470"/>
-          </a:avLst>
-        </a:prstGeom>
-        <a:solidFill>
-          <a:schemeClr val="lt1">
-            <a:hueOff val="0"/>
-            <a:satOff val="0"/>
-            <a:lumOff val="0"/>
-            <a:alphaOff val="0"/>
-          </a:schemeClr>
-        </a:solidFill>
-        <a:ln w="12700" cap="flat" cmpd="sng" algn="ctr">
-          <a:solidFill>
-            <a:schemeClr val="accent1">
-              <a:shade val="80000"/>
-              <a:hueOff val="0"/>
-              <a:satOff val="0"/>
-              <a:lumOff val="0"/>
-              <a:alphaOff val="0"/>
-            </a:schemeClr>
-          </a:solidFill>
-          <a:prstDash val="solid"/>
-          <a:miter lim="800000"/>
-        </a:ln>
-        <a:effectLst/>
-      </dsp:spPr>
-      <dsp:style>
-        <a:lnRef idx="2">
-          <a:scrgbClr r="0" g="0" b="0"/>
-        </a:lnRef>
-        <a:fillRef idx="1">
-          <a:scrgbClr r="0" g="0" b="0"/>
-        </a:fillRef>
-        <a:effectRef idx="0">
-          <a:scrgbClr r="0" g="0" b="0"/>
-        </a:effectRef>
-        <a:fontRef idx="minor">
-          <a:schemeClr val="lt1"/>
-        </a:fontRef>
-      </dsp:style>
-      <dsp:txBody>
-        <a:bodyPr spcFirstLastPara="0" vert="horz" wrap="square" lIns="0" tIns="0" rIns="0" bIns="0" numCol="1" spcCol="1270" anchor="ctr" anchorCtr="0">
-          <a:noAutofit/>
-        </a:bodyPr>
-        <a:lstStyle/>
-        <a:p>
-          <a:pPr marL="0" lvl="0" indent="0" algn="ctr" defTabSz="1600200">
-            <a:lnSpc>
-              <a:spcPct val="90000"/>
-            </a:lnSpc>
-            <a:spcBef>
-              <a:spcPct val="0"/>
-            </a:spcBef>
-            <a:spcAft>
-              <a:spcPct val="35000"/>
-            </a:spcAft>
-            <a:buNone/>
-          </a:pPr>
-          <a:endParaRPr lang="en-US" sz="3600" kern="1200"/>
-        </a:p>
-      </dsp:txBody>
-      <dsp:txXfrm rot="-5400000">
-        <a:off x="1400698" y="2355802"/>
-        <a:ext cx="761035" cy="874752"/>
-      </dsp:txXfrm>
-    </dsp:sp>
-  </dsp:spTree>
-</dsp:drawing>
-</file>
-
-<file path=ppt/diagrams/layout1.xml><?xml version="1.0" encoding="utf-8"?>
-<dgm:layoutDef xmlns:dgm="http://schemas.openxmlformats.org/drawingml/2006/diagram" xmlns:a="http://schemas.openxmlformats.org/drawingml/2006/main" uniqueId="urn:microsoft.com/office/officeart/2008/layout/AlternatingHexagons">
-  <dgm:title val=""/>
-  <dgm:desc val=""/>
-  <dgm:catLst>
-    <dgm:cat type="list" pri="1500"/>
-  </dgm:catLst>
-  <dgm:sampData>
-    <dgm:dataModel>
-      <dgm:ptLst>
-        <dgm:pt modelId="0" type="doc"/>
-        <dgm:pt modelId="10">
-          <dgm:prSet phldr="1"/>
-        </dgm:pt>
-        <dgm:pt modelId="11">
-          <dgm:prSet phldr="1"/>
-        </dgm:pt>
-        <dgm:pt modelId="20">
-          <dgm:prSet phldr="1"/>
-        </dgm:pt>
-        <dgm:pt modelId="21">
-          <dgm:prSet phldr="1"/>
-        </dgm:pt>
-        <dgm:pt modelId="30">
-          <dgm:prSet phldr="1"/>
-        </dgm:pt>
-        <dgm:pt modelId="31">
-          <dgm:prSet phldr="1"/>
-        </dgm:pt>
-      </dgm:ptLst>
-      <dgm:cxnLst>
-        <dgm:cxn modelId="40" srcId="0" destId="10" srcOrd="0" destOrd="0"/>
-        <dgm:cxn modelId="12" srcId="10" destId="11" srcOrd="0" destOrd="0"/>
-        <dgm:cxn modelId="50" srcId="0" destId="20" srcOrd="1" destOrd="0"/>
-        <dgm:cxn modelId="22" srcId="20" destId="21" srcOrd="0" destOrd="0"/>
-        <dgm:cxn modelId="60" srcId="0" destId="30" srcOrd="1" destOrd="0"/>
-        <dgm:cxn modelId="32" srcId="30" destId="31" srcOrd="0" destOrd="0"/>
-      </dgm:cxnLst>
-      <dgm:bg/>
-      <dgm:whole/>
-    </dgm:dataModel>
-  </dgm:sampData>
-  <dgm:styleData>
-    <dgm:dataModel>
-      <dgm:ptLst>
-        <dgm:pt modelId="0" type="doc"/>
-        <dgm:pt modelId="10">
-          <dgm:prSet phldr="1"/>
-        </dgm:pt>
-        <dgm:pt modelId="20">
-          <dgm:prSet phldr="1"/>
-        </dgm:pt>
-      </dgm:ptLst>
-      <dgm:cxnLst>
-        <dgm:cxn modelId="60" srcId="0" destId="10" srcOrd="0" destOrd="0"/>
-        <dgm:cxn modelId="70" srcId="0" destId="20" srcOrd="1" destOrd="0"/>
-      </dgm:cxnLst>
-      <dgm:bg/>
-      <dgm:whole/>
-    </dgm:dataModel>
-  </dgm:styleData>
-  <dgm:clrData>
-    <dgm:dataModel>
-      <dgm:ptLst>
-        <dgm:pt modelId="0" type="doc"/>
-        <dgm:pt modelId="10">
-          <dgm:prSet phldr="1"/>
-        </dgm:pt>
-        <dgm:pt modelId="20">
-          <dgm:prSet phldr="1"/>
-        </dgm:pt>
-        <dgm:pt modelId="30">
-          <dgm:prSet phldr="1"/>
-        </dgm:pt>
-        <dgm:pt modelId="40">
-          <dgm:prSet phldr="1"/>
-        </dgm:pt>
-      </dgm:ptLst>
-      <dgm:cxnLst>
-        <dgm:cxn modelId="60" srcId="0" destId="10" srcOrd="0" destOrd="0"/>
-        <dgm:cxn modelId="70" srcId="0" destId="20" srcOrd="1" destOrd="0"/>
-        <dgm:cxn modelId="80" srcId="0" destId="30" srcOrd="2" destOrd="0"/>
-        <dgm:cxn modelId="90" srcId="0" destId="40" srcOrd="3" destOrd="0"/>
-      </dgm:cxnLst>
-      <dgm:bg/>
-      <dgm:whole/>
-    </dgm:dataModel>
-  </dgm:clrData>
-  <dgm:layoutNode name="Name0">
-    <dgm:varLst>
-      <dgm:chMax/>
-      <dgm:chPref/>
-      <dgm:dir/>
-      <dgm:animLvl val="lvl"/>
-    </dgm:varLst>
-    <dgm:alg type="lin">
-      <dgm:param type="linDir" val="fromT"/>
-    </dgm:alg>
-    <dgm:shape xmlns:r="http://schemas.openxmlformats.org/officeDocument/2006/relationships" r:blip="">
-      <dgm:adjLst/>
-    </dgm:shape>
-    <dgm:constrLst>
-      <dgm:constr type="primFontSz" for="des" forName="Parent1" val="65"/>
-      <dgm:constr type="primFontSz" for="des" forName="Childtext1" refType="primFontSz" refFor="des" refForName="Parent1" op="lte"/>
-      <dgm:constr type="w" for="ch" forName="composite" refType="w"/>
-      <dgm:constr type="h" for="ch" forName="composite" refType="h"/>
-      <dgm:constr type="h" for="ch" forName="spaceBetweenRectangles" refType="w" refFor="ch" refForName="composite" fact="-0.042"/>
-      <dgm:constr type="sp" refType="h" refFor="ch" refForName="composite" op="equ" fact="0.1"/>
-    </dgm:constrLst>
-    <dgm:forEach name="nodesForEach" axis="ch" ptType="node">
-      <dgm:layoutNode name="composite">
-        <dgm:alg type="composite">
-          <dgm:param type="ar" val="3.6"/>
-        </dgm:alg>
-        <dgm:shape xmlns:r="http://schemas.openxmlformats.org/officeDocument/2006/relationships" r:blip="">
-          <dgm:adjLst/>
-        </dgm:shape>
-        <dgm:choose name="Name1">
-          <dgm:if name="Name2" func="var" arg="dir" op="equ" val="norm">
-            <dgm:choose name="Name3">
-              <dgm:if name="Name4" axis="self" ptType="node" func="posOdd" op="equ" val="1">
-                <dgm:constrLst>
-                  <dgm:constr type="l" for="ch" forName="Accent1" refType="w" fact="0.18"/>
-                  <dgm:constr type="t" for="ch" forName="Accent1" refType="h" fact="0"/>
-                  <dgm:constr type="h" for="ch" forName="Accent1" refType="h"/>
-                  <dgm:constr type="w" for="ch" forName="Accent1" refType="h" fact="0.87"/>
-                  <dgm:constr type="l" for="ch" forName="Accent1Text" refType="w" fact="0.18"/>
-                  <dgm:constr type="t" for="ch" forName="Accent1Text" refType="h" fact="0"/>
-                  <dgm:constr type="h" for="ch" forName="Accent1Text" refType="h"/>
-                  <dgm:constr type="w" for="ch" forName="Accent1Text" refType="h" fact="0.87"/>
-                  <dgm:constr type="l" for="ch" forName="Parent1" refType="w" fact="0.441"/>
-                  <dgm:constr type="t" for="ch" forName="Parent1" refType="h" fact="0"/>
-                  <dgm:constr type="h" for="ch" forName="Parent1" refType="h"/>
-                  <dgm:constr type="w" for="ch" forName="Parent1" refType="h" fact="0.87"/>
-                  <dgm:constr type="l" for="ch" forName="Childtext1" refType="w" fact="0.69"/>
-                  <dgm:constr type="t" for="ch" forName="Childtext1" refType="h" fact="0.2"/>
-                  <dgm:constr type="w" for="ch" forName="Childtext1" refType="w" fact="0.31"/>
-                  <dgm:constr type="h" for="ch" forName="Childtext1" refType="h" fact="0.6"/>
-                  <dgm:constr type="l" for="ch" forName="BalanceSpacing" refType="w" fact="0"/>
-                  <dgm:constr type="t" for="ch" forName="BalanceSpacing" refType="h" fact="0"/>
-                  <dgm:constr type="w" for="ch" forName="BalanceSpacing" refType="w"/>
-                  <dgm:constr type="h" for="ch" forName="BalanceSpacing" refType="h" fact="0.1"/>
-                  <dgm:constr type="l" for="ch" forName="BalanceSpacing1" refType="w" fact="0.69"/>
-                  <dgm:constr type="t" for="ch" forName="BalanceSpacing1" refType="h" fact="0.2"/>
-                  <dgm:constr type="w" for="ch" forName="BalanceSpacing1" refType="w" fact="0.31"/>
-                  <dgm:constr type="h" for="ch" forName="BalanceSpacing1" refType="h" fact="0.6"/>
-                </dgm:constrLst>
-              </dgm:if>
-              <dgm:else name="Name5">
-                <dgm:constrLst>
-                  <dgm:constr type="l" for="ch" forName="Accent1" refType="w" fact="0.571"/>
-                  <dgm:constr type="t" for="ch" forName="Accent1" refType="h" fact="0"/>
-                  <dgm:constr type="h" for="ch" forName="Accent1" refType="h"/>
-                  <dgm:constr type="w" for="ch" forName="Accent1" refType="h" fact="0.87"/>
-                  <dgm:constr type="l" for="ch" forName="Accent1Text" refType="w" fact="0.571"/>
-                  <dgm:constr type="t" for="ch" forName="Accent1Text" refType="h" fact="0"/>
-                  <dgm:constr type="h" for="ch" forName="Accent1Text" refType="h"/>
-                  <dgm:constr type="w" for="ch" forName="Accent1Text" refType="h" fact="0.87"/>
-                  <dgm:constr type="l" for="ch" forName="Parent1" refType="w" fact="0.31"/>
-                  <dgm:constr type="t" for="ch" forName="Parent1" refType="h" fact="0"/>
-                  <dgm:constr type="h" for="ch" forName="Parent1" refType="h"/>
-                  <dgm:constr type="w" for="ch" forName="Parent1" refType="h" fact="0.87"/>
-                  <dgm:constr type="l" for="ch" forName="Childtext1" refType="w" fact="0"/>
-                  <dgm:constr type="t" for="ch" forName="Childtext1" refType="h" fact="0.2"/>
-                  <dgm:constr type="w" for="ch" forName="Childtext1" refType="w" fact="0.3"/>
-                  <dgm:constr type="h" for="ch" forName="Childtext1" refType="h" fact="0.6"/>
-                  <dgm:constr type="l" for="ch" forName="BalanceSpacing" refType="w" fact="0.82"/>
-                  <dgm:constr type="t" for="ch" forName="BalanceSpacing" refType="h" fact="0"/>
-                  <dgm:constr type="w" for="ch" forName="BalanceSpacing" refType="w" fact="0.18"/>
-                  <dgm:constr type="h" for="ch" forName="BalanceSpacing" refType="h"/>
-                  <dgm:constr type="l" for="ch" forName="BalanceSpacing1" refType="w" fact="0"/>
-                  <dgm:constr type="t" for="ch" forName="BalanceSpacing1" refType="h" fact="0.2"/>
-                  <dgm:constr type="w" for="ch" forName="BalanceSpacing1" refType="w" fact="0.3"/>
-                  <dgm:constr type="h" for="ch" forName="BalanceSpacing1" refType="h" fact="0.6"/>
-                </dgm:constrLst>
-              </dgm:else>
-            </dgm:choose>
-          </dgm:if>
-          <dgm:else name="Name6">
-            <dgm:choose name="Name7">
-              <dgm:if name="Name8" axis="self" ptType="node" func="posOdd" op="equ" val="1">
-                <dgm:constrLst>
-                  <dgm:constr type="l" for="ch" forName="Accent1" refType="w" fact="0.571"/>
-                  <dgm:constr type="t" for="ch" forName="Accent1" refType="h" fact="0"/>
-                  <dgm:constr type="h" for="ch" forName="Accent1" refType="h"/>
-                  <dgm:constr type="w" for="ch" forName="Accent1" refType="h" fact="0.87"/>
-                  <dgm:constr type="l" for="ch" forName="Accent1Text" refType="w" fact="0.571"/>
-                  <dgm:constr type="t" for="ch" forName="Accent1Text" refType="h" fact="0"/>
-                  <dgm:constr type="h" for="ch" forName="Accent1Text" refType="h"/>
-                  <dgm:constr type="w" for="ch" forName="Accent1Text" refType="h" fact="0.87"/>
-                  <dgm:constr type="l" for="ch" forName="Parent1" refType="w" fact="0.31"/>
-                  <dgm:constr type="t" for="ch" forName="Parent1" refType="h" fact="0"/>
-                  <dgm:constr type="h" for="ch" forName="Parent1" refType="h"/>
-                  <dgm:constr type="w" for="ch" forName="Parent1" refType="h" fact="0.87"/>
-                  <dgm:constr type="l" for="ch" forName="Childtext1" refType="w" fact="0"/>
-                  <dgm:constr type="t" for="ch" forName="Childtext1" refType="h" fact="0.2"/>
-                  <dgm:constr type="w" for="ch" forName="Childtext1" refType="w" fact="0.3"/>
-                  <dgm:constr type="h" for="ch" forName="Childtext1" refType="h" fact="0.6"/>
-                  <dgm:constr type="l" for="ch" forName="BalanceSpacing" refType="w" fact="0.82"/>
-                  <dgm:constr type="t" for="ch" forName="BalanceSpacing" refType="h" fact="0"/>
-                  <dgm:constr type="w" for="ch" forName="BalanceSpacing" refType="w" fact="0.18"/>
-                  <dgm:constr type="h" for="ch" forName="BalanceSpacing" refType="h"/>
-                </dgm:constrLst>
-              </dgm:if>
-              <dgm:else name="Name9">
-                <dgm:constrLst>
-                  <dgm:constr type="l" for="ch" forName="Accent1" refType="w" fact="0.18"/>
-                  <dgm:constr type="t" for="ch" forName="Accent1" refType="h" fact="0"/>
-                  <dgm:constr type="h" for="ch" forName="Accent1" refType="h"/>
-                  <dgm:constr type="w" for="ch" forName="Accent1" refType="h" fact="0.87"/>
-                  <dgm:constr type="l" for="ch" forName="Accent1Text" refType="w" fact="0.18"/>
-                  <dgm:constr type="t" for="ch" forName="Accent1Text" refType="h" fact="0"/>
-                  <dgm:constr type="h" for="ch" forName="Accent1Text" refType="h"/>
-                  <dgm:constr type="w" for="ch" forName="Accent1Text" refType="h" fact="0.87"/>
-                  <dgm:constr type="l" for="ch" forName="Parent1" refType="w" fact="0.441"/>
-                  <dgm:constr type="t" for="ch" forName="Parent1" refType="h" fact="0"/>
-                  <dgm:constr type="h" for="ch" forName="Parent1" refType="h"/>
-                  <dgm:constr type="w" for="ch" forName="Parent1" refType="h" fact="0.87"/>
-                  <dgm:constr type="l" for="ch" forName="Childtext1" refType="w" fact="0.69"/>
-                  <dgm:constr type="t" for="ch" forName="Childtext1" refType="h" fact="0.2"/>
-                  <dgm:constr type="w" for="ch" forName="Childtext1" refType="w" fact="0.31"/>
-                  <dgm:constr type="h" for="ch" forName="Childtext1" refType="h" fact="0.6"/>
-                  <dgm:constr type="l" for="ch" forName="BalanceSpacing" refType="w" fact="0"/>
-                  <dgm:constr type="t" for="ch" forName="BalanceSpacing" refType="h" fact="0"/>
-                  <dgm:constr type="w" for="ch" forName="BalanceSpacing" refType="w" fact="0.18"/>
-                  <dgm:constr type="h" for="ch" forName="BalanceSpacing" refType="h"/>
-                </dgm:constrLst>
-              </dgm:else>
-            </dgm:choose>
-          </dgm:else>
-        </dgm:choose>
-        <dgm:layoutNode name="Parent1" styleLbl="node1">
-          <dgm:varLst>
-            <dgm:chMax val="1"/>
-            <dgm:chPref val="1"/>
-            <dgm:bulletEnabled val="1"/>
-          </dgm:varLst>
-          <dgm:alg type="tx"/>
-          <dgm:shape xmlns:r="http://schemas.openxmlformats.org/officeDocument/2006/relationships" rot="90" type="hexagon" r:blip="">
-            <dgm:adjLst>
-              <dgm:adj idx="1" val="0.25"/>
-              <dgm:adj idx="2" val="1.1547"/>
-            </dgm:adjLst>
-          </dgm:shape>
-          <dgm:presOf axis="self" ptType="node"/>
-          <dgm:constrLst>
-            <dgm:constr type="lMarg" refType="primFontSz" fact="0.3"/>
-            <dgm:constr type="rMarg" refType="primFontSz" fact="0.3"/>
-            <dgm:constr type="tMarg" refType="primFontSz" fact="0.3"/>
-            <dgm:constr type="bMarg" refType="primFontSz" fact="0.3"/>
-          </dgm:constrLst>
-          <dgm:ruleLst>
-            <dgm:rule type="primFontSz" val="5" fact="NaN" max="NaN"/>
-          </dgm:ruleLst>
-        </dgm:layoutNode>
-        <dgm:layoutNode name="Childtext1" styleLbl="revTx">
-          <dgm:varLst>
-            <dgm:chMax val="0"/>
-            <dgm:chPref val="0"/>
-            <dgm:bulletEnabled val="1"/>
-          </dgm:varLst>
-          <dgm:choose name="Name10">
-            <dgm:if name="Name11" func="var" arg="dir" op="equ" val="norm">
-              <dgm:choose name="Name12">
-                <dgm:if name="Name13" axis="self" ptType="node" func="posOdd" op="equ" val="1">
-                  <dgm:alg type="tx">
-                    <dgm:param type="parTxLTRAlign" val="l"/>
-                  </dgm:alg>
-                </dgm:if>
-                <dgm:else name="Name14">
-                  <dgm:alg type="tx">
-                    <dgm:param type="parTxLTRAlign" val="r"/>
-                  </dgm:alg>
-                </dgm:else>
-              </dgm:choose>
-            </dgm:if>
-            <dgm:else name="Name15">
-              <dgm:choose name="Name16">
-                <dgm:if name="Name17" axis="self" ptType="node" func="posOdd" op="equ" val="1">
-                  <dgm:alg type="tx">
-                    <dgm:param type="parTxLTRAlign" val="r"/>
-                  </dgm:alg>
-                </dgm:if>
-                <dgm:else name="Name18">
-                  <dgm:alg type="tx">
-                    <dgm:param type="parTxLTRAlign" val="l"/>
-                  </dgm:alg>
-                </dgm:else>
-              </dgm:choose>
-            </dgm:else>
-          </dgm:choose>
-          <dgm:shape xmlns:r="http://schemas.openxmlformats.org/officeDocument/2006/relationships" type="rect" r:blip="">
-            <dgm:adjLst/>
-          </dgm:shape>
-          <dgm:presOf axis="des" ptType="node"/>
-          <dgm:constrLst>
-            <dgm:constr type="lMarg" refType="primFontSz" fact="0.3"/>
-            <dgm:constr type="rMarg" refType="primFontSz" fact="0.3"/>
-            <dgm:constr type="tMarg" refType="primFontSz" fact="0.3"/>
-            <dgm:constr type="bMarg" refType="primFontSz" fact="0.3"/>
-          </dgm:constrLst>
-          <dgm:ruleLst>
-            <dgm:rule type="primFontSz" val="5" fact="NaN" max="NaN"/>
-          </dgm:ruleLst>
-        </dgm:layoutNode>
-        <dgm:layoutNode name="BalanceSpacing">
-          <dgm:alg type="sp"/>
-          <dgm:shape xmlns:r="http://schemas.openxmlformats.org/officeDocument/2006/relationships" r:blip="">
-            <dgm:adjLst/>
-          </dgm:shape>
-        </dgm:layoutNode>
-        <dgm:layoutNode name="BalanceSpacing1">
-          <dgm:alg type="sp"/>
-          <dgm:shape xmlns:r="http://schemas.openxmlformats.org/officeDocument/2006/relationships" r:blip="">
-            <dgm:adjLst/>
-          </dgm:shape>
-        </dgm:layoutNode>
-        <dgm:forEach name="Name19" axis="followSib" ptType="sibTrans" hideLastTrans="0" cnt="1">
-          <dgm:layoutNode name="Accent1Text" styleLbl="node1">
-            <dgm:alg type="tx"/>
-            <dgm:shape xmlns:r="http://schemas.openxmlformats.org/officeDocument/2006/relationships" rot="90" type="hexagon" r:blip="">
-              <dgm:adjLst>
-                <dgm:adj idx="1" val="0.25"/>
-                <dgm:adj idx="2" val="1.1547"/>
-              </dgm:adjLst>
-            </dgm:shape>
-            <dgm:presOf axis="self" ptType="sibTrans"/>
-            <dgm:constrLst>
-              <dgm:constr type="lMarg"/>
-              <dgm:constr type="rMarg"/>
-              <dgm:constr type="tMarg"/>
-              <dgm:constr type="bMarg"/>
-            </dgm:constrLst>
-            <dgm:ruleLst>
-              <dgm:rule type="primFontSz" val="5" fact="NaN" max="NaN"/>
-            </dgm:ruleLst>
-          </dgm:layoutNode>
-        </dgm:forEach>
-      </dgm:layoutNode>
-      <dgm:forEach name="Name20" axis="followSib" ptType="sibTrans" cnt="1">
-        <dgm:layoutNode name="spaceBetweenRectangles">
-          <dgm:alg type="sp"/>
-          <dgm:shape xmlns:r="http://schemas.openxmlformats.org/officeDocument/2006/relationships" r:blip="">
-            <dgm:adjLst/>
-          </dgm:shape>
-          <dgm:presOf/>
-          <dgm:constrLst/>
-          <dgm:ruleLst/>
-        </dgm:layoutNode>
-      </dgm:forEach>
-    </dgm:forEach>
-  </dgm:layoutNode>
-</dgm:layoutDef>
-</file>
-
-<file path=ppt/diagrams/quickStyle1.xml><?xml version="1.0" encoding="utf-8"?>
-<dgm:styleDef xmlns:dgm="http://schemas.openxmlformats.org/drawingml/2006/diagram" xmlns:a="http://schemas.openxmlformats.org/drawingml/2006/main" uniqueId="urn:microsoft.com/office/officeart/2005/8/quickstyle/simple1">
-  <dgm:title val=""/>
-  <dgm:desc val=""/>
-  <dgm:catLst>
-    <dgm:cat type="simple" pri="10100"/>
-  </dgm:catLst>
-  <dgm:scene3d>
-    <a:camera prst="orthographicFront"/>
-    <a:lightRig rig="threePt" dir="t"/>
-  </dgm:scene3d>
-  <dgm:styleLbl name="node0">
-    <dgm:scene3d>
-      <a:camera prst="orthographicFront"/>
-      <a:lightRig rig="threePt" dir="t"/>
-    </dgm:scene3d>
-    <dgm:sp3d/>
-    <dgm:txPr/>
-    <dgm:style>
-      <a:lnRef idx="2">
-        <a:scrgbClr r="0" g="0" b="0"/>
-      </a:lnRef>
-      <a:fillRef idx="1">
-        <a:scrgbClr r="0" g="0" b="0"/>
-      </a:fillRef>
-      <a:effectRef idx="0">
-        <a:scrgbClr r="0" g="0" b="0"/>
-      </a:effectRef>
-      <a:fontRef idx="minor">
-        <a:schemeClr val="lt1"/>
-      </a:fontRef>
-    </dgm:style>
-  </dgm:styleLbl>
-  <dgm:styleLbl name="lnNode1">
-    <dgm:scene3d>
-      <a:camera prst="orthographicFront"/>
-      <a:lightRig rig="threePt" dir="t"/>
-    </dgm:scene3d>
-    <dgm:sp3d/>
-    <dgm:txPr/>
-    <dgm:style>
-      <a:lnRef idx="2">
-        <a:scrgbClr r="0" g="0" b="0"/>
-      </a:lnRef>
-      <a:fillRef idx="1">
-        <a:scrgbClr r="0" g="0" b="0"/>
-      </a:fillRef>
-      <a:effectRef idx="0">
-        <a:scrgbClr r="0" g="0" b="0"/>
-      </a:effectRef>
-      <a:fontRef idx="minor">
-        <a:schemeClr val="lt1"/>
-      </a:fontRef>
-    </dgm:style>
-  </dgm:styleLbl>
-  <dgm:styleLbl name="vennNode1">
-    <dgm:scene3d>
-      <a:camera prst="orthographicFront"/>
-      <a:lightRig rig="threePt" dir="t"/>
-    </dgm:scene3d>
-    <dgm:sp3d/>
-    <dgm:txPr/>
-    <dgm:style>
-      <a:lnRef idx="2">
-        <a:scrgbClr r="0" g="0" b="0"/>
-      </a:lnRef>
-      <a:fillRef idx="1">
-        <a:scrgbClr r="0" g="0" b="0"/>
-      </a:fillRef>
-      <a:effectRef idx="0">
-        <a:scrgbClr r="0" g="0" b="0"/>
-      </a:effectRef>
-      <a:fontRef idx="minor">
-        <a:schemeClr val="tx1"/>
-      </a:fontRef>
-    </dgm:style>
-  </dgm:styleLbl>
-  <dgm:styleLbl name="alignNode1">
-    <dgm:scene3d>
-      <a:camera prst="orthographicFront"/>
-      <a:lightRig rig="threePt" dir="t"/>
-    </dgm:scene3d>
-    <dgm:sp3d/>
-    <dgm:txPr/>
-    <dgm:style>
-      <a:lnRef idx="2">
-        <a:scrgbClr r="0" g="0" b="0"/>
-      </a:lnRef>
-      <a:fillRef idx="1">
-        <a:scrgbClr r="0" g="0" b="0"/>
-      </a:fillRef>
-      <a:effectRef idx="0">
-        <a:scrgbClr r="0" g="0" b="0"/>
-      </a:effectRef>
-      <a:fontRef idx="minor">
-        <a:schemeClr val="lt1"/>
-      </a:fontRef>
-    </dgm:style>
-  </dgm:styleLbl>
-  <dgm:styleLbl name="node1">
-    <dgm:scene3d>
-      <a:camera prst="orthographicFront"/>
-      <a:lightRig rig="threePt" dir="t"/>
-    </dgm:scene3d>
-    <dgm:sp3d/>
-    <dgm:txPr/>
-    <dgm:style>
-      <a:lnRef idx="2">
-        <a:scrgbClr r="0" g="0" b="0"/>
-      </a:lnRef>
-      <a:fillRef idx="1">
-        <a:scrgbClr r="0" g="0" b="0"/>
-      </a:fillRef>
-      <a:effectRef idx="0">
-        <a:scrgbClr r="0" g="0" b="0"/>
-      </a:effectRef>
-      <a:fontRef idx="minor">
-        <a:schemeClr val="lt1"/>
-      </a:fontRef>
-    </dgm:style>
-  </dgm:styleLbl>
-  <dgm:styleLbl name="node2">
-    <dgm:scene3d>
-      <a:camera prst="orthographicFront"/>
-      <a:lightRig rig="threePt" dir="t"/>
-    </dgm:scene3d>
-    <dgm:sp3d/>
-    <dgm:txPr/>
-    <dgm:style>
-      <a:lnRef idx="2">
-        <a:scrgbClr r="0" g="0" b="0"/>
-      </a:lnRef>
-      <a:fillRef idx="1">
-        <a:scrgbClr r="0" g="0" b="0"/>
-      </a:fillRef>
-      <a:effectRef idx="0">
-        <a:scrgbClr r="0" g="0" b="0"/>
-      </a:effectRef>
-      <a:fontRef idx="minor">
-        <a:schemeClr val="lt1"/>
-      </a:fontRef>
-    </dgm:style>
-  </dgm:styleLbl>
-  <dgm:styleLbl name="node3">
-    <dgm:scene3d>
-      <a:camera prst="orthographicFront"/>
-      <a:lightRig rig="threePt" dir="t"/>
-    </dgm:scene3d>
-    <dgm:sp3d/>
-    <dgm:txPr/>
-    <dgm:style>
-      <a:lnRef idx="2">
-        <a:scrgbClr r="0" g="0" b="0"/>
-      </a:lnRef>
-      <a:fillRef idx="1">
-        <a:scrgbClr r="0" g="0" b="0"/>
-      </a:fillRef>
-      <a:effectRef idx="0">
-        <a:scrgbClr r="0" g="0" b="0"/>
-      </a:effectRef>
-      <a:fontRef idx="minor">
-        <a:schemeClr val="lt1"/>
-      </a:fontRef>
-    </dgm:style>
-  </dgm:styleLbl>
-  <dgm:styleLbl name="node4">
-    <dgm:scene3d>
-      <a:camera prst="orthographicFront"/>
-      <a:lightRig rig="threePt" dir="t"/>
-    </dgm:scene3d>
-    <dgm:sp3d/>
-    <dgm:txPr/>
-    <dgm:style>
-      <a:lnRef idx="2">
-        <a:scrgbClr r="0" g="0" b="0"/>
-      </a:lnRef>
-      <a:fillRef idx="1">
-        <a:scrgbClr r="0" g="0" b="0"/>
-      </a:fillRef>
-      <a:effectRef idx="0">
-        <a:scrgbClr r="0" g="0" b="0"/>
-      </a:effectRef>
-      <a:fontRef idx="minor">
-        <a:schemeClr val="lt1"/>
-      </a:fontRef>
-    </dgm:style>
-  </dgm:styleLbl>
-  <dgm:styleLbl name="fgImgPlace1">
-    <dgm:scene3d>
-      <a:camera prst="orthographicFront"/>
-      <a:lightRig rig="threePt" dir="t"/>
-    </dgm:scene3d>
-    <dgm:sp3d/>
-    <dgm:txPr/>
-    <dgm:style>
-      <a:lnRef idx="2">
-        <a:scrgbClr r="0" g="0" b="0"/>
-      </a:lnRef>
-      <a:fillRef idx="1">
-        <a:scrgbClr r="0" g="0" b="0"/>
-      </a:fillRef>
-      <a:effectRef idx="0">
-        <a:scrgbClr r="0" g="0" b="0"/>
-      </a:effectRef>
-      <a:fontRef idx="minor"/>
-    </dgm:style>
-  </dgm:styleLbl>
-  <dgm:styleLbl name="alignImgPlace1">
-    <dgm:scene3d>
-      <a:camera prst="orthographicFront"/>
-      <a:lightRig rig="threePt" dir="t"/>
-    </dgm:scene3d>
-    <dgm:sp3d/>
-    <dgm:txPr/>
-    <dgm:style>
-      <a:lnRef idx="2">
-        <a:scrgbClr r="0" g="0" b="0"/>
-      </a:lnRef>
-      <a:fillRef idx="1">
-        <a:scrgbClr r="0" g="0" b="0"/>
-      </a:fillRef>
-      <a:effectRef idx="0">
-        <a:scrgbClr r="0" g="0" b="0"/>
-      </a:effectRef>
-      <a:fontRef idx="minor"/>
-    </dgm:style>
-  </dgm:styleLbl>
-  <dgm:styleLbl name="bgImgPlace1">
-    <dgm:scene3d>
-      <a:camera prst="orthographicFront"/>
-      <a:lightRig rig="threePt" dir="t"/>
-    </dgm:scene3d>
-    <dgm:sp3d/>
-    <dgm:txPr/>
-    <dgm:style>
-      <a:lnRef idx="2">
-        <a:scrgbClr r="0" g="0" b="0"/>
-      </a:lnRef>
-      <a:fillRef idx="1">
-        <a:scrgbClr r="0" g="0" b="0"/>
-      </a:fillRef>
-      <a:effectRef idx="0">
-        <a:scrgbClr r="0" g="0" b="0"/>
-      </a:effectRef>
-      <a:fontRef idx="minor"/>
-    </dgm:style>
-  </dgm:styleLbl>
-  <dgm:styleLbl name="sibTrans2D1">
-    <dgm:scene3d>
-      <a:camera prst="orthographicFront"/>
-      <a:lightRig rig="threePt" dir="t"/>
-    </dgm:scene3d>
-    <dgm:sp3d/>
-    <dgm:txPr/>
-    <dgm:style>
-      <a:lnRef idx="0">
-        <a:scrgbClr r="0" g="0" b="0"/>
-      </a:lnRef>
-      <a:fillRef idx="1">
-        <a:scrgbClr r="0" g="0" b="0"/>
-      </a:fillRef>
-      <a:effectRef idx="0">
-        <a:scrgbClr r="0" g="0" b="0"/>
-      </a:effectRef>
-      <a:fontRef idx="minor">
-        <a:schemeClr val="lt1"/>
-      </a:fontRef>
-    </dgm:style>
-  </dgm:styleLbl>
-  <dgm:styleLbl name="fgSibTrans2D1">
-    <dgm:scene3d>
-      <a:camera prst="orthographicFront"/>
-      <a:lightRig rig="threePt" dir="t"/>
-    </dgm:scene3d>
-    <dgm:sp3d/>
-    <dgm:txPr/>
-    <dgm:style>
-      <a:lnRef idx="0">
-        <a:scrgbClr r="0" g="0" b="0"/>
-      </a:lnRef>
-      <a:fillRef idx="1">
-        <a:scrgbClr r="0" g="0" b="0"/>
-      </a:fillRef>
-      <a:effectRef idx="0">
-        <a:scrgbClr r="0" g="0" b="0"/>
-      </a:effectRef>
-      <a:fontRef idx="minor">
-        <a:schemeClr val="lt1"/>
-      </a:fontRef>
-    </dgm:style>
-  </dgm:styleLbl>
-  <dgm:styleLbl name="bgSibTrans2D1">
-    <dgm:scene3d>
-      <a:camera prst="orthographicFront"/>
-      <a:lightRig rig="threePt" dir="t"/>
-    </dgm:scene3d>
-    <dgm:sp3d/>
-    <dgm:txPr/>
-    <dgm:style>
-      <a:lnRef idx="0">
-        <a:scrgbClr r="0" g="0" b="0"/>
-      </a:lnRef>
-      <a:fillRef idx="1">
-        <a:scrgbClr r="0" g="0" b="0"/>
-      </a:fillRef>
-      <a:effectRef idx="0">
-        <a:scrgbClr r="0" g="0" b="0"/>
-      </a:effectRef>
-      <a:fontRef idx="minor">
-        <a:schemeClr val="lt1"/>
-      </a:fontRef>
-    </dgm:style>
-  </dgm:styleLbl>
-  <dgm:styleLbl name="sibTrans1D1">
-    <dgm:scene3d>
-      <a:camera prst="orthographicFront"/>
-      <a:lightRig rig="threePt" dir="t"/>
-    </dgm:scene3d>
-    <dgm:sp3d/>
-    <dgm:txPr/>
-    <dgm:style>
-      <a:lnRef idx="1">
-        <a:scrgbClr r="0" g="0" b="0"/>
-      </a:lnRef>
-      <a:fillRef idx="0">
-        <a:scrgbClr r="0" g="0" b="0"/>
-      </a:fillRef>
-      <a:effectRef idx="0">
-        <a:scrgbClr r="0" g="0" b="0"/>
-      </a:effectRef>
-      <a:fontRef idx="minor"/>
-    </dgm:style>
-  </dgm:styleLbl>
-  <dgm:styleLbl name="callout">
-    <dgm:scene3d>
-      <a:camera prst="orthographicFront"/>
-      <a:lightRig rig="threePt" dir="t"/>
-    </dgm:scene3d>
-    <dgm:sp3d/>
-    <dgm:txPr/>
-    <dgm:style>
-      <a:lnRef idx="2">
-        <a:scrgbClr r="0" g="0" b="0"/>
-      </a:lnRef>
-      <a:fillRef idx="1">
-        <a:scrgbClr r="0" g="0" b="0"/>
-      </a:fillRef>
-      <a:effectRef idx="0">
-        <a:scrgbClr r="0" g="0" b="0"/>
-      </a:effectRef>
-      <a:fontRef idx="minor"/>
-    </dgm:style>
-  </dgm:styleLbl>
-  <dgm:styleLbl name="asst0">
-    <dgm:scene3d>
-      <a:camera prst="orthographicFront"/>
-      <a:lightRig rig="threePt" dir="t"/>
-    </dgm:scene3d>
-    <dgm:sp3d/>
-    <dgm:txPr/>
-    <dgm:style>
-      <a:lnRef idx="2">
-        <a:scrgbClr r="0" g="0" b="0"/>
-      </a:lnRef>
-      <a:fillRef idx="1">
-        <a:scrgbClr r="0" g="0" b="0"/>
-      </a:fillRef>
-      <a:effectRef idx="0">
-        <a:scrgbClr r="0" g="0" b="0"/>
-      </a:effectRef>
-      <a:fontRef idx="minor">
-        <a:schemeClr val="lt1"/>
-      </a:fontRef>
-    </dgm:style>
-  </dgm:styleLbl>
-  <dgm:styleLbl name="asst1">
-    <dgm:scene3d>
-      <a:camera prst="orthographicFront"/>
-      <a:lightRig rig="threePt" dir="t"/>
-    </dgm:scene3d>
-    <dgm:sp3d/>
-    <dgm:txPr/>
-    <dgm:style>
-      <a:lnRef idx="2">
-        <a:scrgbClr r="0" g="0" b="0"/>
-      </a:lnRef>
-      <a:fillRef idx="1">
-        <a:scrgbClr r="0" g="0" b="0"/>
-      </a:fillRef>
-      <a:effectRef idx="0">
-        <a:scrgbClr r="0" g="0" b="0"/>
-      </a:effectRef>
-      <a:fontRef idx="minor">
-        <a:schemeClr val="lt1"/>
-      </a:fontRef>
-    </dgm:style>
-  </dgm:styleLbl>
-  <dgm:styleLbl name="asst2">
-    <dgm:scene3d>
-      <a:camera prst="orthographicFront"/>
-      <a:lightRig rig="threePt" dir="t"/>
-    </dgm:scene3d>
-    <dgm:sp3d/>
-    <dgm:txPr/>
-    <dgm:style>
-      <a:lnRef idx="2">
-        <a:scrgbClr r="0" g="0" b="0"/>
-      </a:lnRef>
-      <a:fillRef idx="1">
-        <a:scrgbClr r="0" g="0" b="0"/>
-      </a:fillRef>
-      <a:effectRef idx="0">
-        <a:scrgbClr r="0" g="0" b="0"/>
-      </a:effectRef>
-      <a:fontRef idx="minor">
-        <a:schemeClr val="lt1"/>
-      </a:fontRef>
-    </dgm:style>
-  </dgm:styleLbl>
-  <dgm:styleLbl name="asst3">
-    <dgm:scene3d>
-      <a:camera prst="orthographicFront"/>
-      <a:lightRig rig="threePt" dir="t"/>
-    </dgm:scene3d>
-    <dgm:sp3d/>
-    <dgm:txPr/>
-    <dgm:style>
-      <a:lnRef idx="2">
-        <a:scrgbClr r="0" g="0" b="0"/>
-      </a:lnRef>
-      <a:fillRef idx="1">
-        <a:scrgbClr r="0" g="0" b="0"/>
-      </a:fillRef>
-      <a:effectRef idx="0">
-        <a:scrgbClr r="0" g="0" b="0"/>
-      </a:effectRef>
-      <a:fontRef idx="minor">
-        <a:schemeClr val="lt1"/>
-      </a:fontRef>
-    </dgm:style>
-  </dgm:styleLbl>
-  <dgm:styleLbl name="asst4">
-    <dgm:scene3d>
-      <a:camera prst="orthographicFront"/>
-      <a:lightRig rig="threePt" dir="t"/>
-    </dgm:scene3d>
-    <dgm:sp3d/>
-    <dgm:txPr/>
-    <dgm:style>
-      <a:lnRef idx="2">
-        <a:scrgbClr r="0" g="0" b="0"/>
-      </a:lnRef>
-      <a:fillRef idx="1">
-        <a:scrgbClr r="0" g="0" b="0"/>
-      </a:fillRef>
-      <a:effectRef idx="0">
-        <a:scrgbClr r="0" g="0" b="0"/>
-      </a:effectRef>
-      <a:fontRef idx="minor">
-        <a:schemeClr val="lt1"/>
-      </a:fontRef>
-    </dgm:style>
-  </dgm:styleLbl>
-  <dgm:styleLbl name="parChTrans2D1">
-    <dgm:scene3d>
-      <a:camera prst="orthographicFront"/>
-      <a:lightRig rig="threePt" dir="t"/>
-    </dgm:scene3d>
-    <dgm:sp3d/>
-    <dgm:txPr/>
-    <dgm:style>
-      <a:lnRef idx="2">
-        <a:scrgbClr r="0" g="0" b="0"/>
-      </a:lnRef>
-      <a:fillRef idx="1">
-        <a:scrgbClr r="0" g="0" b="0"/>
-      </a:fillRef>
-      <a:effectRef idx="0">
-        <a:scrgbClr r="0" g="0" b="0"/>
-      </a:effectRef>
-      <a:fontRef idx="minor">
-        <a:schemeClr val="lt1"/>
-      </a:fontRef>
-    </dgm:style>
-  </dgm:styleLbl>
-  <dgm:styleLbl name="parChTrans2D2">
-    <dgm:scene3d>
-      <a:camera prst="orthographicFront"/>
-      <a:lightRig rig="threePt" dir="t"/>
-    </dgm:scene3d>
-    <dgm:sp3d/>
-    <dgm:txPr/>
-    <dgm:style>
-      <a:lnRef idx="2">
-        <a:scrgbClr r="0" g="0" b="0"/>
-      </a:lnRef>
-      <a:fillRef idx="1">
-        <a:scrgbClr r="0" g="0" b="0"/>
-      </a:fillRef>
-      <a:effectRef idx="0">
-        <a:scrgbClr r="0" g="0" b="0"/>
-      </a:effectRef>
-      <a:fontRef idx="minor">
-        <a:schemeClr val="lt1"/>
-      </a:fontRef>
-    </dgm:style>
-  </dgm:styleLbl>
-  <dgm:styleLbl name="parChTrans2D3">
-    <dgm:scene3d>
-      <a:camera prst="orthographicFront"/>
-      <a:lightRig rig="threePt" dir="t"/>
-    </dgm:scene3d>
-    <dgm:sp3d/>
-    <dgm:txPr/>
-    <dgm:style>
-      <a:lnRef idx="2">
-        <a:scrgbClr r="0" g="0" b="0"/>
-      </a:lnRef>
-      <a:fillRef idx="1">
-        <a:scrgbClr r="0" g="0" b="0"/>
-      </a:fillRef>
-      <a:effectRef idx="0">
-        <a:scrgbClr r="0" g="0" b="0"/>
-      </a:effectRef>
-      <a:fontRef idx="minor">
-        <a:schemeClr val="lt1"/>
-      </a:fontRef>
-    </dgm:style>
-  </dgm:styleLbl>
-  <dgm:styleLbl name="parChTrans2D4">
-    <dgm:scene3d>
-      <a:camera prst="orthographicFront"/>
-      <a:lightRig rig="threePt" dir="t"/>
-    </dgm:scene3d>
-    <dgm:sp3d/>
-    <dgm:txPr/>
-    <dgm:style>
-      <a:lnRef idx="2">
-        <a:scrgbClr r="0" g="0" b="0"/>
-      </a:lnRef>
-      <a:fillRef idx="1">
-        <a:scrgbClr r="0" g="0" b="0"/>
-      </a:fillRef>
-      <a:effectRef idx="0">
-        <a:scrgbClr r="0" g="0" b="0"/>
-      </a:effectRef>
-      <a:fontRef idx="minor">
-        <a:schemeClr val="lt1"/>
-      </a:fontRef>
-    </dgm:style>
-  </dgm:styleLbl>
-  <dgm:styleLbl name="parChTrans1D1">
-    <dgm:scene3d>
-      <a:camera prst="orthographicFront"/>
-      <a:lightRig rig="threePt" dir="t"/>
-    </dgm:scene3d>
-    <dgm:sp3d/>
-    <dgm:txPr/>
-    <dgm:style>
-      <a:lnRef idx="2">
-        <a:scrgbClr r="0" g="0" b="0"/>
-      </a:lnRef>
-      <a:fillRef idx="0">
-        <a:scrgbClr r="0" g="0" b="0"/>
-      </a:fillRef>
-      <a:effectRef idx="0">
-        <a:scrgbClr r="0" g="0" b="0"/>
-      </a:effectRef>
-      <a:fontRef idx="minor"/>
-    </dgm:style>
-  </dgm:styleLbl>
-  <dgm:styleLbl name="parChTrans1D2">
-    <dgm:scene3d>
-      <a:camera prst="orthographicFront"/>
-      <a:lightRig rig="threePt" dir="t"/>
-    </dgm:scene3d>
-    <dgm:sp3d/>
-    <dgm:txPr/>
-    <dgm:style>
-      <a:lnRef idx="2">
-        <a:scrgbClr r="0" g="0" b="0"/>
-      </a:lnRef>
-      <a:fillRef idx="0">
-        <a:scrgbClr r="0" g="0" b="0"/>
-      </a:fillRef>
-      <a:effectRef idx="0">
-        <a:scrgbClr r="0" g="0" b="0"/>
-      </a:effectRef>
-      <a:fontRef idx="minor"/>
-    </dgm:style>
-  </dgm:styleLbl>
-  <dgm:styleLbl name="parChTrans1D3">
-    <dgm:scene3d>
-      <a:camera prst="orthographicFront"/>
-      <a:lightRig rig="threePt" dir="t"/>
-    </dgm:scene3d>
-    <dgm:sp3d/>
-    <dgm:txPr/>
-    <dgm:style>
-      <a:lnRef idx="2">
-        <a:scrgbClr r="0" g="0" b="0"/>
-      </a:lnRef>
-      <a:fillRef idx="0">
-        <a:scrgbClr r="0" g="0" b="0"/>
-      </a:fillRef>
-      <a:effectRef idx="0">
-        <a:scrgbClr r="0" g="0" b="0"/>
-      </a:effectRef>
-      <a:fontRef idx="minor"/>
-    </dgm:style>
-  </dgm:styleLbl>
-  <dgm:styleLbl name="parChTrans1D4">
-    <dgm:scene3d>
-      <a:camera prst="orthographicFront"/>
-      <a:lightRig rig="threePt" dir="t"/>
-    </dgm:scene3d>
-    <dgm:sp3d/>
-    <dgm:txPr/>
-    <dgm:style>
-      <a:lnRef idx="2">
-        <a:scrgbClr r="0" g="0" b="0"/>
-      </a:lnRef>
-      <a:fillRef idx="0">
-        <a:scrgbClr r="0" g="0" b="0"/>
-      </a:fillRef>
-      <a:effectRef idx="0">
-        <a:scrgbClr r="0" g="0" b="0"/>
-      </a:effectRef>
-      <a:fontRef idx="minor"/>
-    </dgm:style>
-  </dgm:styleLbl>
-  <dgm:styleLbl name="fgAcc1">
-    <dgm:scene3d>
-      <a:camera prst="orthographicFront"/>
-      <a:lightRig rig="threePt" dir="t"/>
-    </dgm:scene3d>
-    <dgm:sp3d/>
-    <dgm:txPr/>
-    <dgm:style>
-      <a:lnRef idx="2">
-        <a:scrgbClr r="0" g="0" b="0"/>
-      </a:lnRef>
-      <a:fillRef idx="1">
-        <a:scrgbClr r="0" g="0" b="0"/>
-      </a:fillRef>
-      <a:effectRef idx="0">
-        <a:scrgbClr r="0" g="0" b="0"/>
-      </a:effectRef>
-      <a:fontRef idx="minor"/>
-    </dgm:style>
-  </dgm:styleLbl>
-  <dgm:styleLbl name="conFgAcc1">
-    <dgm:scene3d>
-      <a:camera prst="orthographicFront"/>
-      <a:lightRig rig="threePt" dir="t"/>
-    </dgm:scene3d>
-    <dgm:sp3d/>
-    <dgm:txPr/>
-    <dgm:style>
-      <a:lnRef idx="2">
-        <a:scrgbClr r="0" g="0" b="0"/>
-      </a:lnRef>
-      <a:fillRef idx="1">
-        <a:scrgbClr r="0" g="0" b="0"/>
-      </a:fillRef>
-      <a:effectRef idx="0">
-        <a:scrgbClr r="0" g="0" b="0"/>
-      </a:effectRef>
-      <a:fontRef idx="minor"/>
-    </dgm:style>
-  </dgm:styleLbl>
-  <dgm:styleLbl name="alignAcc1">
-    <dgm:scene3d>
-      <a:camera prst="orthographicFront"/>
-      <a:lightRig rig="threePt" dir="t"/>
-    </dgm:scene3d>
-    <dgm:sp3d/>
-    <dgm:txPr/>
-    <dgm:style>
-      <a:lnRef idx="2">
-        <a:scrgbClr r="0" g="0" b="0"/>
-      </a:lnRef>
-      <a:fillRef idx="1">
-        <a:scrgbClr r="0" g="0" b="0"/>
-      </a:fillRef>
-      <a:effectRef idx="0">
-        <a:scrgbClr r="0" g="0" b="0"/>
-      </a:effectRef>
-      <a:fontRef idx="minor"/>
-    </dgm:style>
-  </dgm:styleLbl>
-  <dgm:styleLbl name="trAlignAcc1">
-    <dgm:scene3d>
-      <a:camera prst="orthographicFront"/>
-      <a:lightRig rig="threePt" dir="t"/>
-    </dgm:scene3d>
-    <dgm:sp3d/>
-    <dgm:txPr/>
-    <dgm:style>
-      <a:lnRef idx="1">
-        <a:scrgbClr r="0" g="0" b="0"/>
-      </a:lnRef>
-      <a:fillRef idx="1">
-        <a:scrgbClr r="0" g="0" b="0"/>
-      </a:fillRef>
-      <a:effectRef idx="0">
-        <a:scrgbClr r="0" g="0" b="0"/>
-      </a:effectRef>
-      <a:fontRef idx="minor"/>
-    </dgm:style>
-  </dgm:styleLbl>
-  <dgm:styleLbl name="bgAcc1">
-    <dgm:scene3d>
-      <a:camera prst="orthographicFront"/>
-      <a:lightRig rig="threePt" dir="t"/>
-    </dgm:scene3d>
-    <dgm:sp3d/>
-    <dgm:txPr/>
-    <dgm:style>
-      <a:lnRef idx="2">
-        <a:scrgbClr r="0" g="0" b="0"/>
-      </a:lnRef>
-      <a:fillRef idx="1">
-        <a:scrgbClr r="0" g="0" b="0"/>
-      </a:fillRef>
-      <a:effectRef idx="0">
-        <a:scrgbClr r="0" g="0" b="0"/>
-      </a:effectRef>
-      <a:fontRef idx="minor"/>
-    </dgm:style>
-  </dgm:styleLbl>
-  <dgm:styleLbl name="solidFgAcc1">
-    <dgm:scene3d>
-      <a:camera prst="orthographicFront"/>
-      <a:lightRig rig="threePt" dir="t"/>
-    </dgm:scene3d>
-    <dgm:sp3d/>
-    <dgm:txPr/>
-    <dgm:style>
-      <a:lnRef idx="2">
-        <a:scrgbClr r="0" g="0" b="0"/>
-      </a:lnRef>
-      <a:fillRef idx="1">
-        <a:scrgbClr r="0" g="0" b="0"/>
-      </a:fillRef>
-      <a:effectRef idx="0">
-        <a:scrgbClr r="0" g="0" b="0"/>
-      </a:effectRef>
-      <a:fontRef idx="minor"/>
-    </dgm:style>
-  </dgm:styleLbl>
-  <dgm:styleLbl name="solidAlignAcc1">
-    <dgm:scene3d>
-      <a:camera prst="orthographicFront"/>
-      <a:lightRig rig="threePt" dir="t"/>
-    </dgm:scene3d>
-    <dgm:sp3d/>
-    <dgm:txPr/>
-    <dgm:style>
-      <a:lnRef idx="2">
-        <a:scrgbClr r="0" g="0" b="0"/>
-      </a:lnRef>
-      <a:fillRef idx="1">
-        <a:scrgbClr r="0" g="0" b="0"/>
-      </a:fillRef>
-      <a:effectRef idx="0">
-        <a:scrgbClr r="0" g="0" b="0"/>
-      </a:effectRef>
-      <a:fontRef idx="minor"/>
-    </dgm:style>
-  </dgm:styleLbl>
-  <dgm:styleLbl name="solidBgAcc1">
-    <dgm:scene3d>
-      <a:camera prst="orthographicFront"/>
-      <a:lightRig rig="threePt" dir="t"/>
-    </dgm:scene3d>
-    <dgm:sp3d/>
-    <dgm:txPr/>
-    <dgm:style>
-      <a:lnRef idx="2">
-        <a:scrgbClr r="0" g="0" b="0"/>
-      </a:lnRef>
-      <a:fillRef idx="1">
-        <a:scrgbClr r="0" g="0" b="0"/>
-      </a:fillRef>
-      <a:effectRef idx="0">
-        <a:scrgbClr r="0" g="0" b="0"/>
-      </a:effectRef>
-      <a:fontRef idx="minor"/>
-    </dgm:style>
-  </dgm:styleLbl>
-  <dgm:styleLbl name="fgAccFollowNode1">
-    <dgm:scene3d>
-      <a:camera prst="orthographicFront"/>
-      <a:lightRig rig="threePt" dir="t"/>
-    </dgm:scene3d>
-    <dgm:sp3d/>
-    <dgm:txPr/>
-    <dgm:style>
-      <a:lnRef idx="2">
-        <a:scrgbClr r="0" g="0" b="0"/>
-      </a:lnRef>
-      <a:fillRef idx="1">
-        <a:scrgbClr r="0" g="0" b="0"/>
-      </a:fillRef>
-      <a:effectRef idx="0">
-        <a:scrgbClr r="0" g="0" b="0"/>
-      </a:effectRef>
-      <a:fontRef idx="minor"/>
-    </dgm:style>
-  </dgm:styleLbl>
-  <dgm:styleLbl name="alignAccFollowNode1">
-    <dgm:scene3d>
-      <a:camera prst="orthographicFront"/>
-      <a:lightRig rig="threePt" dir="t"/>
-    </dgm:scene3d>
-    <dgm:sp3d/>
-    <dgm:txPr/>
-    <dgm:style>
-      <a:lnRef idx="2">
-        <a:scrgbClr r="0" g="0" b="0"/>
-      </a:lnRef>
-      <a:fillRef idx="1">
-        <a:scrgbClr r="0" g="0" b="0"/>
-      </a:fillRef>
-      <a:effectRef idx="0">
-        <a:scrgbClr r="0" g="0" b="0"/>
-      </a:effectRef>
-      <a:fontRef idx="minor"/>
-    </dgm:style>
-  </dgm:styleLbl>
-  <dgm:styleLbl name="bgAccFollowNode1">
-    <dgm:scene3d>
-      <a:camera prst="orthographicFront"/>
-      <a:lightRig rig="threePt" dir="t"/>
-    </dgm:scene3d>
-    <dgm:sp3d/>
-    <dgm:txPr/>
-    <dgm:style>
-      <a:lnRef idx="2">
-        <a:scrgbClr r="0" g="0" b="0"/>
-      </a:lnRef>
-      <a:fillRef idx="1">
-        <a:scrgbClr r="0" g="0" b="0"/>
-      </a:fillRef>
-      <a:effectRef idx="0">
-        <a:scrgbClr r="0" g="0" b="0"/>
-      </a:effectRef>
-      <a:fontRef idx="minor"/>
-    </dgm:style>
-  </dgm:styleLbl>
-  <dgm:styleLbl name="fgAcc0">
-    <dgm:scene3d>
-      <a:camera prst="orthographicFront"/>
-      <a:lightRig rig="threePt" dir="t"/>
-    </dgm:scene3d>
-    <dgm:sp3d/>
-    <dgm:txPr/>
-    <dgm:style>
-      <a:lnRef idx="2">
-        <a:scrgbClr r="0" g="0" b="0"/>
-      </a:lnRef>
-      <a:fillRef idx="1">
-        <a:scrgbClr r="0" g="0" b="0"/>
-      </a:fillRef>
-      <a:effectRef idx="0">
-        <a:scrgbClr r="0" g="0" b="0"/>
-      </a:effectRef>
-      <a:fontRef idx="minor"/>
-    </dgm:style>
-  </dgm:styleLbl>
-  <dgm:styleLbl name="fgAcc2">
-    <dgm:scene3d>
-      <a:camera prst="orthographicFront"/>
-      <a:lightRig rig="threePt" dir="t"/>
-    </dgm:scene3d>
-    <dgm:sp3d/>
-    <dgm:txPr/>
-    <dgm:style>
-      <a:lnRef idx="2">
-        <a:scrgbClr r="0" g="0" b="0"/>
-      </a:lnRef>
-      <a:fillRef idx="1">
-        <a:scrgbClr r="0" g="0" b="0"/>
-      </a:fillRef>
-      <a:effectRef idx="0">
-        <a:scrgbClr r="0" g="0" b="0"/>
-      </a:effectRef>
-      <a:fontRef idx="minor"/>
-    </dgm:style>
-  </dgm:styleLbl>
-  <dgm:styleLbl name="fgAcc3">
-    <dgm:scene3d>
-      <a:camera prst="orthographicFront"/>
-      <a:lightRig rig="threePt" dir="t"/>
-    </dgm:scene3d>
-    <dgm:sp3d/>
-    <dgm:txPr/>
-    <dgm:style>
-      <a:lnRef idx="2">
-        <a:scrgbClr r="0" g="0" b="0"/>
-      </a:lnRef>
-      <a:fillRef idx="1">
-        <a:scrgbClr r="0" g="0" b="0"/>
-      </a:fillRef>
-      <a:effectRef idx="0">
-        <a:scrgbClr r="0" g="0" b="0"/>
-      </a:effectRef>
-      <a:fontRef idx="minor"/>
-    </dgm:style>
-  </dgm:styleLbl>
-  <dgm:styleLbl name="fgAcc4">
-    <dgm:scene3d>
-      <a:camera prst="orthographicFront"/>
-      <a:lightRig rig="threePt" dir="t"/>
-    </dgm:scene3d>
-    <dgm:sp3d/>
-    <dgm:txPr/>
-    <dgm:style>
-      <a:lnRef idx="2">
-        <a:scrgbClr r="0" g="0" b="0"/>
-      </a:lnRef>
-      <a:fillRef idx="1">
-        <a:scrgbClr r="0" g="0" b="0"/>
-      </a:fillRef>
-      <a:effectRef idx="0">
-        <a:scrgbClr r="0" g="0" b="0"/>
-      </a:effectRef>
-      <a:fontRef idx="minor"/>
-    </dgm:style>
-  </dgm:styleLbl>
-  <dgm:styleLbl name="bgShp">
-    <dgm:scene3d>
-      <a:camera prst="orthographicFront"/>
-      <a:lightRig rig="threePt" dir="t"/>
-    </dgm:scene3d>
-    <dgm:sp3d/>
-    <dgm:txPr/>
-    <dgm:style>
-      <a:lnRef idx="0">
-        <a:scrgbClr r="0" g="0" b="0"/>
-      </a:lnRef>
-      <a:fillRef idx="1">
-        <a:scrgbClr r="0" g="0" b="0"/>
-      </a:fillRef>
-      <a:effectRef idx="0">
-        <a:scrgbClr r="0" g="0" b="0"/>
-      </a:effectRef>
-      <a:fontRef idx="minor"/>
-    </dgm:style>
-  </dgm:styleLbl>
-  <dgm:styleLbl name="dkBgShp">
-    <dgm:scene3d>
-      <a:camera prst="orthographicFront"/>
-      <a:lightRig rig="threePt" dir="t"/>
-    </dgm:scene3d>
-    <dgm:sp3d/>
-    <dgm:txPr/>
-    <dgm:style>
-      <a:lnRef idx="0">
-        <a:scrgbClr r="0" g="0" b="0"/>
-      </a:lnRef>
-      <a:fillRef idx="1">
-        <a:scrgbClr r="0" g="0" b="0"/>
-      </a:fillRef>
-      <a:effectRef idx="0">
-        <a:scrgbClr r="0" g="0" b="0"/>
-      </a:effectRef>
-      <a:fontRef idx="minor"/>
-    </dgm:style>
-  </dgm:styleLbl>
-  <dgm:styleLbl name="trBgShp">
-    <dgm:scene3d>
-      <a:camera prst="orthographicFront"/>
-      <a:lightRig rig="threePt" dir="t"/>
-    </dgm:scene3d>
-    <dgm:sp3d/>
-    <dgm:txPr/>
-    <dgm:style>
-      <a:lnRef idx="0">
-        <a:scrgbClr r="0" g="0" b="0"/>
-      </a:lnRef>
-      <a:fillRef idx="1">
-        <a:scrgbClr r="0" g="0" b="0"/>
-      </a:fillRef>
-      <a:effectRef idx="0">
-        <a:scrgbClr r="0" g="0" b="0"/>
-      </a:effectRef>
-      <a:fontRef idx="minor"/>
-    </dgm:style>
-  </dgm:styleLbl>
-  <dgm:styleLbl name="fgShp">
-    <dgm:scene3d>
-      <a:camera prst="orthographicFront"/>
-      <a:lightRig rig="threePt" dir="t"/>
-    </dgm:scene3d>
-    <dgm:sp3d/>
-    <dgm:txPr/>
-    <dgm:style>
-      <a:lnRef idx="2">
-        <a:scrgbClr r="0" g="0" b="0"/>
-      </a:lnRef>
-      <a:fillRef idx="1">
-        <a:scrgbClr r="0" g="0" b="0"/>
-      </a:fillRef>
-      <a:effectRef idx="0">
-        <a:scrgbClr r="0" g="0" b="0"/>
-      </a:effectRef>
-      <a:fontRef idx="minor"/>
-    </dgm:style>
-  </dgm:styleLbl>
-  <dgm:styleLbl name="revTx">
-    <dgm:scene3d>
-      <a:camera prst="orthographicFront"/>
-      <a:lightRig rig="threePt" dir="t"/>
-    </dgm:scene3d>
-    <dgm:sp3d/>
-    <dgm:txPr/>
-    <dgm:style>
-      <a:lnRef idx="0">
-        <a:scrgbClr r="0" g="0" b="0"/>
-      </a:lnRef>
-      <a:fillRef idx="0">
-        <a:scrgbClr r="0" g="0" b="0"/>
-      </a:fillRef>
-      <a:effectRef idx="0">
-        <a:scrgbClr r="0" g="0" b="0"/>
-      </a:effectRef>
-      <a:fontRef idx="minor"/>
-    </dgm:style>
-  </dgm:styleLbl>
-</dgm:styleDef>
 </file>
 
 <file path=ppt/handoutMasters/handoutMaster1.xml><?xml version="1.0" encoding="utf-8"?>
@@ -41966,188 +37440,6 @@
       </p:grpSpPr>
       <p:sp>
         <p:nvSpPr>
-          <p:cNvPr id="13" name="Title 12"/>
-          <p:cNvSpPr>
-            <a:spLocks noGrp="1"/>
-          </p:cNvSpPr>
-          <p:nvPr>
-            <p:ph type="title"/>
-          </p:nvPr>
-        </p:nvSpPr>
-        <p:spPr/>
-        <p:txBody>
-          <a:bodyPr/>
-          <a:lstStyle/>
-          <a:p>
-            <a:r>
-              <a:rPr lang="en-US"/>
-              <a:t>Title and Content Layout with List</a:t>
-            </a:r>
-            <a:endParaRPr lang="en-US" dirty="0"/>
-          </a:p>
-        </p:txBody>
-      </p:sp>
-      <p:sp>
-        <p:nvSpPr>
-          <p:cNvPr id="14" name="Content Placeholder 13"/>
-          <p:cNvSpPr>
-            <a:spLocks noGrp="1"/>
-          </p:cNvSpPr>
-          <p:nvPr>
-            <p:ph idx="1"/>
-          </p:nvPr>
-        </p:nvSpPr>
-        <p:spPr/>
-        <p:txBody>
-          <a:bodyPr/>
-          <a:lstStyle/>
-          <a:p>
-            <a:pPr lvl="0"/>
-            <a:r>
-              <a:rPr lang="en-US" dirty="0"/>
-              <a:t>Click to edit Master text styles</a:t>
-            </a:r>
-          </a:p>
-          <a:p>
-            <a:pPr lvl="1"/>
-            <a:r>
-              <a:rPr lang="en-US" dirty="0"/>
-              <a:t>Second level</a:t>
-            </a:r>
-          </a:p>
-          <a:p>
-            <a:pPr lvl="2"/>
-            <a:r>
-              <a:rPr lang="en-US" dirty="0"/>
-              <a:t>Third level</a:t>
-            </a:r>
-          </a:p>
-          <a:p>
-            <a:pPr lvl="3"/>
-            <a:r>
-              <a:rPr lang="en-US" dirty="0"/>
-              <a:t>Fourth level</a:t>
-            </a:r>
-          </a:p>
-          <a:p>
-            <a:pPr lvl="4"/>
-            <a:r>
-              <a:rPr lang="en-US" dirty="0"/>
-              <a:t>Fifth level</a:t>
-            </a:r>
-          </a:p>
-        </p:txBody>
-      </p:sp>
-    </p:spTree>
-    <p:extLst>
-      <p:ext uri="{BB962C8B-B14F-4D97-AF65-F5344CB8AC3E}">
-        <p14:creationId xmlns:p14="http://schemas.microsoft.com/office/powerpoint/2010/main" val="1768189175"/>
-      </p:ext>
-    </p:extLst>
-  </p:cSld>
-  <p:clrMapOvr>
-    <a:masterClrMapping/>
-  </p:clrMapOvr>
-</p:sld>
-</file>
-
-<file path=ppt/slides/slide11.xml><?xml version="1.0" encoding="utf-8"?>
-<p:sld xmlns:a="http://schemas.openxmlformats.org/drawingml/2006/main" xmlns:r="http://schemas.openxmlformats.org/officeDocument/2006/relationships" xmlns:p="http://schemas.openxmlformats.org/presentationml/2006/main">
-  <p:cSld>
-    <p:spTree>
-      <p:nvGrpSpPr>
-        <p:cNvPr id="1" name=""/>
-        <p:cNvGrpSpPr/>
-        <p:nvPr/>
-      </p:nvGrpSpPr>
-      <p:grpSpPr>
-        <a:xfrm>
-          <a:off x="0" y="0"/>
-          <a:ext cx="0" cy="0"/>
-          <a:chOff x="0" y="0"/>
-          <a:chExt cx="0" cy="0"/>
-        </a:xfrm>
-      </p:grpSpPr>
-      <p:sp>
-        <p:nvSpPr>
-          <p:cNvPr id="2" name="Title 1" title="Title and Content Layout with Chart"/>
-          <p:cNvSpPr>
-            <a:spLocks noGrp="1"/>
-          </p:cNvSpPr>
-          <p:nvPr>
-            <p:ph type="title"/>
-          </p:nvPr>
-        </p:nvSpPr>
-        <p:spPr/>
-        <p:txBody>
-          <a:bodyPr/>
-          <a:lstStyle/>
-          <a:p>
-            <a:r>
-              <a:rPr lang="en-US"/>
-              <a:t>Title and Content Layout with Chart</a:t>
-            </a:r>
-            <a:endParaRPr lang="en-US" dirty="0"/>
-          </a:p>
-        </p:txBody>
-      </p:sp>
-      <p:graphicFrame>
-        <p:nvGraphicFramePr>
-          <p:cNvPr id="6" name="Content Placeholder 5" descr="Clustered column chart representing&#10;3 series and 4 categories"/>
-          <p:cNvGraphicFramePr>
-            <a:graphicFrameLocks noGrp="1"/>
-          </p:cNvGraphicFramePr>
-          <p:nvPr>
-            <p:ph idx="1"/>
-            <p:extLst>
-              <p:ext uri="{D42A27DB-BD31-4B8C-83A1-F6EECF244321}">
-                <p14:modId xmlns:p14="http://schemas.microsoft.com/office/powerpoint/2010/main" val="2879427067"/>
-              </p:ext>
-            </p:extLst>
-          </p:nvPr>
-        </p:nvGraphicFramePr>
-        <p:xfrm>
-          <a:off x="609600" y="1846263"/>
-          <a:ext cx="10972800" cy="3419475"/>
-        </p:xfrm>
-        <a:graphic>
-          <a:graphicData uri="http://schemas.openxmlformats.org/drawingml/2006/chart">
-            <c:chart xmlns:c="http://schemas.openxmlformats.org/drawingml/2006/chart" xmlns:r="http://schemas.openxmlformats.org/officeDocument/2006/relationships" r:id="rId2"/>
-          </a:graphicData>
-        </a:graphic>
-      </p:graphicFrame>
-    </p:spTree>
-    <p:extLst>
-      <p:ext uri="{BB962C8B-B14F-4D97-AF65-F5344CB8AC3E}">
-        <p14:creationId xmlns:p14="http://schemas.microsoft.com/office/powerpoint/2010/main" val="3804297505"/>
-      </p:ext>
-    </p:extLst>
-  </p:cSld>
-  <p:clrMapOvr>
-    <a:masterClrMapping/>
-  </p:clrMapOvr>
-</p:sld>
-</file>
-
-<file path=ppt/slides/slide12.xml><?xml version="1.0" encoding="utf-8"?>
-<p:sld xmlns:a="http://schemas.openxmlformats.org/drawingml/2006/main" xmlns:r="http://schemas.openxmlformats.org/officeDocument/2006/relationships" xmlns:p="http://schemas.openxmlformats.org/presentationml/2006/main">
-  <p:cSld>
-    <p:spTree>
-      <p:nvGrpSpPr>
-        <p:cNvPr id="1" name=""/>
-        <p:cNvGrpSpPr/>
-        <p:nvPr/>
-      </p:nvGrpSpPr>
-      <p:grpSpPr>
-        <a:xfrm>
-          <a:off x="0" y="0"/>
-          <a:ext cx="0" cy="0"/>
-          <a:chOff x="0" y="0"/>
-          <a:chExt cx="0" cy="0"/>
-        </a:xfrm>
-      </p:grpSpPr>
-      <p:sp>
-        <p:nvSpPr>
           <p:cNvPr id="2" name="Title 1"/>
           <p:cNvSpPr>
             <a:spLocks noGrp="1"/>
@@ -42156,407 +37448,20 @@
             <p:ph type="title"/>
           </p:nvPr>
         </p:nvSpPr>
-        <p:spPr/>
+        <p:spPr>
+          <a:xfrm>
+            <a:off x="609600" y="2320506"/>
+            <a:ext cx="10972800" cy="1600200"/>
+          </a:xfrm>
+        </p:spPr>
         <p:txBody>
           <a:bodyPr/>
           <a:lstStyle/>
           <a:p>
             <a:r>
-              <a:rPr lang="en-US"/>
-              <a:t>Two Content Layout with Table</a:t>
+              <a:rPr lang="en-US" sz="5400" dirty="0"/>
+              <a:t>Thank You</a:t>
             </a:r>
-            <a:endParaRPr lang="en-US" dirty="0"/>
-          </a:p>
-        </p:txBody>
-      </p:sp>
-      <p:graphicFrame>
-        <p:nvGraphicFramePr>
-          <p:cNvPr id="4" name="Content Placeholder 3"/>
-          <p:cNvGraphicFramePr>
-            <a:graphicFrameLocks noGrp="1"/>
-          </p:cNvGraphicFramePr>
-          <p:nvPr>
-            <p:ph sz="quarter" idx="13"/>
-            <p:extLst>
-              <p:ext uri="{D42A27DB-BD31-4B8C-83A1-F6EECF244321}">
-                <p14:modId xmlns:p14="http://schemas.microsoft.com/office/powerpoint/2010/main" val="798458618"/>
-              </p:ext>
-            </p:extLst>
-          </p:nvPr>
-        </p:nvGraphicFramePr>
-        <p:xfrm>
-          <a:off x="612775" y="1828800"/>
-          <a:ext cx="5389563" cy="2082800"/>
-        </p:xfrm>
-        <a:graphic>
-          <a:graphicData uri="http://schemas.openxmlformats.org/drawingml/2006/table">
-            <a:tbl>
-              <a:tblPr firstRow="1" bandRow="1">
-                <a:tableStyleId>{5DA37D80-6434-44D0-A028-1B22A696006F}</a:tableStyleId>
-              </a:tblPr>
-              <a:tblGrid>
-                <a:gridCol w="1796521">
-                  <a:extLst>
-                    <a:ext uri="{9D8B030D-6E8A-4147-A177-3AD203B41FA5}">
-                      <a16:colId xmlns:a16="http://schemas.microsoft.com/office/drawing/2014/main" val="20000"/>
-                    </a:ext>
-                  </a:extLst>
-                </a:gridCol>
-                <a:gridCol w="1796521">
-                  <a:extLst>
-                    <a:ext uri="{9D8B030D-6E8A-4147-A177-3AD203B41FA5}">
-                      <a16:colId xmlns:a16="http://schemas.microsoft.com/office/drawing/2014/main" val="20001"/>
-                    </a:ext>
-                  </a:extLst>
-                </a:gridCol>
-                <a:gridCol w="1796521">
-                  <a:extLst>
-                    <a:ext uri="{9D8B030D-6E8A-4147-A177-3AD203B41FA5}">
-                      <a16:colId xmlns:a16="http://schemas.microsoft.com/office/drawing/2014/main" val="20002"/>
-                    </a:ext>
-                  </a:extLst>
-                </a:gridCol>
-              </a:tblGrid>
-              <a:tr h="520700">
-                <a:tc>
-                  <a:txBody>
-                    <a:bodyPr/>
-                    <a:lstStyle/>
-                    <a:p>
-                      <a:r>
-                        <a:rPr lang="en-US" dirty="0"/>
-                        <a:t>Class</a:t>
-                      </a:r>
-                    </a:p>
-                  </a:txBody>
-                  <a:tcPr marL="103239" marR="103239" anchor="ctr"/>
-                </a:tc>
-                <a:tc>
-                  <a:txBody>
-                    <a:bodyPr/>
-                    <a:lstStyle/>
-                    <a:p>
-                      <a:pPr algn="ctr"/>
-                      <a:r>
-                        <a:rPr lang="en-US" dirty="0"/>
-                        <a:t>Group A</a:t>
-                      </a:r>
-                    </a:p>
-                  </a:txBody>
-                  <a:tcPr marL="103239" marR="103239" anchor="ctr"/>
-                </a:tc>
-                <a:tc>
-                  <a:txBody>
-                    <a:bodyPr/>
-                    <a:lstStyle/>
-                    <a:p>
-                      <a:pPr algn="ctr"/>
-                      <a:r>
-                        <a:rPr lang="en-US" dirty="0"/>
-                        <a:t>Group B</a:t>
-                      </a:r>
-                    </a:p>
-                  </a:txBody>
-                  <a:tcPr marL="103239" marR="103239" anchor="ctr"/>
-                </a:tc>
-                <a:extLst>
-                  <a:ext uri="{0D108BD9-81ED-4DB2-BD59-A6C34878D82A}">
-                    <a16:rowId xmlns:a16="http://schemas.microsoft.com/office/drawing/2014/main" val="10000"/>
-                  </a:ext>
-                </a:extLst>
-              </a:tr>
-              <a:tr h="520700">
-                <a:tc>
-                  <a:txBody>
-                    <a:bodyPr/>
-                    <a:lstStyle/>
-                    <a:p>
-                      <a:r>
-                        <a:rPr lang="en-US" dirty="0"/>
-                        <a:t>Class 1</a:t>
-                      </a:r>
-                    </a:p>
-                  </a:txBody>
-                  <a:tcPr marL="103239" marR="103239" anchor="ctr"/>
-                </a:tc>
-                <a:tc>
-                  <a:txBody>
-                    <a:bodyPr/>
-                    <a:lstStyle/>
-                    <a:p>
-                      <a:pPr algn="ctr"/>
-                      <a:r>
-                        <a:rPr lang="en-US" dirty="0"/>
-                        <a:t>82</a:t>
-                      </a:r>
-                    </a:p>
-                  </a:txBody>
-                  <a:tcPr marL="103239" marR="103239" anchor="ctr"/>
-                </a:tc>
-                <a:tc>
-                  <a:txBody>
-                    <a:bodyPr/>
-                    <a:lstStyle/>
-                    <a:p>
-                      <a:pPr algn="ctr"/>
-                      <a:r>
-                        <a:rPr lang="en-US" dirty="0"/>
-                        <a:t>85</a:t>
-                      </a:r>
-                    </a:p>
-                  </a:txBody>
-                  <a:tcPr marL="103239" marR="103239" anchor="ctr"/>
-                </a:tc>
-                <a:extLst>
-                  <a:ext uri="{0D108BD9-81ED-4DB2-BD59-A6C34878D82A}">
-                    <a16:rowId xmlns:a16="http://schemas.microsoft.com/office/drawing/2014/main" val="10001"/>
-                  </a:ext>
-                </a:extLst>
-              </a:tr>
-              <a:tr h="520700">
-                <a:tc>
-                  <a:txBody>
-                    <a:bodyPr/>
-                    <a:lstStyle/>
-                    <a:p>
-                      <a:r>
-                        <a:rPr lang="en-US" dirty="0"/>
-                        <a:t>Class 2</a:t>
-                      </a:r>
-                    </a:p>
-                  </a:txBody>
-                  <a:tcPr marL="103239" marR="103239" anchor="ctr"/>
-                </a:tc>
-                <a:tc>
-                  <a:txBody>
-                    <a:bodyPr/>
-                    <a:lstStyle/>
-                    <a:p>
-                      <a:pPr algn="ctr"/>
-                      <a:r>
-                        <a:rPr lang="en-US" dirty="0"/>
-                        <a:t>76</a:t>
-                      </a:r>
-                    </a:p>
-                  </a:txBody>
-                  <a:tcPr marL="103239" marR="103239" anchor="ctr"/>
-                </a:tc>
-                <a:tc>
-                  <a:txBody>
-                    <a:bodyPr/>
-                    <a:lstStyle/>
-                    <a:p>
-                      <a:pPr algn="ctr"/>
-                      <a:r>
-                        <a:rPr lang="en-US" dirty="0"/>
-                        <a:t>88</a:t>
-                      </a:r>
-                    </a:p>
-                  </a:txBody>
-                  <a:tcPr marL="103239" marR="103239" anchor="ctr"/>
-                </a:tc>
-                <a:extLst>
-                  <a:ext uri="{0D108BD9-81ED-4DB2-BD59-A6C34878D82A}">
-                    <a16:rowId xmlns:a16="http://schemas.microsoft.com/office/drawing/2014/main" val="10002"/>
-                  </a:ext>
-                </a:extLst>
-              </a:tr>
-              <a:tr h="520700">
-                <a:tc>
-                  <a:txBody>
-                    <a:bodyPr/>
-                    <a:lstStyle/>
-                    <a:p>
-                      <a:r>
-                        <a:rPr lang="en-US" dirty="0"/>
-                        <a:t>Class 3</a:t>
-                      </a:r>
-                    </a:p>
-                  </a:txBody>
-                  <a:tcPr marL="103239" marR="103239" anchor="ctr"/>
-                </a:tc>
-                <a:tc>
-                  <a:txBody>
-                    <a:bodyPr/>
-                    <a:lstStyle/>
-                    <a:p>
-                      <a:pPr algn="ctr"/>
-                      <a:r>
-                        <a:rPr lang="en-US" dirty="0"/>
-                        <a:t>84</a:t>
-                      </a:r>
-                    </a:p>
-                  </a:txBody>
-                  <a:tcPr marL="103239" marR="103239" anchor="ctr"/>
-                </a:tc>
-                <a:tc>
-                  <a:txBody>
-                    <a:bodyPr/>
-                    <a:lstStyle/>
-                    <a:p>
-                      <a:pPr algn="ctr"/>
-                      <a:r>
-                        <a:rPr lang="en-US" dirty="0"/>
-                        <a:t>90</a:t>
-                      </a:r>
-                    </a:p>
-                  </a:txBody>
-                  <a:tcPr marL="103239" marR="103239" anchor="ctr"/>
-                </a:tc>
-                <a:extLst>
-                  <a:ext uri="{0D108BD9-81ED-4DB2-BD59-A6C34878D82A}">
-                    <a16:rowId xmlns:a16="http://schemas.microsoft.com/office/drawing/2014/main" val="10003"/>
-                  </a:ext>
-                </a:extLst>
-              </a:tr>
-            </a:tbl>
-          </a:graphicData>
-        </a:graphic>
-      </p:graphicFrame>
-      <p:sp>
-        <p:nvSpPr>
-          <p:cNvPr id="11" name="Content Placeholder 10"/>
-          <p:cNvSpPr>
-            <a:spLocks noGrp="1"/>
-          </p:cNvSpPr>
-          <p:nvPr>
-            <p:ph sz="half" idx="2"/>
-          </p:nvPr>
-        </p:nvSpPr>
-        <p:spPr/>
-        <p:txBody>
-          <a:bodyPr/>
-          <a:lstStyle/>
-          <a:p>
-            <a:r>
-              <a:rPr lang="en-US" dirty="0"/>
-              <a:t>First bullet point here</a:t>
-            </a:r>
-          </a:p>
-          <a:p>
-            <a:r>
-              <a:rPr lang="en-US" dirty="0"/>
-              <a:t>Second bullet point here</a:t>
-            </a:r>
-          </a:p>
-          <a:p>
-            <a:r>
-              <a:rPr lang="en-US" dirty="0"/>
-              <a:t>Third bullet point here</a:t>
-            </a:r>
-          </a:p>
-        </p:txBody>
-      </p:sp>
-    </p:spTree>
-    <p:extLst>
-      <p:ext uri="{BB962C8B-B14F-4D97-AF65-F5344CB8AC3E}">
-        <p14:creationId xmlns:p14="http://schemas.microsoft.com/office/powerpoint/2010/main" val="584969848"/>
-      </p:ext>
-    </p:extLst>
-  </p:cSld>
-  <p:clrMapOvr>
-    <a:masterClrMapping/>
-  </p:clrMapOvr>
-</p:sld>
-</file>
-
-<file path=ppt/slides/slide13.xml><?xml version="1.0" encoding="utf-8"?>
-<p:sld xmlns:a="http://schemas.openxmlformats.org/drawingml/2006/main" xmlns:r="http://schemas.openxmlformats.org/officeDocument/2006/relationships" xmlns:p="http://schemas.openxmlformats.org/presentationml/2006/main">
-  <p:cSld>
-    <p:spTree>
-      <p:nvGrpSpPr>
-        <p:cNvPr id="1" name=""/>
-        <p:cNvGrpSpPr/>
-        <p:nvPr/>
-      </p:nvGrpSpPr>
-      <p:grpSpPr>
-        <a:xfrm>
-          <a:off x="0" y="0"/>
-          <a:ext cx="0" cy="0"/>
-          <a:chOff x="0" y="0"/>
-          <a:chExt cx="0" cy="0"/>
-        </a:xfrm>
-      </p:grpSpPr>
-      <p:sp>
-        <p:nvSpPr>
-          <p:cNvPr id="2" name="Title 1"/>
-          <p:cNvSpPr>
-            <a:spLocks noGrp="1"/>
-          </p:cNvSpPr>
-          <p:nvPr>
-            <p:ph type="title"/>
-          </p:nvPr>
-        </p:nvSpPr>
-        <p:spPr/>
-        <p:txBody>
-          <a:bodyPr/>
-          <a:lstStyle/>
-          <a:p>
-            <a:r>
-              <a:rPr lang="en-US"/>
-              <a:t>Two Content Layout with SmartArt</a:t>
-            </a:r>
-            <a:endParaRPr lang="en-US" dirty="0"/>
-          </a:p>
-        </p:txBody>
-      </p:sp>
-      <p:graphicFrame>
-        <p:nvGraphicFramePr>
-          <p:cNvPr id="9" name="Content Placeholder 8" descr="Alternating Hexagons showing 3 groups with task descriptions next to each group"/>
-          <p:cNvGraphicFramePr>
-            <a:graphicFrameLocks noGrp="1"/>
-          </p:cNvGraphicFramePr>
-          <p:nvPr>
-            <p:ph sz="half" idx="2"/>
-            <p:extLst>
-              <p:ext uri="{D42A27DB-BD31-4B8C-83A1-F6EECF244321}">
-                <p14:modId xmlns:p14="http://schemas.microsoft.com/office/powerpoint/2010/main" val="1115393771"/>
-              </p:ext>
-            </p:extLst>
-          </p:nvPr>
-        </p:nvGraphicFramePr>
-        <p:xfrm>
-          <a:off x="6197600" y="1828800"/>
-          <a:ext cx="5384800" cy="3429000"/>
-        </p:xfrm>
-        <a:graphic>
-          <a:graphicData uri="http://schemas.openxmlformats.org/drawingml/2006/diagram">
-            <dgm:relIds xmlns:dgm="http://schemas.openxmlformats.org/drawingml/2006/diagram" xmlns:r="http://schemas.openxmlformats.org/officeDocument/2006/relationships" r:dm="rId2" r:lo="rId3" r:qs="rId4" r:cs="rId5"/>
-          </a:graphicData>
-        </a:graphic>
-      </p:graphicFrame>
-      <p:sp>
-        <p:nvSpPr>
-          <p:cNvPr id="10" name="Content Placeholder 9"/>
-          <p:cNvSpPr>
-            <a:spLocks noGrp="1"/>
-          </p:cNvSpPr>
-          <p:nvPr>
-            <p:ph sz="quarter" idx="13"/>
-          </p:nvPr>
-        </p:nvSpPr>
-        <p:spPr/>
-        <p:txBody>
-          <a:bodyPr/>
-          <a:lstStyle/>
-          <a:p>
-            <a:r>
-              <a:rPr lang="en-US"/>
-              <a:t>First bullet point here</a:t>
-            </a:r>
-          </a:p>
-          <a:p>
-            <a:r>
-              <a:rPr lang="en-US"/>
-              <a:t>Second bullet point here</a:t>
-            </a:r>
-          </a:p>
-          <a:p>
-            <a:r>
-              <a:rPr lang="en-US"/>
-              <a:t>Third bullet point here</a:t>
-            </a:r>
-            <a:endParaRPr lang="en-US" dirty="0"/>
           </a:p>
         </p:txBody>
       </p:sp>
@@ -42629,7 +37534,7 @@
         </p:nvSpPr>
         <p:spPr>
           <a:xfrm>
-            <a:off x="747622" y="1846262"/>
+            <a:off x="851139" y="1600200"/>
             <a:ext cx="11148204" cy="3419476"/>
           </a:xfrm>
         </p:spPr>
@@ -42837,7 +37742,7 @@
         </p:nvSpPr>
         <p:spPr>
           <a:xfrm>
-            <a:off x="609600" y="1040906"/>
+            <a:off x="877019" y="1015027"/>
             <a:ext cx="10972800" cy="4243987"/>
           </a:xfrm>
         </p:spPr>
@@ -43049,21 +37954,26 @@
             <p:ph type="title"/>
           </p:nvPr>
         </p:nvSpPr>
-        <p:spPr/>
+        <p:spPr>
+          <a:xfrm>
+            <a:off x="609600" y="0"/>
+            <a:ext cx="10972800" cy="1440611"/>
+          </a:xfrm>
+        </p:spPr>
         <p:txBody>
           <a:bodyPr/>
           <a:lstStyle/>
           <a:p>
             <a:r>
-              <a:rPr lang="en-US" dirty="0"/>
+              <a:rPr lang="en-US" sz="3600" dirty="0"/>
               <a:t>Automation framework Screenshot from </a:t>
             </a:r>
             <a:r>
-              <a:rPr lang="en-US" dirty="0" err="1"/>
+              <a:rPr lang="en-US" sz="3600" dirty="0" err="1"/>
               <a:t>Github</a:t>
             </a:r>
             <a:r>
-              <a:rPr lang="en-US" dirty="0"/>
+              <a:rPr lang="en-US" sz="3600" dirty="0"/>
               <a:t> repository</a:t>
             </a:r>
           </a:p>
@@ -43091,12 +38001,22 @@
         </p:blipFill>
         <p:spPr>
           <a:xfrm>
-            <a:off x="934528" y="1803955"/>
+            <a:off x="4969151" y="1574838"/>
             <a:ext cx="6613249" cy="3535796"/>
           </a:xfrm>
           <a:prstGeom prst="rect">
             <a:avLst/>
           </a:prstGeom>
+          <a:ln>
+            <a:noFill/>
+          </a:ln>
+          <a:effectLst>
+            <a:outerShdw blurRad="292100" dist="139700" dir="2700000" algn="tl" rotWithShape="0">
+              <a:srgbClr val="333333">
+                <a:alpha val="65000"/>
+              </a:srgbClr>
+            </a:outerShdw>
+          </a:effectLst>
         </p:spPr>
       </p:pic>
       <p:pic>
@@ -43120,12 +38040,22 @@
         </p:blipFill>
         <p:spPr>
           <a:xfrm>
-            <a:off x="7919050" y="1803954"/>
+            <a:off x="1268084" y="1574838"/>
             <a:ext cx="3424438" cy="3535796"/>
           </a:xfrm>
           <a:prstGeom prst="rect">
             <a:avLst/>
           </a:prstGeom>
+          <a:ln>
+            <a:noFill/>
+          </a:ln>
+          <a:effectLst>
+            <a:outerShdw blurRad="292100" dist="139700" dir="2700000" algn="tl" rotWithShape="0">
+              <a:srgbClr val="333333">
+                <a:alpha val="65000"/>
+              </a:srgbClr>
+            </a:outerShdw>
+          </a:effectLst>
         </p:spPr>
       </p:pic>
     </p:spTree>
@@ -43170,7 +38100,7 @@
         </p:nvSpPr>
         <p:spPr>
           <a:xfrm>
-            <a:off x="488830" y="648917"/>
+            <a:off x="514710" y="157212"/>
             <a:ext cx="10972800" cy="1600200"/>
           </a:xfrm>
         </p:spPr>
@@ -43179,15 +38109,15 @@
           <a:lstStyle/>
           <a:p>
             <a:r>
-              <a:rPr lang="en-US" dirty="0"/>
+              <a:rPr lang="en-US" sz="3600" dirty="0"/>
               <a:t>Automation </a:t>
             </a:r>
             <a:r>
-              <a:rPr lang="en-US" dirty="0" err="1"/>
+              <a:rPr lang="en-US" sz="3600" dirty="0" err="1"/>
               <a:t>approach,page</a:t>
             </a:r>
             <a:r>
-              <a:rPr lang="en-US" dirty="0"/>
+              <a:rPr lang="en-US" sz="3600" dirty="0"/>
               <a:t> object model and Data Driven testing</a:t>
             </a:r>
           </a:p>
@@ -43215,12 +38145,22 @@
         </p:blipFill>
         <p:spPr>
           <a:xfrm>
-            <a:off x="1006650" y="2387140"/>
+            <a:off x="1006650" y="1964446"/>
             <a:ext cx="5089350" cy="2736951"/>
           </a:xfrm>
           <a:prstGeom prst="rect">
             <a:avLst/>
           </a:prstGeom>
+          <a:ln>
+            <a:noFill/>
+          </a:ln>
+          <a:effectLst>
+            <a:outerShdw blurRad="292100" dist="139700" dir="2700000" algn="tl" rotWithShape="0">
+              <a:srgbClr val="333333">
+                <a:alpha val="65000"/>
+              </a:srgbClr>
+            </a:outerShdw>
+          </a:effectLst>
         </p:spPr>
       </p:pic>
       <p:pic>
@@ -43245,12 +38185,22 @@
         </p:blipFill>
         <p:spPr>
           <a:xfrm>
-            <a:off x="6351898" y="2387140"/>
+            <a:off x="6429539" y="1964445"/>
             <a:ext cx="5305263" cy="2736952"/>
           </a:xfrm>
           <a:prstGeom prst="rect">
             <a:avLst/>
           </a:prstGeom>
+          <a:ln>
+            <a:noFill/>
+          </a:ln>
+          <a:effectLst>
+            <a:outerShdw blurRad="292100" dist="139700" dir="2700000" algn="tl" rotWithShape="0">
+              <a:srgbClr val="333333">
+                <a:alpha val="65000"/>
+              </a:srgbClr>
+            </a:outerShdw>
+          </a:effectLst>
         </p:spPr>
       </p:pic>
     </p:spTree>
@@ -43322,7 +38272,7 @@
         </p:nvSpPr>
         <p:spPr>
           <a:xfrm>
-            <a:off x="609600" y="1604723"/>
+            <a:off x="609600" y="1432194"/>
             <a:ext cx="10972800" cy="3419476"/>
           </a:xfrm>
         </p:spPr>
@@ -43442,13 +38392,18 @@
             <p:ph type="title"/>
           </p:nvPr>
         </p:nvSpPr>
-        <p:spPr/>
+        <p:spPr>
+          <a:xfrm>
+            <a:off x="609600" y="25879"/>
+            <a:ext cx="10972800" cy="1302589"/>
+          </a:xfrm>
+        </p:spPr>
         <p:txBody>
           <a:bodyPr/>
           <a:lstStyle/>
           <a:p>
             <a:r>
-              <a:rPr lang="en-US" sz="4000" dirty="0"/>
+              <a:rPr lang="en-US" sz="3200" dirty="0"/>
               <a:t>Jira backlog screenshot and description one line to show Agile work in sprint</a:t>
             </a:r>
           </a:p>
@@ -43476,12 +38431,22 @@
         </p:blipFill>
         <p:spPr>
           <a:xfrm>
-            <a:off x="1255928" y="1600198"/>
+            <a:off x="1524909" y="1378892"/>
             <a:ext cx="4571091" cy="2436961"/>
           </a:xfrm>
           <a:prstGeom prst="rect">
             <a:avLst/>
           </a:prstGeom>
+          <a:ln>
+            <a:noFill/>
+          </a:ln>
+          <a:effectLst>
+            <a:outerShdw blurRad="292100" dist="139700" dir="2700000" algn="tl" rotWithShape="0">
+              <a:srgbClr val="333333">
+                <a:alpha val="65000"/>
+              </a:srgbClr>
+            </a:outerShdw>
+          </a:effectLst>
         </p:spPr>
       </p:pic>
       <p:pic>
@@ -43506,12 +38471,22 @@
         </p:blipFill>
         <p:spPr>
           <a:xfrm>
-            <a:off x="6096000" y="1600198"/>
+            <a:off x="6216770" y="1378892"/>
             <a:ext cx="4537628" cy="2436962"/>
           </a:xfrm>
           <a:prstGeom prst="rect">
             <a:avLst/>
           </a:prstGeom>
+          <a:ln>
+            <a:noFill/>
+          </a:ln>
+          <a:effectLst>
+            <a:outerShdw blurRad="292100" dist="139700" dir="2700000" algn="tl" rotWithShape="0">
+              <a:srgbClr val="333333">
+                <a:alpha val="65000"/>
+              </a:srgbClr>
+            </a:outerShdw>
+          </a:effectLst>
         </p:spPr>
       </p:pic>
       <p:pic>
@@ -43536,12 +38511,62 @@
         </p:blipFill>
         <p:spPr>
           <a:xfrm>
-            <a:off x="3834216" y="4111329"/>
-            <a:ext cx="4278217" cy="2292945"/>
+            <a:off x="2363878" y="4062735"/>
+            <a:ext cx="3732122" cy="2000261"/>
           </a:xfrm>
           <a:prstGeom prst="rect">
             <a:avLst/>
           </a:prstGeom>
+          <a:ln>
+            <a:noFill/>
+          </a:ln>
+          <a:effectLst>
+            <a:outerShdw blurRad="292100" dist="139700" dir="2700000" algn="tl" rotWithShape="0">
+              <a:srgbClr val="333333">
+                <a:alpha val="65000"/>
+              </a:srgbClr>
+            </a:outerShdw>
+          </a:effectLst>
+        </p:spPr>
+      </p:pic>
+      <p:pic>
+        <p:nvPicPr>
+          <p:cNvPr id="17" name="Picture 16" descr="A screenshot of a computer&#10;&#10;AI-generated content may be incorrect.">
+            <a:extLst>
+              <a:ext uri="{FF2B5EF4-FFF2-40B4-BE49-F238E27FC236}">
+                <a16:creationId xmlns:a16="http://schemas.microsoft.com/office/drawing/2014/main" id="{65F153FD-F316-5C2D-423A-E2D4D3AD6E56}"/>
+              </a:ext>
+            </a:extLst>
+          </p:cNvPr>
+          <p:cNvPicPr>
+            <a:picLocks noChangeAspect="1"/>
+          </p:cNvPicPr>
+          <p:nvPr/>
+        </p:nvPicPr>
+        <p:blipFill>
+          <a:blip r:embed="rId5"/>
+          <a:stretch>
+            <a:fillRect/>
+          </a:stretch>
+        </p:blipFill>
+        <p:spPr>
+          <a:xfrm>
+            <a:off x="6216770" y="4028115"/>
+            <a:ext cx="3860921" cy="2069502"/>
+          </a:xfrm>
+          <a:prstGeom prst="rect">
+            <a:avLst/>
+          </a:prstGeom>
+          <a:ln>
+            <a:noFill/>
+          </a:ln>
+          <a:effectLst>
+            <a:outerShdw blurRad="292100" dist="139700" dir="2700000" algn="tl" rotWithShape="0">
+              <a:srgbClr val="333333">
+                <a:alpha val="65000"/>
+              </a:srgbClr>
+            </a:outerShdw>
+          </a:effectLst>
         </p:spPr>
       </p:pic>
     </p:spTree>
@@ -43584,70 +38609,150 @@
             <p:ph type="title"/>
           </p:nvPr>
         </p:nvSpPr>
-        <p:spPr/>
+        <p:spPr>
+          <a:xfrm>
+            <a:off x="609600" y="60385"/>
+            <a:ext cx="10972800" cy="1250832"/>
+          </a:xfrm>
+        </p:spPr>
         <p:txBody>
           <a:bodyPr/>
           <a:lstStyle/>
           <a:p>
             <a:r>
-              <a:rPr lang="en-US"/>
-              <a:t>Title and Content Layout with List</a:t>
+              <a:rPr lang="en-US" sz="3600" dirty="0"/>
+              <a:t>Zephyr Board </a:t>
             </a:r>
-            <a:endParaRPr lang="en-US" dirty="0"/>
-          </a:p>
-        </p:txBody>
-      </p:sp>
-      <p:sp>
-        <p:nvSpPr>
-          <p:cNvPr id="14" name="Content Placeholder 13"/>
-          <p:cNvSpPr>
-            <a:spLocks noGrp="1"/>
-          </p:cNvSpPr>
-          <p:nvPr>
-            <p:ph idx="1"/>
-          </p:nvPr>
-        </p:nvSpPr>
-        <p:spPr/>
-        <p:txBody>
-          <a:bodyPr/>
-          <a:lstStyle/>
-          <a:p>
-            <a:pPr lvl="0"/>
+            <a:br>
+              <a:rPr lang="en-US" sz="3600" dirty="0"/>
+            </a:br>
             <a:r>
-              <a:rPr lang="en-US" dirty="0"/>
-              <a:t>Click to edit Master text styles</a:t>
-            </a:r>
-          </a:p>
-          <a:p>
-            <a:pPr lvl="1"/>
-            <a:r>
-              <a:rPr lang="en-US" dirty="0"/>
-              <a:t>Second level</a:t>
-            </a:r>
-          </a:p>
-          <a:p>
-            <a:pPr lvl="2"/>
-            <a:r>
-              <a:rPr lang="en-US" dirty="0"/>
-              <a:t>Third level</a:t>
-            </a:r>
-          </a:p>
-          <a:p>
-            <a:pPr lvl="3"/>
-            <a:r>
-              <a:rPr lang="en-US" dirty="0"/>
-              <a:t>Fourth level</a:t>
-            </a:r>
-          </a:p>
-          <a:p>
-            <a:pPr lvl="4"/>
-            <a:r>
-              <a:rPr lang="en-US" dirty="0"/>
-              <a:t>Fifth level</a:t>
+              <a:rPr lang="en-US" sz="3600" dirty="0"/>
+              <a:t>Smoke , Sanity, Regression Test case</a:t>
             </a:r>
           </a:p>
         </p:txBody>
       </p:sp>
+      <p:pic>
+        <p:nvPicPr>
+          <p:cNvPr id="3" name="Picture 2" descr="A screenshot of a computer&#10;&#10;AI-generated content may be incorrect.">
+            <a:extLst>
+              <a:ext uri="{FF2B5EF4-FFF2-40B4-BE49-F238E27FC236}">
+                <a16:creationId xmlns:a16="http://schemas.microsoft.com/office/drawing/2014/main" id="{E0310E56-C69E-0552-D4E0-62AF5474F2E4}"/>
+              </a:ext>
+            </a:extLst>
+          </p:cNvPr>
+          <p:cNvPicPr>
+            <a:picLocks noChangeAspect="1"/>
+          </p:cNvPicPr>
+          <p:nvPr/>
+        </p:nvPicPr>
+        <p:blipFill>
+          <a:blip r:embed="rId2"/>
+          <a:stretch>
+            <a:fillRect/>
+          </a:stretch>
+        </p:blipFill>
+        <p:spPr>
+          <a:xfrm>
+            <a:off x="1446766" y="1414851"/>
+            <a:ext cx="4327585" cy="2309704"/>
+          </a:xfrm>
+          <a:prstGeom prst="rect">
+            <a:avLst/>
+          </a:prstGeom>
+          <a:ln>
+            <a:noFill/>
+          </a:ln>
+          <a:effectLst>
+            <a:outerShdw blurRad="292100" dist="139700" dir="2700000" algn="tl" rotWithShape="0">
+              <a:srgbClr val="333333">
+                <a:alpha val="65000"/>
+              </a:srgbClr>
+            </a:outerShdw>
+          </a:effectLst>
+        </p:spPr>
+      </p:pic>
+      <p:pic>
+        <p:nvPicPr>
+          <p:cNvPr id="5" name="Picture 4" descr="A screenshot of a computer&#10;&#10;AI-generated content may be incorrect.">
+            <a:extLst>
+              <a:ext uri="{FF2B5EF4-FFF2-40B4-BE49-F238E27FC236}">
+                <a16:creationId xmlns:a16="http://schemas.microsoft.com/office/drawing/2014/main" id="{BE4458C9-3840-44CF-782F-E5441363416B}"/>
+              </a:ext>
+            </a:extLst>
+          </p:cNvPr>
+          <p:cNvPicPr>
+            <a:picLocks noChangeAspect="1"/>
+          </p:cNvPicPr>
+          <p:nvPr/>
+        </p:nvPicPr>
+        <p:blipFill>
+          <a:blip r:embed="rId3"/>
+          <a:stretch>
+            <a:fillRect/>
+          </a:stretch>
+        </p:blipFill>
+        <p:spPr>
+          <a:xfrm>
+            <a:off x="5924393" y="1414851"/>
+            <a:ext cx="4327585" cy="2337528"/>
+          </a:xfrm>
+          <a:prstGeom prst="rect">
+            <a:avLst/>
+          </a:prstGeom>
+          <a:ln>
+            <a:noFill/>
+          </a:ln>
+          <a:effectLst>
+            <a:outerShdw blurRad="292100" dist="139700" dir="2700000" algn="tl" rotWithShape="0">
+              <a:srgbClr val="333333">
+                <a:alpha val="65000"/>
+              </a:srgbClr>
+            </a:outerShdw>
+          </a:effectLst>
+        </p:spPr>
+      </p:pic>
+      <p:pic>
+        <p:nvPicPr>
+          <p:cNvPr id="7" name="Picture 6" descr="A screenshot of a computer&#10;&#10;AI-generated content may be incorrect.">
+            <a:extLst>
+              <a:ext uri="{FF2B5EF4-FFF2-40B4-BE49-F238E27FC236}">
+                <a16:creationId xmlns:a16="http://schemas.microsoft.com/office/drawing/2014/main" id="{FE4BD200-2C71-D6FD-8E43-FD30D832E147}"/>
+              </a:ext>
+            </a:extLst>
+          </p:cNvPr>
+          <p:cNvPicPr>
+            <a:picLocks noChangeAspect="1"/>
+          </p:cNvPicPr>
+          <p:nvPr/>
+        </p:nvPicPr>
+        <p:blipFill>
+          <a:blip r:embed="rId4"/>
+          <a:stretch>
+            <a:fillRect/>
+          </a:stretch>
+        </p:blipFill>
+        <p:spPr>
+          <a:xfrm>
+            <a:off x="3489788" y="3856014"/>
+            <a:ext cx="4420634" cy="2361676"/>
+          </a:xfrm>
+          <a:prstGeom prst="rect">
+            <a:avLst/>
+          </a:prstGeom>
+          <a:ln>
+            <a:noFill/>
+          </a:ln>
+          <a:effectLst>
+            <a:outerShdw blurRad="292100" dist="139700" dir="2700000" algn="tl" rotWithShape="0">
+              <a:srgbClr val="333333">
+                <a:alpha val="65000"/>
+              </a:srgbClr>
+            </a:outerShdw>
+          </a:effectLst>
+        </p:spPr>
+      </p:pic>
     </p:spTree>
     <p:extLst>
       <p:ext uri="{BB962C8B-B14F-4D97-AF65-F5344CB8AC3E}">
@@ -43688,39 +38793,103 @@
             <p:ph type="title"/>
           </p:nvPr>
         </p:nvSpPr>
-        <p:spPr/>
+        <p:spPr>
+          <a:xfrm>
+            <a:off x="609600" y="0"/>
+            <a:ext cx="10972800" cy="845389"/>
+          </a:xfrm>
+        </p:spPr>
         <p:txBody>
           <a:bodyPr/>
           <a:lstStyle/>
           <a:p>
             <a:r>
-              <a:rPr lang="en-US"/>
-              <a:t>Title and Content Layout with List</a:t>
+              <a:rPr lang="en-US" dirty="0"/>
+              <a:t>Test report from Zephyr screenshot</a:t>
             </a:r>
-            <a:endParaRPr lang="en-US" dirty="0"/>
           </a:p>
         </p:txBody>
       </p:sp>
-      <p:sp>
-        <p:nvSpPr>
-          <p:cNvPr id="14" name="Content Placeholder 13"/>
-          <p:cNvSpPr>
-            <a:spLocks noGrp="1"/>
-          </p:cNvSpPr>
-          <p:nvPr>
-            <p:ph idx="1"/>
-          </p:nvPr>
-        </p:nvSpPr>
-        <p:spPr/>
-        <p:txBody>
-          <a:bodyPr/>
-          <a:lstStyle/>
-          <a:p>
-            <a:pPr lvl="0"/>
-            <a:endParaRPr lang="en-US" dirty="0"/>
-          </a:p>
-        </p:txBody>
-      </p:sp>
+      <p:pic>
+        <p:nvPicPr>
+          <p:cNvPr id="3" name="Picture 2" descr="A screenshot of a computer&#10;&#10;AI-generated content may be incorrect.">
+            <a:extLst>
+              <a:ext uri="{FF2B5EF4-FFF2-40B4-BE49-F238E27FC236}">
+                <a16:creationId xmlns:a16="http://schemas.microsoft.com/office/drawing/2014/main" id="{953DCB4F-9ECC-9769-7C15-089EBF949934}"/>
+              </a:ext>
+            </a:extLst>
+          </p:cNvPr>
+          <p:cNvPicPr>
+            <a:picLocks noChangeAspect="1"/>
+          </p:cNvPicPr>
+          <p:nvPr/>
+        </p:nvPicPr>
+        <p:blipFill>
+          <a:blip r:embed="rId2"/>
+          <a:stretch>
+            <a:fillRect/>
+          </a:stretch>
+        </p:blipFill>
+        <p:spPr>
+          <a:xfrm>
+            <a:off x="6438184" y="1468721"/>
+            <a:ext cx="5442617" cy="3037466"/>
+          </a:xfrm>
+          <a:prstGeom prst="rect">
+            <a:avLst/>
+          </a:prstGeom>
+          <a:ln>
+            <a:noFill/>
+          </a:ln>
+          <a:effectLst>
+            <a:outerShdw blurRad="292100" dist="139700" dir="2700000" algn="tl" rotWithShape="0">
+              <a:srgbClr val="333333">
+                <a:alpha val="65000"/>
+              </a:srgbClr>
+            </a:outerShdw>
+          </a:effectLst>
+        </p:spPr>
+      </p:pic>
+      <p:pic>
+        <p:nvPicPr>
+          <p:cNvPr id="5" name="Picture 4" descr="A screenshot of a computer&#10;&#10;AI-generated content may be incorrect.">
+            <a:extLst>
+              <a:ext uri="{FF2B5EF4-FFF2-40B4-BE49-F238E27FC236}">
+                <a16:creationId xmlns:a16="http://schemas.microsoft.com/office/drawing/2014/main" id="{A358318D-1790-3C1D-B89D-3A8466CE60B0}"/>
+              </a:ext>
+            </a:extLst>
+          </p:cNvPr>
+          <p:cNvPicPr>
+            <a:picLocks noChangeAspect="1"/>
+          </p:cNvPicPr>
+          <p:nvPr/>
+        </p:nvPicPr>
+        <p:blipFill>
+          <a:blip r:embed="rId3"/>
+          <a:stretch>
+            <a:fillRect/>
+          </a:stretch>
+        </p:blipFill>
+        <p:spPr>
+          <a:xfrm>
+            <a:off x="652730" y="1468720"/>
+            <a:ext cx="5670136" cy="3037467"/>
+          </a:xfrm>
+          <a:prstGeom prst="rect">
+            <a:avLst/>
+          </a:prstGeom>
+          <a:ln>
+            <a:noFill/>
+          </a:ln>
+          <a:effectLst>
+            <a:outerShdw blurRad="292100" dist="139700" dir="2700000" algn="tl" rotWithShape="0">
+              <a:srgbClr val="333333">
+                <a:alpha val="65000"/>
+              </a:srgbClr>
+            </a:outerShdw>
+          </a:effectLst>
+        </p:spPr>
+      </p:pic>
     </p:spTree>
     <p:extLst>
       <p:ext uri="{BB962C8B-B14F-4D97-AF65-F5344CB8AC3E}">

--- a/Capstone_QA Automation Project.pptx
+++ b/Capstone_QA Automation Project.pptx
@@ -212,7 +212,7 @@
           <a:p>
             <a:fld id="{9F09733D-69F8-45CE-987F-1E3A67C77C5D}" type="datetimeFigureOut">
               <a:rPr lang="en-US" smtClean="0"/>
-              <a:t>9/8/2025</a:t>
+              <a:t>9/9/2025</a:t>
             </a:fld>
             <a:endParaRPr lang="en-US"/>
           </a:p>
@@ -377,7 +377,7 @@
           <a:p>
             <a:fld id="{4BBDC3DB-9C0B-4EEA-BE0C-C823D6258BF2}" type="datetimeFigureOut">
               <a:rPr lang="en-US" smtClean="0"/>
-              <a:t>9/8/2025</a:t>
+              <a:t>9/9/2025</a:t>
             </a:fld>
             <a:endParaRPr lang="en-US"/>
           </a:p>
@@ -879,7 +879,7 @@
             <a:fld id="{349BF3EA-1A78-4F07-BDC0-C8A1BD461199}" type="datetimeFigureOut">
               <a:rPr lang="en-US" smtClean="0"/>
               <a:pPr/>
-              <a:t>9/8/2025</a:t>
+              <a:t>9/9/2025</a:t>
             </a:fld>
             <a:endParaRPr lang="en-US"/>
           </a:p>
@@ -1077,7 +1077,7 @@
             <a:fld id="{349BF3EA-1A78-4F07-BDC0-C8A1BD461199}" type="datetimeFigureOut">
               <a:rPr lang="en-US" smtClean="0"/>
               <a:pPr/>
-              <a:t>9/8/2025</a:t>
+              <a:t>9/9/2025</a:t>
             </a:fld>
             <a:endParaRPr lang="en-US"/>
           </a:p>
@@ -1286,7 +1286,7 @@
             <a:fld id="{349BF3EA-1A78-4F07-BDC0-C8A1BD461199}" type="datetimeFigureOut">
               <a:rPr lang="en-US" smtClean="0"/>
               <a:pPr/>
-              <a:t>9/8/2025</a:t>
+              <a:t>9/9/2025</a:t>
             </a:fld>
             <a:endParaRPr lang="en-US"/>
           </a:p>
@@ -1486,7 +1486,7 @@
           <a:p>
             <a:fld id="{349BF3EA-1A78-4F07-BDC0-C8A1BD461199}" type="datetimeFigureOut">
               <a:rPr lang="en-US" smtClean="0"/>
-              <a:t>9/8/2025</a:t>
+              <a:t>9/9/2025</a:t>
             </a:fld>
             <a:endParaRPr lang="en-US"/>
           </a:p>
@@ -1736,7 +1736,7 @@
           <a:p>
             <a:fld id="{349BF3EA-1A78-4F07-BDC0-C8A1BD461199}" type="datetimeFigureOut">
               <a:rPr lang="en-US" smtClean="0"/>
-              <a:t>9/8/2025</a:t>
+              <a:t>9/9/2025</a:t>
             </a:fld>
             <a:endParaRPr lang="en-US"/>
           </a:p>
@@ -2017,7 +2017,7 @@
             <a:fld id="{349BF3EA-1A78-4F07-BDC0-C8A1BD461199}" type="datetimeFigureOut">
               <a:rPr lang="en-US" smtClean="0"/>
               <a:pPr/>
-              <a:t>9/8/2025</a:t>
+              <a:t>9/9/2025</a:t>
             </a:fld>
             <a:endParaRPr lang="en-US" dirty="0"/>
           </a:p>
@@ -2406,7 +2406,7 @@
           <a:p>
             <a:fld id="{349BF3EA-1A78-4F07-BDC0-C8A1BD461199}" type="datetimeFigureOut">
               <a:rPr lang="en-US" smtClean="0"/>
-              <a:t>9/8/2025</a:t>
+              <a:t>9/9/2025</a:t>
             </a:fld>
             <a:endParaRPr lang="en-US"/>
           </a:p>
@@ -2527,7 +2527,7 @@
           <a:p>
             <a:fld id="{349BF3EA-1A78-4F07-BDC0-C8A1BD461199}" type="datetimeFigureOut">
               <a:rPr lang="en-US" smtClean="0"/>
-              <a:t>9/8/2025</a:t>
+              <a:t>9/9/2025</a:t>
             </a:fld>
             <a:endParaRPr lang="en-US"/>
           </a:p>
@@ -2625,7 +2625,7 @@
           <a:p>
             <a:fld id="{349BF3EA-1A78-4F07-BDC0-C8A1BD461199}" type="datetimeFigureOut">
               <a:rPr lang="en-US" smtClean="0"/>
-              <a:t>9/8/2025</a:t>
+              <a:t>9/9/2025</a:t>
             </a:fld>
             <a:endParaRPr lang="en-US"/>
           </a:p>
@@ -2921,7 +2921,7 @@
           <a:p>
             <a:fld id="{349BF3EA-1A78-4F07-BDC0-C8A1BD461199}" type="datetimeFigureOut">
               <a:rPr lang="en-US" smtClean="0"/>
-              <a:t>9/8/2025</a:t>
+              <a:t>9/9/2025</a:t>
             </a:fld>
             <a:endParaRPr lang="en-US"/>
           </a:p>
@@ -3219,7 +3219,7 @@
             <a:fld id="{349BF3EA-1A78-4F07-BDC0-C8A1BD461199}" type="datetimeFigureOut">
               <a:rPr lang="en-US" smtClean="0"/>
               <a:pPr/>
-              <a:t>9/8/2025</a:t>
+              <a:t>9/9/2025</a:t>
             </a:fld>
             <a:endParaRPr lang="en-US" dirty="0"/>
           </a:p>
@@ -3461,7 +3461,7 @@
             <a:fld id="{349BF3EA-1A78-4F07-BDC0-C8A1BD461199}" type="datetimeFigureOut">
               <a:rPr lang="en-US" smtClean="0"/>
               <a:pPr/>
-              <a:t>9/8/2025</a:t>
+              <a:t>9/9/2025</a:t>
             </a:fld>
             <a:endParaRPr lang="en-US"/>
           </a:p>
@@ -38125,10 +38125,10 @@
       </p:sp>
       <p:pic>
         <p:nvPicPr>
-          <p:cNvPr id="7" name="Picture 6">
+          <p:cNvPr id="3" name="Picture 2">
             <a:extLst>
               <a:ext uri="{FF2B5EF4-FFF2-40B4-BE49-F238E27FC236}">
-                <a16:creationId xmlns:a16="http://schemas.microsoft.com/office/drawing/2014/main" id="{9DDEA12E-7295-CE48-BC09-3231DB5C1BAE}"/>
+                <a16:creationId xmlns:a16="http://schemas.microsoft.com/office/drawing/2014/main" id="{6FA835B3-46F2-1762-CDF6-9474AB6A4102}"/>
               </a:ext>
             </a:extLst>
           </p:cNvPr>
@@ -38145,8 +38145,8 @@
         </p:blipFill>
         <p:spPr>
           <a:xfrm>
-            <a:off x="1006650" y="1964446"/>
-            <a:ext cx="5089350" cy="2736951"/>
+            <a:off x="858416" y="1964445"/>
+            <a:ext cx="5305264" cy="2861359"/>
           </a:xfrm>
           <a:prstGeom prst="rect">
             <a:avLst/>
@@ -38165,10 +38165,10 @@
       </p:pic>
       <p:pic>
         <p:nvPicPr>
-          <p:cNvPr id="6" name="Picture 5">
+          <p:cNvPr id="5" name="Picture 4">
             <a:extLst>
               <a:ext uri="{FF2B5EF4-FFF2-40B4-BE49-F238E27FC236}">
-                <a16:creationId xmlns:a16="http://schemas.microsoft.com/office/drawing/2014/main" id="{A74C3D9A-6306-E80D-D684-33938F430FAB}"/>
+                <a16:creationId xmlns:a16="http://schemas.microsoft.com/office/drawing/2014/main" id="{EFDB536C-7994-5047-57C1-ACE667DD5FB0}"/>
               </a:ext>
             </a:extLst>
           </p:cNvPr>
@@ -38185,8 +38185,8 @@
         </p:blipFill>
         <p:spPr>
           <a:xfrm>
-            <a:off x="6429539" y="1964445"/>
-            <a:ext cx="5305263" cy="2736952"/>
+            <a:off x="6484772" y="1964444"/>
+            <a:ext cx="5312765" cy="2861359"/>
           </a:xfrm>
           <a:prstGeom prst="rect">
             <a:avLst/>

--- a/Capstone_QA Automation Project.pptx
+++ b/Capstone_QA Automation Project.pptx
@@ -5,22 +5,23 @@
     <p:sldMasterId id="2147483696" r:id="rId1"/>
   </p:sldMasterIdLst>
   <p:notesMasterIdLst>
-    <p:notesMasterId r:id="rId12"/>
+    <p:notesMasterId r:id="rId13"/>
   </p:notesMasterIdLst>
   <p:handoutMasterIdLst>
-    <p:handoutMasterId r:id="rId13"/>
+    <p:handoutMasterId r:id="rId14"/>
   </p:handoutMasterIdLst>
   <p:sldIdLst>
     <p:sldId id="259" r:id="rId2"/>
     <p:sldId id="260" r:id="rId3"/>
     <p:sldId id="264" r:id="rId4"/>
     <p:sldId id="265" r:id="rId5"/>
-    <p:sldId id="266" r:id="rId6"/>
-    <p:sldId id="267" r:id="rId7"/>
-    <p:sldId id="272" r:id="rId8"/>
-    <p:sldId id="269" r:id="rId9"/>
-    <p:sldId id="270" r:id="rId10"/>
-    <p:sldId id="263" r:id="rId11"/>
+    <p:sldId id="273" r:id="rId6"/>
+    <p:sldId id="266" r:id="rId7"/>
+    <p:sldId id="267" r:id="rId8"/>
+    <p:sldId id="272" r:id="rId9"/>
+    <p:sldId id="269" r:id="rId10"/>
+    <p:sldId id="270" r:id="rId11"/>
+    <p:sldId id="263" r:id="rId12"/>
   </p:sldIdLst>
   <p:sldSz cx="12192000" cy="6858000"/>
   <p:notesSz cx="6858000" cy="9144000"/>
@@ -212,7 +213,7 @@
           <a:p>
             <a:fld id="{9F09733D-69F8-45CE-987F-1E3A67C77C5D}" type="datetimeFigureOut">
               <a:rPr lang="en-US" smtClean="0"/>
-              <a:t>9/9/2025</a:t>
+              <a:t>9/10/2025</a:t>
             </a:fld>
             <a:endParaRPr lang="en-US"/>
           </a:p>
@@ -377,7 +378,7 @@
           <a:p>
             <a:fld id="{4BBDC3DB-9C0B-4EEA-BE0C-C823D6258BF2}" type="datetimeFigureOut">
               <a:rPr lang="en-US" smtClean="0"/>
-              <a:t>9/9/2025</a:t>
+              <a:t>9/10/2025</a:t>
             </a:fld>
             <a:endParaRPr lang="en-US"/>
           </a:p>
@@ -879,7 +880,7 @@
             <a:fld id="{349BF3EA-1A78-4F07-BDC0-C8A1BD461199}" type="datetimeFigureOut">
               <a:rPr lang="en-US" smtClean="0"/>
               <a:pPr/>
-              <a:t>9/9/2025</a:t>
+              <a:t>9/10/2025</a:t>
             </a:fld>
             <a:endParaRPr lang="en-US"/>
           </a:p>
@@ -1077,7 +1078,7 @@
             <a:fld id="{349BF3EA-1A78-4F07-BDC0-C8A1BD461199}" type="datetimeFigureOut">
               <a:rPr lang="en-US" smtClean="0"/>
               <a:pPr/>
-              <a:t>9/9/2025</a:t>
+              <a:t>9/10/2025</a:t>
             </a:fld>
             <a:endParaRPr lang="en-US"/>
           </a:p>
@@ -1286,7 +1287,7 @@
             <a:fld id="{349BF3EA-1A78-4F07-BDC0-C8A1BD461199}" type="datetimeFigureOut">
               <a:rPr lang="en-US" smtClean="0"/>
               <a:pPr/>
-              <a:t>9/9/2025</a:t>
+              <a:t>9/10/2025</a:t>
             </a:fld>
             <a:endParaRPr lang="en-US"/>
           </a:p>
@@ -1486,7 +1487,7 @@
           <a:p>
             <a:fld id="{349BF3EA-1A78-4F07-BDC0-C8A1BD461199}" type="datetimeFigureOut">
               <a:rPr lang="en-US" smtClean="0"/>
-              <a:t>9/9/2025</a:t>
+              <a:t>9/10/2025</a:t>
             </a:fld>
             <a:endParaRPr lang="en-US"/>
           </a:p>
@@ -1736,7 +1737,7 @@
           <a:p>
             <a:fld id="{349BF3EA-1A78-4F07-BDC0-C8A1BD461199}" type="datetimeFigureOut">
               <a:rPr lang="en-US" smtClean="0"/>
-              <a:t>9/9/2025</a:t>
+              <a:t>9/10/2025</a:t>
             </a:fld>
             <a:endParaRPr lang="en-US"/>
           </a:p>
@@ -2017,7 +2018,7 @@
             <a:fld id="{349BF3EA-1A78-4F07-BDC0-C8A1BD461199}" type="datetimeFigureOut">
               <a:rPr lang="en-US" smtClean="0"/>
               <a:pPr/>
-              <a:t>9/9/2025</a:t>
+              <a:t>9/10/2025</a:t>
             </a:fld>
             <a:endParaRPr lang="en-US" dirty="0"/>
           </a:p>
@@ -2406,7 +2407,7 @@
           <a:p>
             <a:fld id="{349BF3EA-1A78-4F07-BDC0-C8A1BD461199}" type="datetimeFigureOut">
               <a:rPr lang="en-US" smtClean="0"/>
-              <a:t>9/9/2025</a:t>
+              <a:t>9/10/2025</a:t>
             </a:fld>
             <a:endParaRPr lang="en-US"/>
           </a:p>
@@ -2527,7 +2528,7 @@
           <a:p>
             <a:fld id="{349BF3EA-1A78-4F07-BDC0-C8A1BD461199}" type="datetimeFigureOut">
               <a:rPr lang="en-US" smtClean="0"/>
-              <a:t>9/9/2025</a:t>
+              <a:t>9/10/2025</a:t>
             </a:fld>
             <a:endParaRPr lang="en-US"/>
           </a:p>
@@ -2625,7 +2626,7 @@
           <a:p>
             <a:fld id="{349BF3EA-1A78-4F07-BDC0-C8A1BD461199}" type="datetimeFigureOut">
               <a:rPr lang="en-US" smtClean="0"/>
-              <a:t>9/9/2025</a:t>
+              <a:t>9/10/2025</a:t>
             </a:fld>
             <a:endParaRPr lang="en-US"/>
           </a:p>
@@ -2921,7 +2922,7 @@
           <a:p>
             <a:fld id="{349BF3EA-1A78-4F07-BDC0-C8A1BD461199}" type="datetimeFigureOut">
               <a:rPr lang="en-US" smtClean="0"/>
-              <a:t>9/9/2025</a:t>
+              <a:t>9/10/2025</a:t>
             </a:fld>
             <a:endParaRPr lang="en-US"/>
           </a:p>
@@ -3219,7 +3220,7 @@
             <a:fld id="{349BF3EA-1A78-4F07-BDC0-C8A1BD461199}" type="datetimeFigureOut">
               <a:rPr lang="en-US" smtClean="0"/>
               <a:pPr/>
-              <a:t>9/9/2025</a:t>
+              <a:t>9/10/2025</a:t>
             </a:fld>
             <a:endParaRPr lang="en-US" dirty="0"/>
           </a:p>
@@ -3461,7 +3462,7 @@
             <a:fld id="{349BF3EA-1A78-4F07-BDC0-C8A1BD461199}" type="datetimeFigureOut">
               <a:rPr lang="en-US" smtClean="0"/>
               <a:pPr/>
-              <a:t>9/9/2025</a:t>
+              <a:t>9/10/2025</a:t>
             </a:fld>
             <a:endParaRPr lang="en-US"/>
           </a:p>
@@ -37440,6 +37441,143 @@
       </p:grpSpPr>
       <p:sp>
         <p:nvSpPr>
+          <p:cNvPr id="13" name="Title 12"/>
+          <p:cNvSpPr>
+            <a:spLocks noGrp="1"/>
+          </p:cNvSpPr>
+          <p:nvPr>
+            <p:ph type="title"/>
+          </p:nvPr>
+        </p:nvSpPr>
+        <p:spPr>
+          <a:xfrm>
+            <a:off x="609600" y="0"/>
+            <a:ext cx="10972800" cy="845389"/>
+          </a:xfrm>
+        </p:spPr>
+        <p:txBody>
+          <a:bodyPr/>
+          <a:lstStyle/>
+          <a:p>
+            <a:r>
+              <a:rPr lang="en-US" dirty="0"/>
+              <a:t>Test report from Zephyr screenshot</a:t>
+            </a:r>
+          </a:p>
+        </p:txBody>
+      </p:sp>
+      <p:pic>
+        <p:nvPicPr>
+          <p:cNvPr id="3" name="Picture 2" descr="A screenshot of a computer&#10;&#10;AI-generated content may be incorrect.">
+            <a:extLst>
+              <a:ext uri="{FF2B5EF4-FFF2-40B4-BE49-F238E27FC236}">
+                <a16:creationId xmlns:a16="http://schemas.microsoft.com/office/drawing/2014/main" id="{953DCB4F-9ECC-9769-7C15-089EBF949934}"/>
+              </a:ext>
+            </a:extLst>
+          </p:cNvPr>
+          <p:cNvPicPr>
+            <a:picLocks noChangeAspect="1"/>
+          </p:cNvPicPr>
+          <p:nvPr/>
+        </p:nvPicPr>
+        <p:blipFill>
+          <a:blip r:embed="rId2"/>
+          <a:stretch>
+            <a:fillRect/>
+          </a:stretch>
+        </p:blipFill>
+        <p:spPr>
+          <a:xfrm>
+            <a:off x="6438184" y="1468721"/>
+            <a:ext cx="5442617" cy="3037466"/>
+          </a:xfrm>
+          <a:prstGeom prst="rect">
+            <a:avLst/>
+          </a:prstGeom>
+          <a:ln>
+            <a:noFill/>
+          </a:ln>
+          <a:effectLst>
+            <a:outerShdw blurRad="292100" dist="139700" dir="2700000" algn="tl" rotWithShape="0">
+              <a:srgbClr val="333333">
+                <a:alpha val="65000"/>
+              </a:srgbClr>
+            </a:outerShdw>
+          </a:effectLst>
+        </p:spPr>
+      </p:pic>
+      <p:pic>
+        <p:nvPicPr>
+          <p:cNvPr id="5" name="Picture 4" descr="A screenshot of a computer&#10;&#10;AI-generated content may be incorrect.">
+            <a:extLst>
+              <a:ext uri="{FF2B5EF4-FFF2-40B4-BE49-F238E27FC236}">
+                <a16:creationId xmlns:a16="http://schemas.microsoft.com/office/drawing/2014/main" id="{A358318D-1790-3C1D-B89D-3A8466CE60B0}"/>
+              </a:ext>
+            </a:extLst>
+          </p:cNvPr>
+          <p:cNvPicPr>
+            <a:picLocks noChangeAspect="1"/>
+          </p:cNvPicPr>
+          <p:nvPr/>
+        </p:nvPicPr>
+        <p:blipFill>
+          <a:blip r:embed="rId3"/>
+          <a:stretch>
+            <a:fillRect/>
+          </a:stretch>
+        </p:blipFill>
+        <p:spPr>
+          <a:xfrm>
+            <a:off x="652730" y="1468720"/>
+            <a:ext cx="5670136" cy="3037467"/>
+          </a:xfrm>
+          <a:prstGeom prst="rect">
+            <a:avLst/>
+          </a:prstGeom>
+          <a:ln>
+            <a:noFill/>
+          </a:ln>
+          <a:effectLst>
+            <a:outerShdw blurRad="292100" dist="139700" dir="2700000" algn="tl" rotWithShape="0">
+              <a:srgbClr val="333333">
+                <a:alpha val="65000"/>
+              </a:srgbClr>
+            </a:outerShdw>
+          </a:effectLst>
+        </p:spPr>
+      </p:pic>
+    </p:spTree>
+    <p:extLst>
+      <p:ext uri="{BB962C8B-B14F-4D97-AF65-F5344CB8AC3E}">
+        <p14:creationId xmlns:p14="http://schemas.microsoft.com/office/powerpoint/2010/main" val="527623217"/>
+      </p:ext>
+    </p:extLst>
+  </p:cSld>
+  <p:clrMapOvr>
+    <a:masterClrMapping/>
+  </p:clrMapOvr>
+</p:sld>
+</file>
+
+<file path=ppt/slides/slide11.xml><?xml version="1.0" encoding="utf-8"?>
+<p:sld xmlns:a="http://schemas.openxmlformats.org/drawingml/2006/main" xmlns:r="http://schemas.openxmlformats.org/officeDocument/2006/relationships" xmlns:p="http://schemas.openxmlformats.org/presentationml/2006/main">
+  <p:cSld>
+    <p:spTree>
+      <p:nvGrpSpPr>
+        <p:cNvPr id="1" name=""/>
+        <p:cNvGrpSpPr/>
+        <p:nvPr/>
+      </p:nvGrpSpPr>
+      <p:grpSpPr>
+        <a:xfrm>
+          <a:off x="0" y="0"/>
+          <a:ext cx="0" cy="0"/>
+          <a:chOff x="0" y="0"/>
+          <a:chExt cx="0" cy="0"/>
+        </a:xfrm>
+      </p:grpSpPr>
+      <p:sp>
+        <p:nvSpPr>
           <p:cNvPr id="2" name="Title 1"/>
           <p:cNvSpPr>
             <a:spLocks noGrp="1"/>
@@ -38125,10 +38263,10 @@
       </p:sp>
       <p:pic>
         <p:nvPicPr>
-          <p:cNvPr id="3" name="Picture 2">
+          <p:cNvPr id="6" name="Picture 5">
             <a:extLst>
               <a:ext uri="{FF2B5EF4-FFF2-40B4-BE49-F238E27FC236}">
-                <a16:creationId xmlns:a16="http://schemas.microsoft.com/office/drawing/2014/main" id="{6FA835B3-46F2-1762-CDF6-9474AB6A4102}"/>
+                <a16:creationId xmlns:a16="http://schemas.microsoft.com/office/drawing/2014/main" id="{29443BA2-87A1-3D64-45A9-6C5329CC256D}"/>
               </a:ext>
             </a:extLst>
           </p:cNvPr>
@@ -38145,8 +38283,8 @@
         </p:blipFill>
         <p:spPr>
           <a:xfrm>
-            <a:off x="858416" y="1964445"/>
-            <a:ext cx="5305264" cy="2861359"/>
+            <a:off x="6096000" y="1883014"/>
+            <a:ext cx="5391510" cy="3015593"/>
           </a:xfrm>
           <a:prstGeom prst="rect">
             <a:avLst/>
@@ -38165,10 +38303,10 @@
       </p:pic>
       <p:pic>
         <p:nvPicPr>
-          <p:cNvPr id="5" name="Picture 4">
+          <p:cNvPr id="8" name="Picture 7">
             <a:extLst>
               <a:ext uri="{FF2B5EF4-FFF2-40B4-BE49-F238E27FC236}">
-                <a16:creationId xmlns:a16="http://schemas.microsoft.com/office/drawing/2014/main" id="{EFDB536C-7994-5047-57C1-ACE667DD5FB0}"/>
+                <a16:creationId xmlns:a16="http://schemas.microsoft.com/office/drawing/2014/main" id="{03ECC783-6291-37E0-2CE7-E5CF708C521F}"/>
               </a:ext>
             </a:extLst>
           </p:cNvPr>
@@ -38185,8 +38323,190 @@
         </p:blipFill>
         <p:spPr>
           <a:xfrm>
-            <a:off x="6484772" y="1964444"/>
-            <a:ext cx="5312765" cy="2861359"/>
+            <a:off x="859765" y="1898538"/>
+            <a:ext cx="5066581" cy="2984543"/>
+          </a:xfrm>
+          <a:prstGeom prst="rect">
+            <a:avLst/>
+          </a:prstGeom>
+          <a:ln>
+            <a:noFill/>
+          </a:ln>
+          <a:effectLst>
+            <a:outerShdw blurRad="292100" dist="139700" dir="2700000" algn="tl" rotWithShape="0">
+              <a:srgbClr val="333333">
+                <a:alpha val="65000"/>
+              </a:srgbClr>
+            </a:outerShdw>
+          </a:effectLst>
+        </p:spPr>
+      </p:pic>
+    </p:spTree>
+    <p:extLst>
+      <p:ext uri="{BB962C8B-B14F-4D97-AF65-F5344CB8AC3E}">
+        <p14:creationId xmlns:p14="http://schemas.microsoft.com/office/powerpoint/2010/main" val="101684889"/>
+      </p:ext>
+    </p:extLst>
+  </p:cSld>
+  <p:clrMapOvr>
+    <a:masterClrMapping/>
+  </p:clrMapOvr>
+</p:sld>
+</file>
+
+<file path=ppt/slides/slide6.xml><?xml version="1.0" encoding="utf-8"?>
+<p:sld xmlns:a="http://schemas.openxmlformats.org/drawingml/2006/main" xmlns:r="http://schemas.openxmlformats.org/officeDocument/2006/relationships" xmlns:p="http://schemas.openxmlformats.org/presentationml/2006/main">
+  <p:cSld>
+    <p:spTree>
+      <p:nvGrpSpPr>
+        <p:cNvPr id="1" name=""/>
+        <p:cNvGrpSpPr/>
+        <p:nvPr/>
+      </p:nvGrpSpPr>
+      <p:grpSpPr>
+        <a:xfrm>
+          <a:off x="0" y="0"/>
+          <a:ext cx="0" cy="0"/>
+          <a:chOff x="0" y="0"/>
+          <a:chExt cx="0" cy="0"/>
+        </a:xfrm>
+      </p:grpSpPr>
+      <p:sp>
+        <p:nvSpPr>
+          <p:cNvPr id="13" name="Title 12"/>
+          <p:cNvSpPr>
+            <a:spLocks noGrp="1"/>
+          </p:cNvSpPr>
+          <p:nvPr>
+            <p:ph type="title"/>
+          </p:nvPr>
+        </p:nvSpPr>
+        <p:spPr>
+          <a:xfrm>
+            <a:off x="514710" y="157212"/>
+            <a:ext cx="10972800" cy="645045"/>
+          </a:xfrm>
+        </p:spPr>
+        <p:txBody>
+          <a:bodyPr/>
+          <a:lstStyle/>
+          <a:p>
+            <a:r>
+              <a:rPr lang="en-US" sz="3600" dirty="0"/>
+              <a:t>Test Cases Passed </a:t>
+            </a:r>
+            <a:r>
+              <a:rPr lang="en-US" sz="3600" dirty="0" err="1"/>
+              <a:t>TestNg</a:t>
+            </a:r>
+            <a:endParaRPr lang="en-US" sz="3600" dirty="0"/>
+          </a:p>
+        </p:txBody>
+      </p:sp>
+      <p:pic>
+        <p:nvPicPr>
+          <p:cNvPr id="4" name="Picture 3">
+            <a:extLst>
+              <a:ext uri="{FF2B5EF4-FFF2-40B4-BE49-F238E27FC236}">
+                <a16:creationId xmlns:a16="http://schemas.microsoft.com/office/drawing/2014/main" id="{12F97A95-E987-EFCB-A468-597C449C042F}"/>
+              </a:ext>
+            </a:extLst>
+          </p:cNvPr>
+          <p:cNvPicPr>
+            <a:picLocks noChangeAspect="1"/>
+          </p:cNvPicPr>
+          <p:nvPr/>
+        </p:nvPicPr>
+        <p:blipFill>
+          <a:blip r:embed="rId2"/>
+          <a:stretch>
+            <a:fillRect/>
+          </a:stretch>
+        </p:blipFill>
+        <p:spPr>
+          <a:xfrm>
+            <a:off x="580845" y="913747"/>
+            <a:ext cx="4559059" cy="2163195"/>
+          </a:xfrm>
+          <a:prstGeom prst="rect">
+            <a:avLst/>
+          </a:prstGeom>
+          <a:ln>
+            <a:noFill/>
+          </a:ln>
+          <a:effectLst>
+            <a:outerShdw blurRad="292100" dist="139700" dir="2700000" algn="tl" rotWithShape="0">
+              <a:srgbClr val="333333">
+                <a:alpha val="65000"/>
+              </a:srgbClr>
+            </a:outerShdw>
+          </a:effectLst>
+        </p:spPr>
+      </p:pic>
+      <p:pic>
+        <p:nvPicPr>
+          <p:cNvPr id="7" name="Picture 6">
+            <a:extLst>
+              <a:ext uri="{FF2B5EF4-FFF2-40B4-BE49-F238E27FC236}">
+                <a16:creationId xmlns:a16="http://schemas.microsoft.com/office/drawing/2014/main" id="{03F83472-931F-96AE-D1EF-413BDB2C1909}"/>
+              </a:ext>
+            </a:extLst>
+          </p:cNvPr>
+          <p:cNvPicPr>
+            <a:picLocks noChangeAspect="1"/>
+          </p:cNvPicPr>
+          <p:nvPr/>
+        </p:nvPicPr>
+        <p:blipFill>
+          <a:blip r:embed="rId3"/>
+          <a:stretch>
+            <a:fillRect/>
+          </a:stretch>
+        </p:blipFill>
+        <p:spPr>
+          <a:xfrm>
+            <a:off x="5279365" y="913747"/>
+            <a:ext cx="6331790" cy="2163195"/>
+          </a:xfrm>
+          <a:prstGeom prst="rect">
+            <a:avLst/>
+          </a:prstGeom>
+          <a:ln>
+            <a:noFill/>
+          </a:ln>
+          <a:effectLst>
+            <a:outerShdw blurRad="292100" dist="139700" dir="2700000" algn="tl" rotWithShape="0">
+              <a:srgbClr val="333333">
+                <a:alpha val="65000"/>
+              </a:srgbClr>
+            </a:outerShdw>
+          </a:effectLst>
+        </p:spPr>
+      </p:pic>
+      <p:pic>
+        <p:nvPicPr>
+          <p:cNvPr id="9" name="Picture 8">
+            <a:extLst>
+              <a:ext uri="{FF2B5EF4-FFF2-40B4-BE49-F238E27FC236}">
+                <a16:creationId xmlns:a16="http://schemas.microsoft.com/office/drawing/2014/main" id="{7804301B-31B6-2FA9-24DF-77A5ACD45DB4}"/>
+              </a:ext>
+            </a:extLst>
+          </p:cNvPr>
+          <p:cNvPicPr>
+            <a:picLocks noChangeAspect="1"/>
+          </p:cNvPicPr>
+          <p:nvPr/>
+        </p:nvPicPr>
+        <p:blipFill>
+          <a:blip r:embed="rId4"/>
+          <a:stretch>
+            <a:fillRect/>
+          </a:stretch>
+        </p:blipFill>
+        <p:spPr>
+          <a:xfrm>
+            <a:off x="2860374" y="3299663"/>
+            <a:ext cx="5712844" cy="2959128"/>
           </a:xfrm>
           <a:prstGeom prst="rect">
             <a:avLst/>
@@ -38216,7 +38536,7 @@
 </p:sld>
 </file>
 
-<file path=ppt/slides/slide6.xml><?xml version="1.0" encoding="utf-8"?>
+<file path=ppt/slides/slide7.xml><?xml version="1.0" encoding="utf-8"?>
 <p:sld xmlns:a="http://schemas.openxmlformats.org/drawingml/2006/main" xmlns:r="http://schemas.openxmlformats.org/officeDocument/2006/relationships" xmlns:p="http://schemas.openxmlformats.org/presentationml/2006/main">
   <p:cSld>
     <p:spTree>
@@ -38365,7 +38685,7 @@
 </p:sld>
 </file>
 
-<file path=ppt/slides/slide7.xml><?xml version="1.0" encoding="utf-8"?>
+<file path=ppt/slides/slide8.xml><?xml version="1.0" encoding="utf-8"?>
 <p:sld xmlns:a="http://schemas.openxmlformats.org/drawingml/2006/main" xmlns:r="http://schemas.openxmlformats.org/officeDocument/2006/relationships" xmlns:p="http://schemas.openxmlformats.org/presentationml/2006/main">
   <p:cSld>
     <p:spTree>
@@ -38582,7 +38902,7 @@
 </p:sld>
 </file>
 
-<file path=ppt/slides/slide8.xml><?xml version="1.0" encoding="utf-8"?>
+<file path=ppt/slides/slide9.xml><?xml version="1.0" encoding="utf-8"?>
 <p:sld xmlns:a="http://schemas.openxmlformats.org/drawingml/2006/main" xmlns:r="http://schemas.openxmlformats.org/officeDocument/2006/relationships" xmlns:p="http://schemas.openxmlformats.org/presentationml/2006/main">
   <p:cSld>
     <p:spTree>
@@ -38757,143 +39077,6 @@
     <p:extLst>
       <p:ext uri="{BB962C8B-B14F-4D97-AF65-F5344CB8AC3E}">
         <p14:creationId xmlns:p14="http://schemas.microsoft.com/office/powerpoint/2010/main" val="439662290"/>
-      </p:ext>
-    </p:extLst>
-  </p:cSld>
-  <p:clrMapOvr>
-    <a:masterClrMapping/>
-  </p:clrMapOvr>
-</p:sld>
-</file>
-
-<file path=ppt/slides/slide9.xml><?xml version="1.0" encoding="utf-8"?>
-<p:sld xmlns:a="http://schemas.openxmlformats.org/drawingml/2006/main" xmlns:r="http://schemas.openxmlformats.org/officeDocument/2006/relationships" xmlns:p="http://schemas.openxmlformats.org/presentationml/2006/main">
-  <p:cSld>
-    <p:spTree>
-      <p:nvGrpSpPr>
-        <p:cNvPr id="1" name=""/>
-        <p:cNvGrpSpPr/>
-        <p:nvPr/>
-      </p:nvGrpSpPr>
-      <p:grpSpPr>
-        <a:xfrm>
-          <a:off x="0" y="0"/>
-          <a:ext cx="0" cy="0"/>
-          <a:chOff x="0" y="0"/>
-          <a:chExt cx="0" cy="0"/>
-        </a:xfrm>
-      </p:grpSpPr>
-      <p:sp>
-        <p:nvSpPr>
-          <p:cNvPr id="13" name="Title 12"/>
-          <p:cNvSpPr>
-            <a:spLocks noGrp="1"/>
-          </p:cNvSpPr>
-          <p:nvPr>
-            <p:ph type="title"/>
-          </p:nvPr>
-        </p:nvSpPr>
-        <p:spPr>
-          <a:xfrm>
-            <a:off x="609600" y="0"/>
-            <a:ext cx="10972800" cy="845389"/>
-          </a:xfrm>
-        </p:spPr>
-        <p:txBody>
-          <a:bodyPr/>
-          <a:lstStyle/>
-          <a:p>
-            <a:r>
-              <a:rPr lang="en-US" dirty="0"/>
-              <a:t>Test report from Zephyr screenshot</a:t>
-            </a:r>
-          </a:p>
-        </p:txBody>
-      </p:sp>
-      <p:pic>
-        <p:nvPicPr>
-          <p:cNvPr id="3" name="Picture 2" descr="A screenshot of a computer&#10;&#10;AI-generated content may be incorrect.">
-            <a:extLst>
-              <a:ext uri="{FF2B5EF4-FFF2-40B4-BE49-F238E27FC236}">
-                <a16:creationId xmlns:a16="http://schemas.microsoft.com/office/drawing/2014/main" id="{953DCB4F-9ECC-9769-7C15-089EBF949934}"/>
-              </a:ext>
-            </a:extLst>
-          </p:cNvPr>
-          <p:cNvPicPr>
-            <a:picLocks noChangeAspect="1"/>
-          </p:cNvPicPr>
-          <p:nvPr/>
-        </p:nvPicPr>
-        <p:blipFill>
-          <a:blip r:embed="rId2"/>
-          <a:stretch>
-            <a:fillRect/>
-          </a:stretch>
-        </p:blipFill>
-        <p:spPr>
-          <a:xfrm>
-            <a:off x="6438184" y="1468721"/>
-            <a:ext cx="5442617" cy="3037466"/>
-          </a:xfrm>
-          <a:prstGeom prst="rect">
-            <a:avLst/>
-          </a:prstGeom>
-          <a:ln>
-            <a:noFill/>
-          </a:ln>
-          <a:effectLst>
-            <a:outerShdw blurRad="292100" dist="139700" dir="2700000" algn="tl" rotWithShape="0">
-              <a:srgbClr val="333333">
-                <a:alpha val="65000"/>
-              </a:srgbClr>
-            </a:outerShdw>
-          </a:effectLst>
-        </p:spPr>
-      </p:pic>
-      <p:pic>
-        <p:nvPicPr>
-          <p:cNvPr id="5" name="Picture 4" descr="A screenshot of a computer&#10;&#10;AI-generated content may be incorrect.">
-            <a:extLst>
-              <a:ext uri="{FF2B5EF4-FFF2-40B4-BE49-F238E27FC236}">
-                <a16:creationId xmlns:a16="http://schemas.microsoft.com/office/drawing/2014/main" id="{A358318D-1790-3C1D-B89D-3A8466CE60B0}"/>
-              </a:ext>
-            </a:extLst>
-          </p:cNvPr>
-          <p:cNvPicPr>
-            <a:picLocks noChangeAspect="1"/>
-          </p:cNvPicPr>
-          <p:nvPr/>
-        </p:nvPicPr>
-        <p:blipFill>
-          <a:blip r:embed="rId3"/>
-          <a:stretch>
-            <a:fillRect/>
-          </a:stretch>
-        </p:blipFill>
-        <p:spPr>
-          <a:xfrm>
-            <a:off x="652730" y="1468720"/>
-            <a:ext cx="5670136" cy="3037467"/>
-          </a:xfrm>
-          <a:prstGeom prst="rect">
-            <a:avLst/>
-          </a:prstGeom>
-          <a:ln>
-            <a:noFill/>
-          </a:ln>
-          <a:effectLst>
-            <a:outerShdw blurRad="292100" dist="139700" dir="2700000" algn="tl" rotWithShape="0">
-              <a:srgbClr val="333333">
-                <a:alpha val="65000"/>
-              </a:srgbClr>
-            </a:outerShdw>
-          </a:effectLst>
-        </p:spPr>
-      </p:pic>
-    </p:spTree>
-    <p:extLst>
-      <p:ext uri="{BB962C8B-B14F-4D97-AF65-F5344CB8AC3E}">
-        <p14:creationId xmlns:p14="http://schemas.microsoft.com/office/powerpoint/2010/main" val="527623217"/>
       </p:ext>
     </p:extLst>
   </p:cSld>
